--- a/FYP/FYPTimeline 6th June Edition.pptx
+++ b/FYP/FYPTimeline 6th June Edition.pptx
@@ -5,10 +5,11 @@
     <p:sldMasterId id="2147483660" r:id="rId1"/>
   </p:sldMasterIdLst>
   <p:notesMasterIdLst>
-    <p:notesMasterId r:id="rId3"/>
+    <p:notesMasterId r:id="rId4"/>
   </p:notesMasterIdLst>
   <p:sldIdLst>
     <p:sldId id="256" r:id="rId2"/>
+    <p:sldId id="257" r:id="rId3"/>
   </p:sldIdLst>
   <p:sldSz cx="12801600" cy="9601200" type="A3"/>
   <p:notesSz cx="6858000" cy="9144000"/>
@@ -208,7 +209,7 @@
           <a:p>
             <a:fld id="{D8A5F3BE-A6C5-E54D-9A35-A968F4ADF59A}" type="datetimeFigureOut">
               <a:rPr lang="en-US" smtClean="0"/>
-              <a:t>6/5/2016</a:t>
+              <a:t>6/6/16</a:t>
             </a:fld>
             <a:endParaRPr lang="en-US"/>
           </a:p>
@@ -696,7 +697,7 @@
           <a:p>
             <a:fld id="{D93CE7DB-6B87-9F48-AC89-27FF703009F0}" type="datetimeFigureOut">
               <a:rPr lang="en-US" smtClean="0"/>
-              <a:t>6/5/2016</a:t>
+              <a:t>6/6/16</a:t>
             </a:fld>
             <a:endParaRPr lang="en-US"/>
           </a:p>
@@ -866,7 +867,7 @@
           <a:p>
             <a:fld id="{D93CE7DB-6B87-9F48-AC89-27FF703009F0}" type="datetimeFigureOut">
               <a:rPr lang="en-US" smtClean="0"/>
-              <a:t>6/5/2016</a:t>
+              <a:t>6/6/16</a:t>
             </a:fld>
             <a:endParaRPr lang="en-US"/>
           </a:p>
@@ -1046,7 +1047,7 @@
           <a:p>
             <a:fld id="{D93CE7DB-6B87-9F48-AC89-27FF703009F0}" type="datetimeFigureOut">
               <a:rPr lang="en-US" smtClean="0"/>
-              <a:t>6/5/2016</a:t>
+              <a:t>6/6/16</a:t>
             </a:fld>
             <a:endParaRPr lang="en-US"/>
           </a:p>
@@ -1216,7 +1217,7 @@
           <a:p>
             <a:fld id="{D93CE7DB-6B87-9F48-AC89-27FF703009F0}" type="datetimeFigureOut">
               <a:rPr lang="en-US" smtClean="0"/>
-              <a:t>6/5/2016</a:t>
+              <a:t>6/6/16</a:t>
             </a:fld>
             <a:endParaRPr lang="en-US"/>
           </a:p>
@@ -1460,7 +1461,7 @@
           <a:p>
             <a:fld id="{D93CE7DB-6B87-9F48-AC89-27FF703009F0}" type="datetimeFigureOut">
               <a:rPr lang="en-US" smtClean="0"/>
-              <a:t>6/5/2016</a:t>
+              <a:t>6/6/16</a:t>
             </a:fld>
             <a:endParaRPr lang="en-US"/>
           </a:p>
@@ -1692,7 +1693,7 @@
           <a:p>
             <a:fld id="{D93CE7DB-6B87-9F48-AC89-27FF703009F0}" type="datetimeFigureOut">
               <a:rPr lang="en-US" smtClean="0"/>
-              <a:t>6/5/2016</a:t>
+              <a:t>6/6/16</a:t>
             </a:fld>
             <a:endParaRPr lang="en-US"/>
           </a:p>
@@ -2059,7 +2060,7 @@
           <a:p>
             <a:fld id="{D93CE7DB-6B87-9F48-AC89-27FF703009F0}" type="datetimeFigureOut">
               <a:rPr lang="en-US" smtClean="0"/>
-              <a:t>6/5/2016</a:t>
+              <a:t>6/6/16</a:t>
             </a:fld>
             <a:endParaRPr lang="en-US"/>
           </a:p>
@@ -2177,7 +2178,7 @@
           <a:p>
             <a:fld id="{D93CE7DB-6B87-9F48-AC89-27FF703009F0}" type="datetimeFigureOut">
               <a:rPr lang="en-US" smtClean="0"/>
-              <a:t>6/5/2016</a:t>
+              <a:t>6/6/16</a:t>
             </a:fld>
             <a:endParaRPr lang="en-US"/>
           </a:p>
@@ -2272,7 +2273,7 @@
           <a:p>
             <a:fld id="{D93CE7DB-6B87-9F48-AC89-27FF703009F0}" type="datetimeFigureOut">
               <a:rPr lang="en-US" smtClean="0"/>
-              <a:t>6/5/2016</a:t>
+              <a:t>6/6/16</a:t>
             </a:fld>
             <a:endParaRPr lang="en-US"/>
           </a:p>
@@ -2549,7 +2550,7 @@
           <a:p>
             <a:fld id="{D93CE7DB-6B87-9F48-AC89-27FF703009F0}" type="datetimeFigureOut">
               <a:rPr lang="en-US" smtClean="0"/>
-              <a:t>6/5/2016</a:t>
+              <a:t>6/6/16</a:t>
             </a:fld>
             <a:endParaRPr lang="en-US"/>
           </a:p>
@@ -2806,7 +2807,7 @@
           <a:p>
             <a:fld id="{D93CE7DB-6B87-9F48-AC89-27FF703009F0}" type="datetimeFigureOut">
               <a:rPr lang="en-US" smtClean="0"/>
-              <a:t>6/5/2016</a:t>
+              <a:t>6/6/16</a:t>
             </a:fld>
             <a:endParaRPr lang="en-US"/>
           </a:p>
@@ -3019,7 +3020,7 @@
           <a:p>
             <a:fld id="{D93CE7DB-6B87-9F48-AC89-27FF703009F0}" type="datetimeFigureOut">
               <a:rPr lang="en-US" smtClean="0"/>
-              <a:t>6/5/2016</a:t>
+              <a:t>6/6/16</a:t>
             </a:fld>
             <a:endParaRPr lang="en-US"/>
           </a:p>
@@ -3424,56 +3425,6 @@
           <a:chExt cx="0" cy="0"/>
         </a:xfrm>
       </p:grpSpPr>
-      <p:sp>
-        <p:nvSpPr>
-          <p:cNvPr id="89" name="Rectangle 88"/>
-          <p:cNvSpPr/>
-          <p:nvPr/>
-        </p:nvSpPr>
-        <p:spPr>
-          <a:xfrm>
-            <a:off x="6912103" y="151075"/>
-            <a:ext cx="1806426" cy="1542553"/>
-          </a:xfrm>
-          <a:prstGeom prst="rect">
-            <a:avLst/>
-          </a:prstGeom>
-          <a:solidFill>
-            <a:srgbClr val="E7E7E7"/>
-          </a:solidFill>
-          <a:ln>
-            <a:solidFill>
-              <a:schemeClr val="accent6">
-                <a:lumMod val="50000"/>
-              </a:schemeClr>
-            </a:solidFill>
-          </a:ln>
-        </p:spPr>
-        <p:style>
-          <a:lnRef idx="2">
-            <a:schemeClr val="accent1">
-              <a:shade val="50000"/>
-            </a:schemeClr>
-          </a:lnRef>
-          <a:fillRef idx="1">
-            <a:schemeClr val="accent1"/>
-          </a:fillRef>
-          <a:effectRef idx="0">
-            <a:schemeClr val="accent1"/>
-          </a:effectRef>
-          <a:fontRef idx="minor">
-            <a:schemeClr val="lt1"/>
-          </a:fontRef>
-        </p:style>
-        <p:txBody>
-          <a:bodyPr rtlCol="0" anchor="ctr"/>
-          <a:lstStyle/>
-          <a:p>
-            <a:pPr algn="ctr"/>
-            <a:endParaRPr lang="en-SG"/>
-          </a:p>
-        </p:txBody>
-      </p:sp>
       <p:cxnSp>
         <p:nvCxnSpPr>
           <p:cNvPr id="5" name="Straight Connector 4"/>
@@ -5145,7 +5096,7 @@
                 <a:gridCol w="1612468">
                   <a:extLst>
                     <a:ext uri="{9D8B030D-6E8A-4147-A177-3AD203B41FA5}">
-                      <a16:colId xmlns:a16="http://schemas.microsoft.com/office/drawing/2014/main" val="20000"/>
+                      <a16:colId xmlns:a16="http://schemas.microsoft.com/office/drawing/2014/main" xmlns="" val="20000"/>
                     </a:ext>
                   </a:extLst>
                 </a:gridCol>
@@ -5220,7 +5171,7 @@
                 </a:tc>
                 <a:extLst>
                   <a:ext uri="{0D108BD9-81ED-4DB2-BD59-A6C34878D82A}">
-                    <a16:rowId xmlns:a16="http://schemas.microsoft.com/office/drawing/2014/main" val="10000"/>
+                    <a16:rowId xmlns:a16="http://schemas.microsoft.com/office/drawing/2014/main" xmlns="" val="10000"/>
                   </a:ext>
                 </a:extLst>
               </a:tr>
@@ -5254,7 +5205,7 @@
                 </a:tc>
                 <a:extLst>
                   <a:ext uri="{0D108BD9-81ED-4DB2-BD59-A6C34878D82A}">
-                    <a16:rowId xmlns:a16="http://schemas.microsoft.com/office/drawing/2014/main" val="10001"/>
+                    <a16:rowId xmlns:a16="http://schemas.microsoft.com/office/drawing/2014/main" xmlns="" val="10001"/>
                   </a:ext>
                 </a:extLst>
               </a:tr>
@@ -5296,7 +5247,7 @@
                 </a:tc>
                 <a:extLst>
                   <a:ext uri="{0D108BD9-81ED-4DB2-BD59-A6C34878D82A}">
-                    <a16:rowId xmlns:a16="http://schemas.microsoft.com/office/drawing/2014/main" val="10002"/>
+                    <a16:rowId xmlns:a16="http://schemas.microsoft.com/office/drawing/2014/main" xmlns="" val="10002"/>
                   </a:ext>
                 </a:extLst>
               </a:tr>
@@ -5330,7 +5281,7 @@
                 </a:tc>
                 <a:extLst>
                   <a:ext uri="{0D108BD9-81ED-4DB2-BD59-A6C34878D82A}">
-                    <a16:rowId xmlns:a16="http://schemas.microsoft.com/office/drawing/2014/main" val="10003"/>
+                    <a16:rowId xmlns:a16="http://schemas.microsoft.com/office/drawing/2014/main" xmlns="" val="10003"/>
                   </a:ext>
                 </a:extLst>
               </a:tr>
@@ -5338,272 +5289,6 @@
           </a:graphicData>
         </a:graphic>
       </p:graphicFrame>
-      <p:sp>
-        <p:nvSpPr>
-          <p:cNvPr id="57" name="Oval 56"/>
-          <p:cNvSpPr/>
-          <p:nvPr/>
-        </p:nvSpPr>
-        <p:spPr>
-          <a:xfrm>
-            <a:off x="6993390" y="270300"/>
-            <a:ext cx="270614" cy="268395"/>
-          </a:xfrm>
-          <a:prstGeom prst="ellipse">
-            <a:avLst/>
-          </a:prstGeom>
-          <a:solidFill>
-            <a:srgbClr val="BDC3C7"/>
-          </a:solidFill>
-          <a:ln>
-            <a:solidFill>
-              <a:schemeClr val="bg2">
-                <a:lumMod val="75000"/>
-              </a:schemeClr>
-            </a:solidFill>
-          </a:ln>
-        </p:spPr>
-        <p:style>
-          <a:lnRef idx="2">
-            <a:schemeClr val="accent1">
-              <a:shade val="50000"/>
-            </a:schemeClr>
-          </a:lnRef>
-          <a:fillRef idx="1">
-            <a:schemeClr val="accent1"/>
-          </a:fillRef>
-          <a:effectRef idx="0">
-            <a:schemeClr val="accent1"/>
-          </a:effectRef>
-          <a:fontRef idx="minor">
-            <a:schemeClr val="lt1"/>
-          </a:fontRef>
-        </p:style>
-        <p:txBody>
-          <a:bodyPr rtlCol="0" anchor="ctr"/>
-          <a:lstStyle/>
-          <a:p>
-            <a:pPr algn="ctr"/>
-            <a:endParaRPr lang="en-US" sz="1471" dirty="0">
-              <a:latin typeface="Noveo Sans" charset="0"/>
-              <a:ea typeface="Noveo Sans" charset="0"/>
-              <a:cs typeface="Noveo Sans" charset="0"/>
-            </a:endParaRPr>
-          </a:p>
-        </p:txBody>
-      </p:sp>
-      <p:sp>
-        <p:nvSpPr>
-          <p:cNvPr id="59" name="TextBox 58"/>
-          <p:cNvSpPr txBox="1"/>
-          <p:nvPr/>
-        </p:nvSpPr>
-        <p:spPr>
-          <a:xfrm>
-            <a:off x="7234354" y="262848"/>
-            <a:ext cx="2136001" cy="286232"/>
-          </a:xfrm>
-          <a:prstGeom prst="rect">
-            <a:avLst/>
-          </a:prstGeom>
-          <a:noFill/>
-        </p:spPr>
-        <p:txBody>
-          <a:bodyPr wrap="square" rtlCol="0">
-            <a:spAutoFit/>
-          </a:bodyPr>
-          <a:lstStyle/>
-          <a:p>
-            <a:r>
-              <a:rPr lang="en-US" sz="1260" dirty="0">
-                <a:latin typeface="Noveo Sans" charset="0"/>
-                <a:ea typeface="Noveo Sans" charset="0"/>
-                <a:cs typeface="Noveo Sans" charset="0"/>
-              </a:rPr>
-              <a:t>= Iteration Number</a:t>
-            </a:r>
-          </a:p>
-        </p:txBody>
-      </p:sp>
-      <p:sp>
-        <p:nvSpPr>
-          <p:cNvPr id="60" name="Rectangle 59"/>
-          <p:cNvSpPr/>
-          <p:nvPr/>
-        </p:nvSpPr>
-        <p:spPr>
-          <a:xfrm>
-            <a:off x="6993389" y="574372"/>
-            <a:ext cx="1190833" cy="211687"/>
-          </a:xfrm>
-          <a:prstGeom prst="rect">
-            <a:avLst/>
-          </a:prstGeom>
-          <a:solidFill>
-            <a:srgbClr val="FDB813"/>
-          </a:solidFill>
-          <a:ln>
-            <a:noFill/>
-          </a:ln>
-        </p:spPr>
-        <p:style>
-          <a:lnRef idx="2">
-            <a:schemeClr val="accent1">
-              <a:shade val="50000"/>
-            </a:schemeClr>
-          </a:lnRef>
-          <a:fillRef idx="1">
-            <a:schemeClr val="accent1"/>
-          </a:fillRef>
-          <a:effectRef idx="0">
-            <a:schemeClr val="accent1"/>
-          </a:effectRef>
-          <a:fontRef idx="minor">
-            <a:schemeClr val="lt1"/>
-          </a:fontRef>
-        </p:style>
-        <p:txBody>
-          <a:bodyPr rot="0" spcFirstLastPara="0" vertOverflow="overflow" horzOverflow="overflow" vert="horz" wrap="square" lIns="96012" tIns="48007" rIns="96012" bIns="48007" numCol="1" spcCol="0" rtlCol="0" fromWordArt="0" anchor="ctr" anchorCtr="0" forceAA="0" compatLnSpc="1">
-            <a:prstTxWarp prst="textNoShape">
-              <a:avLst/>
-            </a:prstTxWarp>
-            <a:noAutofit/>
-          </a:bodyPr>
-          <a:lstStyle/>
-          <a:p>
-            <a:pPr algn="ctr"/>
-            <a:r>
-              <a:rPr lang="en-US" sz="1680" dirty="0">
-                <a:latin typeface="Noveo Sans" charset="0"/>
-                <a:ea typeface="Noveo Sans" charset="0"/>
-                <a:cs typeface="Noveo Sans" charset="0"/>
-              </a:rPr>
-              <a:t>User Test</a:t>
-            </a:r>
-          </a:p>
-        </p:txBody>
-      </p:sp>
-      <p:sp>
-        <p:nvSpPr>
-          <p:cNvPr id="61" name="Rectangle 60"/>
-          <p:cNvSpPr/>
-          <p:nvPr/>
-        </p:nvSpPr>
-        <p:spPr>
-          <a:xfrm>
-            <a:off x="6993390" y="821418"/>
-            <a:ext cx="1190833" cy="237239"/>
-          </a:xfrm>
-          <a:prstGeom prst="rect">
-            <a:avLst/>
-          </a:prstGeom>
-          <a:solidFill>
-            <a:srgbClr val="DE1A54"/>
-          </a:solidFill>
-          <a:ln>
-            <a:noFill/>
-          </a:ln>
-        </p:spPr>
-        <p:style>
-          <a:lnRef idx="2">
-            <a:schemeClr val="accent1">
-              <a:shade val="50000"/>
-            </a:schemeClr>
-          </a:lnRef>
-          <a:fillRef idx="1">
-            <a:schemeClr val="accent1"/>
-          </a:fillRef>
-          <a:effectRef idx="0">
-            <a:schemeClr val="accent1"/>
-          </a:effectRef>
-          <a:fontRef idx="minor">
-            <a:schemeClr val="lt1"/>
-          </a:fontRef>
-        </p:style>
-        <p:txBody>
-          <a:bodyPr rot="0" spcFirstLastPara="0" vertOverflow="overflow" horzOverflow="overflow" vert="horz" wrap="square" lIns="96012" tIns="48007" rIns="96012" bIns="48007" numCol="1" spcCol="0" rtlCol="0" fromWordArt="0" anchor="ctr" anchorCtr="0" forceAA="0" compatLnSpc="1">
-            <a:prstTxWarp prst="textNoShape">
-              <a:avLst/>
-            </a:prstTxWarp>
-            <a:noAutofit/>
-          </a:bodyPr>
-          <a:lstStyle/>
-          <a:p>
-            <a:pPr algn="ctr"/>
-            <a:r>
-              <a:rPr lang="en-US" sz="1680" dirty="0">
-                <a:latin typeface="Noveo Sans" charset="0"/>
-                <a:ea typeface="Noveo Sans" charset="0"/>
-                <a:cs typeface="Noveo Sans" charset="0"/>
-              </a:rPr>
-              <a:t>Milestones</a:t>
-            </a:r>
-          </a:p>
-        </p:txBody>
-      </p:sp>
-      <p:sp>
-        <p:nvSpPr>
-          <p:cNvPr id="62" name="Rectangle 61"/>
-          <p:cNvSpPr/>
-          <p:nvPr/>
-        </p:nvSpPr>
-        <p:spPr>
-          <a:xfrm>
-            <a:off x="6993390" y="1107988"/>
-            <a:ext cx="1190833" cy="489739"/>
-          </a:xfrm>
-          <a:prstGeom prst="rect">
-            <a:avLst/>
-          </a:prstGeom>
-          <a:solidFill>
-            <a:srgbClr val="0068B3"/>
-          </a:solidFill>
-          <a:ln>
-            <a:noFill/>
-          </a:ln>
-        </p:spPr>
-        <p:style>
-          <a:lnRef idx="2">
-            <a:schemeClr val="accent1">
-              <a:shade val="50000"/>
-            </a:schemeClr>
-          </a:lnRef>
-          <a:fillRef idx="1">
-            <a:schemeClr val="accent1"/>
-          </a:fillRef>
-          <a:effectRef idx="0">
-            <a:schemeClr val="accent1"/>
-          </a:effectRef>
-          <a:fontRef idx="minor">
-            <a:schemeClr val="lt1"/>
-          </a:fontRef>
-        </p:style>
-        <p:txBody>
-          <a:bodyPr rot="0" spcFirstLastPara="0" vertOverflow="overflow" horzOverflow="overflow" vert="horz" wrap="square" lIns="96012" tIns="48007" rIns="96012" bIns="48007" numCol="1" spcCol="0" rtlCol="0" fromWordArt="0" anchor="ctr" anchorCtr="0" forceAA="0" compatLnSpc="1">
-            <a:prstTxWarp prst="textNoShape">
-              <a:avLst/>
-            </a:prstTxWarp>
-            <a:noAutofit/>
-          </a:bodyPr>
-          <a:lstStyle/>
-          <a:p>
-            <a:pPr algn="ctr"/>
-            <a:r>
-              <a:rPr lang="en-US" sz="1680">
-                <a:latin typeface="Noveo Sans" charset="0"/>
-                <a:ea typeface="Noveo Sans" charset="0"/>
-                <a:cs typeface="Noveo Sans" charset="0"/>
-              </a:rPr>
-              <a:t>Client Review</a:t>
-            </a:r>
-            <a:endParaRPr lang="en-US" sz="1680" dirty="0">
-              <a:latin typeface="Noveo Sans" charset="0"/>
-              <a:ea typeface="Noveo Sans" charset="0"/>
-              <a:cs typeface="Noveo Sans" charset="0"/>
-            </a:endParaRPr>
-          </a:p>
-        </p:txBody>
-      </p:sp>
       <p:cxnSp>
         <p:nvCxnSpPr>
           <p:cNvPr id="58" name="Straight Connector 57"/>
@@ -5655,7 +5340,7 @@
         </p:nvGraphicFramePr>
         <p:xfrm>
           <a:off x="54452" y="2158409"/>
-          <a:ext cx="1806426" cy="1623884"/>
+          <a:ext cx="1806426" cy="1805610"/>
         </p:xfrm>
         <a:graphic>
           <a:graphicData uri="http://schemas.openxmlformats.org/drawingml/2006/table">
@@ -5667,7 +5352,7 @@
                 <a:gridCol w="1806426">
                   <a:extLst>
                     <a:ext uri="{9D8B030D-6E8A-4147-A177-3AD203B41FA5}">
-                      <a16:colId xmlns:a16="http://schemas.microsoft.com/office/drawing/2014/main" val="2192527220"/>
+                      <a16:colId xmlns:a16="http://schemas.microsoft.com/office/drawing/2014/main" xmlns="" val="2192527220"/>
                     </a:ext>
                   </a:extLst>
                 </a:gridCol>
@@ -5742,7 +5427,7 @@
                 </a:tc>
                 <a:extLst>
                   <a:ext uri="{0D108BD9-81ED-4DB2-BD59-A6C34878D82A}">
-                    <a16:rowId xmlns:a16="http://schemas.microsoft.com/office/drawing/2014/main" val="1986687887"/>
+                    <a16:rowId xmlns:a16="http://schemas.microsoft.com/office/drawing/2014/main" xmlns="" val="1986687887"/>
                   </a:ext>
                 </a:extLst>
               </a:tr>
@@ -5814,7 +5499,7 @@
                 </a:tc>
                 <a:extLst>
                   <a:ext uri="{0D108BD9-81ED-4DB2-BD59-A6C34878D82A}">
-                    <a16:rowId xmlns:a16="http://schemas.microsoft.com/office/drawing/2014/main" val="3506151837"/>
+                    <a16:rowId xmlns:a16="http://schemas.microsoft.com/office/drawing/2014/main" xmlns="" val="3506151837"/>
                   </a:ext>
                 </a:extLst>
               </a:tr>
@@ -5910,7 +5595,7 @@
                 </a:tc>
                 <a:extLst>
                   <a:ext uri="{0D108BD9-81ED-4DB2-BD59-A6C34878D82A}">
-                    <a16:rowId xmlns:a16="http://schemas.microsoft.com/office/drawing/2014/main" val="1767699772"/>
+                    <a16:rowId xmlns:a16="http://schemas.microsoft.com/office/drawing/2014/main" xmlns="" val="1767699772"/>
                   </a:ext>
                 </a:extLst>
               </a:tr>
@@ -5981,7 +5666,7 @@
                 <a:gridCol w="1928341">
                   <a:extLst>
                     <a:ext uri="{9D8B030D-6E8A-4147-A177-3AD203B41FA5}">
-                      <a16:colId xmlns:a16="http://schemas.microsoft.com/office/drawing/2014/main" val="20000"/>
+                      <a16:colId xmlns:a16="http://schemas.microsoft.com/office/drawing/2014/main" xmlns="" val="20000"/>
                     </a:ext>
                   </a:extLst>
                 </a:gridCol>
@@ -6064,7 +5749,7 @@
                 </a:tc>
                 <a:extLst>
                   <a:ext uri="{0D108BD9-81ED-4DB2-BD59-A6C34878D82A}">
-                    <a16:rowId xmlns:a16="http://schemas.microsoft.com/office/drawing/2014/main" val="10000"/>
+                    <a16:rowId xmlns:a16="http://schemas.microsoft.com/office/drawing/2014/main" xmlns="" val="10000"/>
                   </a:ext>
                 </a:extLst>
               </a:tr>
@@ -6104,7 +5789,7 @@
                 </a:tc>
                 <a:extLst>
                   <a:ext uri="{0D108BD9-81ED-4DB2-BD59-A6C34878D82A}">
-                    <a16:rowId xmlns:a16="http://schemas.microsoft.com/office/drawing/2014/main" val="10001"/>
+                    <a16:rowId xmlns:a16="http://schemas.microsoft.com/office/drawing/2014/main" xmlns="" val="10001"/>
                   </a:ext>
                 </a:extLst>
               </a:tr>
@@ -6160,7 +5845,7 @@
                 </a:tc>
                 <a:extLst>
                   <a:ext uri="{0D108BD9-81ED-4DB2-BD59-A6C34878D82A}">
-                    <a16:rowId xmlns:a16="http://schemas.microsoft.com/office/drawing/2014/main" val="10002"/>
+                    <a16:rowId xmlns:a16="http://schemas.microsoft.com/office/drawing/2014/main" xmlns="" val="10002"/>
                   </a:ext>
                 </a:extLst>
               </a:tr>
@@ -6298,7 +5983,7 @@
                 </a:tc>
                 <a:extLst>
                   <a:ext uri="{0D108BD9-81ED-4DB2-BD59-A6C34878D82A}">
-                    <a16:rowId xmlns:a16="http://schemas.microsoft.com/office/drawing/2014/main" val="10003"/>
+                    <a16:rowId xmlns:a16="http://schemas.microsoft.com/office/drawing/2014/main" xmlns="" val="10003"/>
                   </a:ext>
                 </a:extLst>
               </a:tr>
@@ -6369,7 +6054,7 @@
                 <a:gridCol w="1788301">
                   <a:extLst>
                     <a:ext uri="{9D8B030D-6E8A-4147-A177-3AD203B41FA5}">
-                      <a16:colId xmlns:a16="http://schemas.microsoft.com/office/drawing/2014/main" val="2192527220"/>
+                      <a16:colId xmlns:a16="http://schemas.microsoft.com/office/drawing/2014/main" xmlns="" val="2192527220"/>
                     </a:ext>
                   </a:extLst>
                 </a:gridCol>
@@ -6460,7 +6145,7 @@
                 </a:tc>
                 <a:extLst>
                   <a:ext uri="{0D108BD9-81ED-4DB2-BD59-A6C34878D82A}">
-                    <a16:rowId xmlns:a16="http://schemas.microsoft.com/office/drawing/2014/main" val="1986687887"/>
+                    <a16:rowId xmlns:a16="http://schemas.microsoft.com/office/drawing/2014/main" xmlns="" val="1986687887"/>
                   </a:ext>
                 </a:extLst>
               </a:tr>
@@ -6516,7 +6201,7 @@
                 </a:tc>
                 <a:extLst>
                   <a:ext uri="{0D108BD9-81ED-4DB2-BD59-A6C34878D82A}">
-                    <a16:rowId xmlns:a16="http://schemas.microsoft.com/office/drawing/2014/main" val="3506151837"/>
+                    <a16:rowId xmlns:a16="http://schemas.microsoft.com/office/drawing/2014/main" xmlns="" val="3506151837"/>
                   </a:ext>
                 </a:extLst>
               </a:tr>
@@ -6654,7 +6339,7 @@
                 </a:tc>
                 <a:extLst>
                   <a:ext uri="{0D108BD9-81ED-4DB2-BD59-A6C34878D82A}">
-                    <a16:rowId xmlns:a16="http://schemas.microsoft.com/office/drawing/2014/main" val="1767699772"/>
+                    <a16:rowId xmlns:a16="http://schemas.microsoft.com/office/drawing/2014/main" xmlns="" val="1767699772"/>
                   </a:ext>
                 </a:extLst>
               </a:tr>
@@ -6725,7 +6410,7 @@
                 <a:gridCol w="1828068">
                   <a:extLst>
                     <a:ext uri="{9D8B030D-6E8A-4147-A177-3AD203B41FA5}">
-                      <a16:colId xmlns:a16="http://schemas.microsoft.com/office/drawing/2014/main" val="20000"/>
+                      <a16:colId xmlns:a16="http://schemas.microsoft.com/office/drawing/2014/main" xmlns="" val="20000"/>
                     </a:ext>
                   </a:extLst>
                 </a:gridCol>
@@ -6760,7 +6445,7 @@
                 </a:tc>
                 <a:extLst>
                   <a:ext uri="{0D108BD9-81ED-4DB2-BD59-A6C34878D82A}">
-                    <a16:rowId xmlns:a16="http://schemas.microsoft.com/office/drawing/2014/main" val="10000"/>
+                    <a16:rowId xmlns:a16="http://schemas.microsoft.com/office/drawing/2014/main" xmlns="" val="10000"/>
                   </a:ext>
                 </a:extLst>
               </a:tr>
@@ -6816,7 +6501,7 @@
                 </a:tc>
                 <a:extLst>
                   <a:ext uri="{0D108BD9-81ED-4DB2-BD59-A6C34878D82A}">
-                    <a16:rowId xmlns:a16="http://schemas.microsoft.com/office/drawing/2014/main" val="10001"/>
+                    <a16:rowId xmlns:a16="http://schemas.microsoft.com/office/drawing/2014/main" xmlns="" val="10001"/>
                   </a:ext>
                 </a:extLst>
               </a:tr>
@@ -6954,7 +6639,7 @@
                 </a:tc>
                 <a:extLst>
                   <a:ext uri="{0D108BD9-81ED-4DB2-BD59-A6C34878D82A}">
-                    <a16:rowId xmlns:a16="http://schemas.microsoft.com/office/drawing/2014/main" val="10002"/>
+                    <a16:rowId xmlns:a16="http://schemas.microsoft.com/office/drawing/2014/main" xmlns="" val="10002"/>
                   </a:ext>
                 </a:extLst>
               </a:tr>
@@ -6990,7 +6675,7 @@
                 <a:gridCol w="1806426">
                   <a:extLst>
                     <a:ext uri="{9D8B030D-6E8A-4147-A177-3AD203B41FA5}">
-                      <a16:colId xmlns:a16="http://schemas.microsoft.com/office/drawing/2014/main" val="2192527220"/>
+                      <a16:colId xmlns:a16="http://schemas.microsoft.com/office/drawing/2014/main" xmlns="" val="2192527220"/>
                     </a:ext>
                   </a:extLst>
                 </a:gridCol>
@@ -7025,7 +6710,7 @@
                 </a:tc>
                 <a:extLst>
                   <a:ext uri="{0D108BD9-81ED-4DB2-BD59-A6C34878D82A}">
-                    <a16:rowId xmlns:a16="http://schemas.microsoft.com/office/drawing/2014/main" val="1986687887"/>
+                    <a16:rowId xmlns:a16="http://schemas.microsoft.com/office/drawing/2014/main" xmlns="" val="1986687887"/>
                   </a:ext>
                 </a:extLst>
               </a:tr>
@@ -7055,11 +6740,6 @@
                         </a:rPr>
                         <a:t>Login with fingerprints</a:t>
                       </a:r>
-                      <a:endParaRPr lang="en-SG" sz="1200" dirty="0" smtClean="0">
-                        <a:latin typeface="Noveo Sans" charset="0"/>
-                        <a:ea typeface="Noveo Sans" charset="0"/>
-                        <a:cs typeface="Noveo Sans" charset="0"/>
-                      </a:endParaRPr>
                     </a:p>
                   </a:txBody>
                   <a:tcPr marL="96012" marR="96012" marT="48007" marB="48007" anchor="ctr">
@@ -7070,7 +6750,7 @@
                 </a:tc>
                 <a:extLst>
                   <a:ext uri="{0D108BD9-81ED-4DB2-BD59-A6C34878D82A}">
-                    <a16:rowId xmlns:a16="http://schemas.microsoft.com/office/drawing/2014/main" val="3506151837"/>
+                    <a16:rowId xmlns:a16="http://schemas.microsoft.com/office/drawing/2014/main" xmlns="" val="3506151837"/>
                   </a:ext>
                 </a:extLst>
               </a:tr>
@@ -7227,7 +6907,7 @@
                 </a:tc>
                 <a:extLst>
                   <a:ext uri="{0D108BD9-81ED-4DB2-BD59-A6C34878D82A}">
-                    <a16:rowId xmlns:a16="http://schemas.microsoft.com/office/drawing/2014/main" val="1767699772"/>
+                    <a16:rowId xmlns:a16="http://schemas.microsoft.com/office/drawing/2014/main" xmlns="" val="1767699772"/>
                   </a:ext>
                 </a:extLst>
               </a:tr>
@@ -7333,7 +7013,7 @@
                 <a:gridCol w="1928341">
                   <a:extLst>
                     <a:ext uri="{9D8B030D-6E8A-4147-A177-3AD203B41FA5}">
-                      <a16:colId xmlns:a16="http://schemas.microsoft.com/office/drawing/2014/main" val="20000"/>
+                      <a16:colId xmlns:a16="http://schemas.microsoft.com/office/drawing/2014/main" xmlns="" val="20000"/>
                     </a:ext>
                   </a:extLst>
                 </a:gridCol>
@@ -7368,7 +7048,7 @@
                 </a:tc>
                 <a:extLst>
                   <a:ext uri="{0D108BD9-81ED-4DB2-BD59-A6C34878D82A}">
-                    <a16:rowId xmlns:a16="http://schemas.microsoft.com/office/drawing/2014/main" val="10000"/>
+                    <a16:rowId xmlns:a16="http://schemas.microsoft.com/office/drawing/2014/main" xmlns="" val="10000"/>
                   </a:ext>
                 </a:extLst>
               </a:tr>
@@ -7402,7 +7082,7 @@
                 </a:tc>
                 <a:extLst>
                   <a:ext uri="{0D108BD9-81ED-4DB2-BD59-A6C34878D82A}">
-                    <a16:rowId xmlns:a16="http://schemas.microsoft.com/office/drawing/2014/main" val="10001"/>
+                    <a16:rowId xmlns:a16="http://schemas.microsoft.com/office/drawing/2014/main" xmlns="" val="10001"/>
                   </a:ext>
                 </a:extLst>
               </a:tr>
@@ -7448,11 +7128,6 @@
                         </a:rPr>
                         <a:t>Image Capturing</a:t>
                       </a:r>
-                      <a:endParaRPr lang="en-SG" sz="1200" dirty="0" smtClean="0">
-                        <a:latin typeface="Noveo Sans" charset="0"/>
-                        <a:ea typeface="Noveo Sans" charset="0"/>
-                        <a:cs typeface="Noveo Sans" charset="0"/>
-                      </a:endParaRPr>
                     </a:p>
                   </a:txBody>
                   <a:tcPr marL="96012" marR="96012" marT="48007" marB="48007" anchor="ctr">
@@ -7463,7 +7138,7 @@
                 </a:tc>
                 <a:extLst>
                   <a:ext uri="{0D108BD9-81ED-4DB2-BD59-A6C34878D82A}">
-                    <a16:rowId xmlns:a16="http://schemas.microsoft.com/office/drawing/2014/main" val="10002"/>
+                    <a16:rowId xmlns:a16="http://schemas.microsoft.com/office/drawing/2014/main" xmlns="" val="10002"/>
                   </a:ext>
                 </a:extLst>
               </a:tr>
@@ -7580,19 +7255,7 @@
                           <a:ea typeface="+mn-ea"/>
                           <a:cs typeface="+mn-cs"/>
                         </a:rPr>
-                        <a:t>Update Bug </a:t>
-                      </a:r>
-                      <a:r>
-                        <a:rPr lang="en-US" sz="1200" kern="1200" dirty="0" smtClean="0">
-                          <a:solidFill>
-                            <a:schemeClr val="dk1"/>
-                          </a:solidFill>
-                          <a:effectLst/>
-                          <a:latin typeface="Noveo Sans" panose="020B0503020204020203" pitchFamily="34" charset="0"/>
-                          <a:ea typeface="+mn-ea"/>
-                          <a:cs typeface="+mn-cs"/>
-                        </a:rPr>
-                        <a:t>log, Prepare acceptance slides,</a:t>
+                        <a:t>Update Bug log, Prepare acceptance slides,</a:t>
                       </a:r>
                       <a:r>
                         <a:rPr lang="en-US" sz="1200" kern="1200" baseline="0" dirty="0" smtClean="0">
@@ -7640,7 +7303,7 @@
                 </a:tc>
                 <a:extLst>
                   <a:ext uri="{0D108BD9-81ED-4DB2-BD59-A6C34878D82A}">
-                    <a16:rowId xmlns:a16="http://schemas.microsoft.com/office/drawing/2014/main" val="10003"/>
+                    <a16:rowId xmlns:a16="http://schemas.microsoft.com/office/drawing/2014/main" xmlns="" val="10003"/>
                   </a:ext>
                 </a:extLst>
               </a:tr>
@@ -7676,7 +7339,7 @@
                 <a:gridCol w="1932735">
                   <a:extLst>
                     <a:ext uri="{9D8B030D-6E8A-4147-A177-3AD203B41FA5}">
-                      <a16:colId xmlns:a16="http://schemas.microsoft.com/office/drawing/2014/main" val="2192527220"/>
+                      <a16:colId xmlns:a16="http://schemas.microsoft.com/office/drawing/2014/main" xmlns="" val="2192527220"/>
                     </a:ext>
                   </a:extLst>
                 </a:gridCol>
@@ -7727,7 +7390,7 @@
                 </a:tc>
                 <a:extLst>
                   <a:ext uri="{0D108BD9-81ED-4DB2-BD59-A6C34878D82A}">
-                    <a16:rowId xmlns:a16="http://schemas.microsoft.com/office/drawing/2014/main" val="1986687887"/>
+                    <a16:rowId xmlns:a16="http://schemas.microsoft.com/office/drawing/2014/main" xmlns="" val="1986687887"/>
                   </a:ext>
                 </a:extLst>
               </a:tr>
@@ -7757,11 +7420,6 @@
                         </a:rPr>
                         <a:t>Multiple Languages (English, Chinese and maybe Malay)</a:t>
                       </a:r>
-                      <a:endParaRPr lang="en-SG" sz="1200" dirty="0" smtClean="0">
-                        <a:latin typeface="Noveo Sans" charset="0"/>
-                        <a:ea typeface="Noveo Sans" charset="0"/>
-                        <a:cs typeface="Noveo Sans" charset="0"/>
-                      </a:endParaRPr>
                     </a:p>
                   </a:txBody>
                   <a:tcPr marL="96012" marR="96012" marT="48007" marB="48007" anchor="ctr">
@@ -7772,7 +7430,7 @@
                 </a:tc>
                 <a:extLst>
                   <a:ext uri="{0D108BD9-81ED-4DB2-BD59-A6C34878D82A}">
-                    <a16:rowId xmlns:a16="http://schemas.microsoft.com/office/drawing/2014/main" val="3506151837"/>
+                    <a16:rowId xmlns:a16="http://schemas.microsoft.com/office/drawing/2014/main" xmlns="" val="3506151837"/>
                   </a:ext>
                 </a:extLst>
               </a:tr>
@@ -7905,7 +7563,7 @@
                 </a:tc>
                 <a:extLst>
                   <a:ext uri="{0D108BD9-81ED-4DB2-BD59-A6C34878D82A}">
-                    <a16:rowId xmlns:a16="http://schemas.microsoft.com/office/drawing/2014/main" val="1767699772"/>
+                    <a16:rowId xmlns:a16="http://schemas.microsoft.com/office/drawing/2014/main" xmlns="" val="1767699772"/>
                   </a:ext>
                 </a:extLst>
               </a:tr>
@@ -7976,7 +7634,7 @@
                 <a:gridCol w="1928341">
                   <a:extLst>
                     <a:ext uri="{9D8B030D-6E8A-4147-A177-3AD203B41FA5}">
-                      <a16:colId xmlns:a16="http://schemas.microsoft.com/office/drawing/2014/main" val="20000"/>
+                      <a16:colId xmlns:a16="http://schemas.microsoft.com/office/drawing/2014/main" xmlns="" val="20000"/>
                     </a:ext>
                   </a:extLst>
                 </a:gridCol>
@@ -8027,7 +7685,7 @@
                 </a:tc>
                 <a:extLst>
                   <a:ext uri="{0D108BD9-81ED-4DB2-BD59-A6C34878D82A}">
-                    <a16:rowId xmlns:a16="http://schemas.microsoft.com/office/drawing/2014/main" val="10000"/>
+                    <a16:rowId xmlns:a16="http://schemas.microsoft.com/office/drawing/2014/main" xmlns="" val="10000"/>
                   </a:ext>
                 </a:extLst>
               </a:tr>
@@ -8078,7 +7736,7 @@
                 </a:tc>
                 <a:extLst>
                   <a:ext uri="{0D108BD9-81ED-4DB2-BD59-A6C34878D82A}">
-                    <a16:rowId xmlns:a16="http://schemas.microsoft.com/office/drawing/2014/main" val="10001"/>
+                    <a16:rowId xmlns:a16="http://schemas.microsoft.com/office/drawing/2014/main" xmlns="" val="10001"/>
                   </a:ext>
                 </a:extLst>
               </a:tr>
@@ -8108,11 +7766,6 @@
                         </a:rPr>
                         <a:t>Analytics (Analysis)</a:t>
                       </a:r>
-                      <a:endParaRPr lang="en-SG" sz="1200" dirty="0" smtClean="0">
-                        <a:latin typeface="Noveo Sans" charset="0"/>
-                        <a:ea typeface="Noveo Sans" charset="0"/>
-                        <a:cs typeface="Noveo Sans" charset="0"/>
-                      </a:endParaRPr>
                     </a:p>
                   </a:txBody>
                   <a:tcPr marL="96012" marR="96012" marT="48007" marB="48007" anchor="ctr">
@@ -8123,7 +7776,7 @@
                 </a:tc>
                 <a:extLst>
                   <a:ext uri="{0D108BD9-81ED-4DB2-BD59-A6C34878D82A}">
-                    <a16:rowId xmlns:a16="http://schemas.microsoft.com/office/drawing/2014/main" val="10002"/>
+                    <a16:rowId xmlns:a16="http://schemas.microsoft.com/office/drawing/2014/main" xmlns="" val="10002"/>
                   </a:ext>
                 </a:extLst>
               </a:tr>
@@ -8261,7 +7914,7 @@
                 </a:tc>
                 <a:extLst>
                   <a:ext uri="{0D108BD9-81ED-4DB2-BD59-A6C34878D82A}">
-                    <a16:rowId xmlns:a16="http://schemas.microsoft.com/office/drawing/2014/main" val="10003"/>
+                    <a16:rowId xmlns:a16="http://schemas.microsoft.com/office/drawing/2014/main" xmlns="" val="10003"/>
                   </a:ext>
                 </a:extLst>
               </a:tr>
@@ -8332,7 +7985,7 @@
                 <a:gridCol w="1928341">
                   <a:extLst>
                     <a:ext uri="{9D8B030D-6E8A-4147-A177-3AD203B41FA5}">
-                      <a16:colId xmlns:a16="http://schemas.microsoft.com/office/drawing/2014/main" val="20000"/>
+                      <a16:colId xmlns:a16="http://schemas.microsoft.com/office/drawing/2014/main" xmlns="" val="20000"/>
                     </a:ext>
                   </a:extLst>
                 </a:gridCol>
@@ -8367,7 +8020,7 @@
                 </a:tc>
                 <a:extLst>
                   <a:ext uri="{0D108BD9-81ED-4DB2-BD59-A6C34878D82A}">
-                    <a16:rowId xmlns:a16="http://schemas.microsoft.com/office/drawing/2014/main" val="10000"/>
+                    <a16:rowId xmlns:a16="http://schemas.microsoft.com/office/drawing/2014/main" xmlns="" val="10000"/>
                   </a:ext>
                 </a:extLst>
               </a:tr>
@@ -8401,7 +8054,7 @@
                 </a:tc>
                 <a:extLst>
                   <a:ext uri="{0D108BD9-81ED-4DB2-BD59-A6C34878D82A}">
-                    <a16:rowId xmlns:a16="http://schemas.microsoft.com/office/drawing/2014/main" val="10001"/>
+                    <a16:rowId xmlns:a16="http://schemas.microsoft.com/office/drawing/2014/main" xmlns="" val="10001"/>
                   </a:ext>
                 </a:extLst>
               </a:tr>
@@ -8431,11 +8084,6 @@
                         </a:rPr>
                         <a:t>Backend Admin Dashboard</a:t>
                       </a:r>
-                      <a:endParaRPr lang="en-SG" sz="1200" dirty="0" smtClean="0">
-                        <a:latin typeface="Noveo Sans" charset="0"/>
-                        <a:ea typeface="Noveo Sans" charset="0"/>
-                        <a:cs typeface="Noveo Sans" charset="0"/>
-                      </a:endParaRPr>
                     </a:p>
                   </a:txBody>
                   <a:tcPr marL="96012" marR="96012" marT="48007" marB="48007" anchor="ctr">
@@ -8446,7 +8094,7 @@
                 </a:tc>
                 <a:extLst>
                   <a:ext uri="{0D108BD9-81ED-4DB2-BD59-A6C34878D82A}">
-                    <a16:rowId xmlns:a16="http://schemas.microsoft.com/office/drawing/2014/main" val="10002"/>
+                    <a16:rowId xmlns:a16="http://schemas.microsoft.com/office/drawing/2014/main" xmlns="" val="10002"/>
                   </a:ext>
                 </a:extLst>
               </a:tr>
@@ -8575,7 +8223,7 @@
                 </a:tc>
                 <a:extLst>
                   <a:ext uri="{0D108BD9-81ED-4DB2-BD59-A6C34878D82A}">
-                    <a16:rowId xmlns:a16="http://schemas.microsoft.com/office/drawing/2014/main" val="10003"/>
+                    <a16:rowId xmlns:a16="http://schemas.microsoft.com/office/drawing/2014/main" xmlns="" val="10003"/>
                   </a:ext>
                 </a:extLst>
               </a:tr>
@@ -8683,7 +8331,7 @@
                 <a:gridCol w="2055072">
                   <a:extLst>
                     <a:ext uri="{9D8B030D-6E8A-4147-A177-3AD203B41FA5}">
-                      <a16:colId xmlns:a16="http://schemas.microsoft.com/office/drawing/2014/main" val="20000"/>
+                      <a16:colId xmlns:a16="http://schemas.microsoft.com/office/drawing/2014/main" xmlns="" val="20000"/>
                     </a:ext>
                   </a:extLst>
                 </a:gridCol>
@@ -8718,7 +8366,7 @@
                 </a:tc>
                 <a:extLst>
                   <a:ext uri="{0D108BD9-81ED-4DB2-BD59-A6C34878D82A}">
-                    <a16:rowId xmlns:a16="http://schemas.microsoft.com/office/drawing/2014/main" val="10000"/>
+                    <a16:rowId xmlns:a16="http://schemas.microsoft.com/office/drawing/2014/main" xmlns="" val="10000"/>
                   </a:ext>
                 </a:extLst>
               </a:tr>
@@ -8758,7 +8406,7 @@
                 </a:tc>
                 <a:extLst>
                   <a:ext uri="{0D108BD9-81ED-4DB2-BD59-A6C34878D82A}">
-                    <a16:rowId xmlns:a16="http://schemas.microsoft.com/office/drawing/2014/main" val="10001"/>
+                    <a16:rowId xmlns:a16="http://schemas.microsoft.com/office/drawing/2014/main" xmlns="" val="10001"/>
                   </a:ext>
                 </a:extLst>
               </a:tr>
@@ -8788,11 +8436,6 @@
                         </a:rPr>
                         <a:t>Push notification to remind users to record</a:t>
                       </a:r>
-                      <a:endParaRPr lang="en-SG" sz="1200" dirty="0" smtClean="0">
-                        <a:latin typeface="Noveo Sans" charset="0"/>
-                        <a:ea typeface="Noveo Sans" charset="0"/>
-                        <a:cs typeface="Noveo Sans" charset="0"/>
-                      </a:endParaRPr>
                     </a:p>
                   </a:txBody>
                   <a:tcPr marL="96012" marR="96012" marT="48007" marB="48007" anchor="ctr">
@@ -8803,7 +8446,7 @@
                 </a:tc>
                 <a:extLst>
                   <a:ext uri="{0D108BD9-81ED-4DB2-BD59-A6C34878D82A}">
-                    <a16:rowId xmlns:a16="http://schemas.microsoft.com/office/drawing/2014/main" val="10002"/>
+                    <a16:rowId xmlns:a16="http://schemas.microsoft.com/office/drawing/2014/main" xmlns="" val="10002"/>
                   </a:ext>
                 </a:extLst>
               </a:tr>
@@ -8941,7 +8584,7 @@
                 </a:tc>
                 <a:extLst>
                   <a:ext uri="{0D108BD9-81ED-4DB2-BD59-A6C34878D82A}">
-                    <a16:rowId xmlns:a16="http://schemas.microsoft.com/office/drawing/2014/main" val="10003"/>
+                    <a16:rowId xmlns:a16="http://schemas.microsoft.com/office/drawing/2014/main" xmlns="" val="10003"/>
                   </a:ext>
                 </a:extLst>
               </a:tr>
@@ -9012,7 +8655,7 @@
                 <a:gridCol w="1693067">
                   <a:extLst>
                     <a:ext uri="{9D8B030D-6E8A-4147-A177-3AD203B41FA5}">
-                      <a16:colId xmlns:a16="http://schemas.microsoft.com/office/drawing/2014/main" val="20000"/>
+                      <a16:colId xmlns:a16="http://schemas.microsoft.com/office/drawing/2014/main" xmlns="" val="20000"/>
                     </a:ext>
                   </a:extLst>
                 </a:gridCol>
@@ -9047,7 +8690,7 @@
                 </a:tc>
                 <a:extLst>
                   <a:ext uri="{0D108BD9-81ED-4DB2-BD59-A6C34878D82A}">
-                    <a16:rowId xmlns:a16="http://schemas.microsoft.com/office/drawing/2014/main" val="10000"/>
+                    <a16:rowId xmlns:a16="http://schemas.microsoft.com/office/drawing/2014/main" xmlns="" val="10000"/>
                   </a:ext>
                 </a:extLst>
               </a:tr>
@@ -9081,7 +8724,7 @@
                 </a:tc>
                 <a:extLst>
                   <a:ext uri="{0D108BD9-81ED-4DB2-BD59-A6C34878D82A}">
-                    <a16:rowId xmlns:a16="http://schemas.microsoft.com/office/drawing/2014/main" val="10001"/>
+                    <a16:rowId xmlns:a16="http://schemas.microsoft.com/office/drawing/2014/main" xmlns="" val="10001"/>
                   </a:ext>
                 </a:extLst>
               </a:tr>
@@ -9111,11 +8754,6 @@
                         </a:rPr>
                         <a:t>TBC</a:t>
                       </a:r>
-                      <a:endParaRPr lang="en-SG" sz="1200" dirty="0" smtClean="0">
-                        <a:latin typeface="Noveo Sans" charset="0"/>
-                        <a:ea typeface="Noveo Sans" charset="0"/>
-                        <a:cs typeface="Noveo Sans" charset="0"/>
-                      </a:endParaRPr>
                     </a:p>
                   </a:txBody>
                   <a:tcPr marL="96012" marR="96012" marT="48007" marB="48007" anchor="ctr">
@@ -9126,7 +8764,7 @@
                 </a:tc>
                 <a:extLst>
                   <a:ext uri="{0D108BD9-81ED-4DB2-BD59-A6C34878D82A}">
-                    <a16:rowId xmlns:a16="http://schemas.microsoft.com/office/drawing/2014/main" val="10002"/>
+                    <a16:rowId xmlns:a16="http://schemas.microsoft.com/office/drawing/2014/main" xmlns="" val="10002"/>
                   </a:ext>
                 </a:extLst>
               </a:tr>
@@ -9315,7 +8953,7 @@
                 </a:tc>
                 <a:extLst>
                   <a:ext uri="{0D108BD9-81ED-4DB2-BD59-A6C34878D82A}">
-                    <a16:rowId xmlns:a16="http://schemas.microsoft.com/office/drawing/2014/main" val="10003"/>
+                    <a16:rowId xmlns:a16="http://schemas.microsoft.com/office/drawing/2014/main" xmlns="" val="10003"/>
                   </a:ext>
                 </a:extLst>
               </a:tr>
@@ -9386,7 +9024,7 @@
                 <a:gridCol w="2055072">
                   <a:extLst>
                     <a:ext uri="{9D8B030D-6E8A-4147-A177-3AD203B41FA5}">
-                      <a16:colId xmlns:a16="http://schemas.microsoft.com/office/drawing/2014/main" val="20000"/>
+                      <a16:colId xmlns:a16="http://schemas.microsoft.com/office/drawing/2014/main" xmlns="" val="20000"/>
                     </a:ext>
                   </a:extLst>
                 </a:gridCol>
@@ -9421,7 +9059,7 @@
                 </a:tc>
                 <a:extLst>
                   <a:ext uri="{0D108BD9-81ED-4DB2-BD59-A6C34878D82A}">
-                    <a16:rowId xmlns:a16="http://schemas.microsoft.com/office/drawing/2014/main" val="10000"/>
+                    <a16:rowId xmlns:a16="http://schemas.microsoft.com/office/drawing/2014/main" xmlns="" val="10000"/>
                   </a:ext>
                 </a:extLst>
               </a:tr>
@@ -9461,7 +9099,7 @@
                 </a:tc>
                 <a:extLst>
                   <a:ext uri="{0D108BD9-81ED-4DB2-BD59-A6C34878D82A}">
-                    <a16:rowId xmlns:a16="http://schemas.microsoft.com/office/drawing/2014/main" val="10001"/>
+                    <a16:rowId xmlns:a16="http://schemas.microsoft.com/office/drawing/2014/main" xmlns="" val="10001"/>
                   </a:ext>
                 </a:extLst>
               </a:tr>
@@ -9491,11 +9129,6 @@
                         </a:rPr>
                         <a:t>TBC</a:t>
                       </a:r>
-                      <a:endParaRPr lang="en-SG" sz="1200" dirty="0" smtClean="0">
-                        <a:latin typeface="Noveo Sans" charset="0"/>
-                        <a:ea typeface="Noveo Sans" charset="0"/>
-                        <a:cs typeface="Noveo Sans" charset="0"/>
-                      </a:endParaRPr>
                     </a:p>
                   </a:txBody>
                   <a:tcPr marL="96012" marR="96012" marT="48007" marB="48007" anchor="ctr">
@@ -9506,7 +9139,7 @@
                 </a:tc>
                 <a:extLst>
                   <a:ext uri="{0D108BD9-81ED-4DB2-BD59-A6C34878D82A}">
-                    <a16:rowId xmlns:a16="http://schemas.microsoft.com/office/drawing/2014/main" val="10002"/>
+                    <a16:rowId xmlns:a16="http://schemas.microsoft.com/office/drawing/2014/main" xmlns="" val="10002"/>
                   </a:ext>
                 </a:extLst>
               </a:tr>
@@ -9623,19 +9256,7 @@
                           <a:ea typeface="+mn-ea"/>
                           <a:cs typeface="+mn-cs"/>
                         </a:rPr>
-                        <a:t>Update Bug </a:t>
-                      </a:r>
-                      <a:r>
-                        <a:rPr lang="en-US" sz="1200" kern="1200" dirty="0" smtClean="0">
-                          <a:solidFill>
-                            <a:schemeClr val="dk1"/>
-                          </a:solidFill>
-                          <a:effectLst/>
-                          <a:latin typeface="Noveo Sans" panose="020B0503020204020203" pitchFamily="34" charset="0"/>
-                          <a:ea typeface="+mn-ea"/>
-                          <a:cs typeface="+mn-cs"/>
-                        </a:rPr>
-                        <a:t>log, Prepare finals presentation</a:t>
+                        <a:t>Update Bug log, Prepare finals presentation</a:t>
                       </a:r>
                       <a:endParaRPr lang="en-SG" sz="1200" kern="1200" dirty="0">
                         <a:solidFill>
@@ -9656,7 +9277,7 @@
                 </a:tc>
                 <a:extLst>
                   <a:ext uri="{0D108BD9-81ED-4DB2-BD59-A6C34878D82A}">
-                    <a16:rowId xmlns:a16="http://schemas.microsoft.com/office/drawing/2014/main" val="10003"/>
+                    <a16:rowId xmlns:a16="http://schemas.microsoft.com/office/drawing/2014/main" xmlns="" val="10003"/>
                   </a:ext>
                 </a:extLst>
               </a:tr>
@@ -9727,7 +9348,7 @@
                 <a:gridCol w="1859779">
                   <a:extLst>
                     <a:ext uri="{9D8B030D-6E8A-4147-A177-3AD203B41FA5}">
-                      <a16:colId xmlns:a16="http://schemas.microsoft.com/office/drawing/2014/main" val="20000"/>
+                      <a16:colId xmlns:a16="http://schemas.microsoft.com/office/drawing/2014/main" xmlns="" val="20000"/>
                     </a:ext>
                   </a:extLst>
                 </a:gridCol>
@@ -9762,7 +9383,7 @@
                 </a:tc>
                 <a:extLst>
                   <a:ext uri="{0D108BD9-81ED-4DB2-BD59-A6C34878D82A}">
-                    <a16:rowId xmlns:a16="http://schemas.microsoft.com/office/drawing/2014/main" val="10000"/>
+                    <a16:rowId xmlns:a16="http://schemas.microsoft.com/office/drawing/2014/main" xmlns="" val="10000"/>
                   </a:ext>
                 </a:extLst>
               </a:tr>
@@ -9802,7 +9423,7 @@
                 </a:tc>
                 <a:extLst>
                   <a:ext uri="{0D108BD9-81ED-4DB2-BD59-A6C34878D82A}">
-                    <a16:rowId xmlns:a16="http://schemas.microsoft.com/office/drawing/2014/main" val="10001"/>
+                    <a16:rowId xmlns:a16="http://schemas.microsoft.com/office/drawing/2014/main" xmlns="" val="10001"/>
                   </a:ext>
                 </a:extLst>
               </a:tr>
@@ -9919,19 +9540,7 @@
                           <a:ea typeface="+mn-ea"/>
                           <a:cs typeface="+mn-cs"/>
                         </a:rPr>
-                        <a:t>Update Bug </a:t>
-                      </a:r>
-                      <a:r>
-                        <a:rPr lang="en-US" sz="1200" kern="1200" dirty="0" smtClean="0">
-                          <a:solidFill>
-                            <a:schemeClr val="dk1"/>
-                          </a:solidFill>
-                          <a:effectLst/>
-                          <a:latin typeface="Noveo Sans" panose="020B0503020204020203" pitchFamily="34" charset="0"/>
-                          <a:ea typeface="+mn-ea"/>
-                          <a:cs typeface="+mn-cs"/>
-                        </a:rPr>
-                        <a:t>log, </a:t>
+                        <a:t>Update Bug log, </a:t>
                       </a:r>
                       <a:r>
                         <a:rPr lang="en-SG" sz="1200" kern="1200" dirty="0" smtClean="0">
@@ -9979,7 +9588,7 @@
                 </a:tc>
                 <a:extLst>
                   <a:ext uri="{0D108BD9-81ED-4DB2-BD59-A6C34878D82A}">
-                    <a16:rowId xmlns:a16="http://schemas.microsoft.com/office/drawing/2014/main" val="10003"/>
+                    <a16:rowId xmlns:a16="http://schemas.microsoft.com/office/drawing/2014/main" xmlns="" val="10003"/>
                   </a:ext>
                 </a:extLst>
               </a:tr>
@@ -10050,7 +9659,7 @@
                 <a:gridCol w="2055072">
                   <a:extLst>
                     <a:ext uri="{9D8B030D-6E8A-4147-A177-3AD203B41FA5}">
-                      <a16:colId xmlns:a16="http://schemas.microsoft.com/office/drawing/2014/main" val="20000"/>
+                      <a16:colId xmlns:a16="http://schemas.microsoft.com/office/drawing/2014/main" xmlns="" val="20000"/>
                     </a:ext>
                   </a:extLst>
                 </a:gridCol>
@@ -10085,7 +9694,7 @@
                 </a:tc>
                 <a:extLst>
                   <a:ext uri="{0D108BD9-81ED-4DB2-BD59-A6C34878D82A}">
-                    <a16:rowId xmlns:a16="http://schemas.microsoft.com/office/drawing/2014/main" val="10000"/>
+                    <a16:rowId xmlns:a16="http://schemas.microsoft.com/office/drawing/2014/main" xmlns="" val="10000"/>
                   </a:ext>
                 </a:extLst>
               </a:tr>
@@ -10125,7 +9734,7 @@
                 </a:tc>
                 <a:extLst>
                   <a:ext uri="{0D108BD9-81ED-4DB2-BD59-A6C34878D82A}">
-                    <a16:rowId xmlns:a16="http://schemas.microsoft.com/office/drawing/2014/main" val="10001"/>
+                    <a16:rowId xmlns:a16="http://schemas.microsoft.com/office/drawing/2014/main" xmlns="" val="10001"/>
                   </a:ext>
                 </a:extLst>
               </a:tr>
@@ -10263,7 +9872,7 @@
                 </a:tc>
                 <a:extLst>
                   <a:ext uri="{0D108BD9-81ED-4DB2-BD59-A6C34878D82A}">
-                    <a16:rowId xmlns:a16="http://schemas.microsoft.com/office/drawing/2014/main" val="10003"/>
+                    <a16:rowId xmlns:a16="http://schemas.microsoft.com/office/drawing/2014/main" xmlns="" val="10003"/>
                   </a:ext>
                 </a:extLst>
               </a:tr>
@@ -10275,6 +9884,352 @@
     <p:extLst>
       <p:ext uri="{BB962C8B-B14F-4D97-AF65-F5344CB8AC3E}">
         <p14:creationId xmlns:p14="http://schemas.microsoft.com/office/powerpoint/2010/main" val="684046519"/>
+      </p:ext>
+    </p:extLst>
+  </p:cSld>
+  <p:clrMapOvr>
+    <a:masterClrMapping/>
+  </p:clrMapOvr>
+</p:sld>
+</file>
+
+<file path=ppt/slides/slide2.xml><?xml version="1.0" encoding="utf-8"?>
+<p:sld xmlns:a="http://schemas.openxmlformats.org/drawingml/2006/main" xmlns:r="http://schemas.openxmlformats.org/officeDocument/2006/relationships" xmlns:p="http://schemas.openxmlformats.org/presentationml/2006/main">
+  <p:cSld>
+    <p:spTree>
+      <p:nvGrpSpPr>
+        <p:cNvPr id="1" name=""/>
+        <p:cNvGrpSpPr/>
+        <p:nvPr/>
+      </p:nvGrpSpPr>
+      <p:grpSpPr>
+        <a:xfrm>
+          <a:off x="0" y="0"/>
+          <a:ext cx="0" cy="0"/>
+          <a:chOff x="0" y="0"/>
+          <a:chExt cx="0" cy="0"/>
+        </a:xfrm>
+      </p:grpSpPr>
+      <p:sp>
+        <p:nvSpPr>
+          <p:cNvPr id="9" name="Rectangle 8"/>
+          <p:cNvSpPr/>
+          <p:nvPr/>
+        </p:nvSpPr>
+        <p:spPr>
+          <a:xfrm>
+            <a:off x="4256324" y="4280461"/>
+            <a:ext cx="1806426" cy="1542553"/>
+          </a:xfrm>
+          <a:prstGeom prst="rect">
+            <a:avLst/>
+          </a:prstGeom>
+          <a:solidFill>
+            <a:srgbClr val="E7E7E7"/>
+          </a:solidFill>
+          <a:ln>
+            <a:solidFill>
+              <a:schemeClr val="accent6">
+                <a:lumMod val="50000"/>
+              </a:schemeClr>
+            </a:solidFill>
+          </a:ln>
+        </p:spPr>
+        <p:style>
+          <a:lnRef idx="2">
+            <a:schemeClr val="accent1">
+              <a:shade val="50000"/>
+            </a:schemeClr>
+          </a:lnRef>
+          <a:fillRef idx="1">
+            <a:schemeClr val="accent1"/>
+          </a:fillRef>
+          <a:effectRef idx="0">
+            <a:schemeClr val="accent1"/>
+          </a:effectRef>
+          <a:fontRef idx="minor">
+            <a:schemeClr val="lt1"/>
+          </a:fontRef>
+        </p:style>
+        <p:txBody>
+          <a:bodyPr rtlCol="0" anchor="ctr"/>
+          <a:lstStyle/>
+          <a:p>
+            <a:pPr algn="ctr"/>
+            <a:endParaRPr lang="en-SG"/>
+          </a:p>
+        </p:txBody>
+      </p:sp>
+      <p:sp>
+        <p:nvSpPr>
+          <p:cNvPr id="10" name="Oval 9"/>
+          <p:cNvSpPr/>
+          <p:nvPr/>
+        </p:nvSpPr>
+        <p:spPr>
+          <a:xfrm>
+            <a:off x="4337611" y="4399686"/>
+            <a:ext cx="270614" cy="268395"/>
+          </a:xfrm>
+          <a:prstGeom prst="ellipse">
+            <a:avLst/>
+          </a:prstGeom>
+          <a:solidFill>
+            <a:srgbClr val="BDC3C7"/>
+          </a:solidFill>
+          <a:ln>
+            <a:solidFill>
+              <a:schemeClr val="bg2">
+                <a:lumMod val="75000"/>
+              </a:schemeClr>
+            </a:solidFill>
+          </a:ln>
+        </p:spPr>
+        <p:style>
+          <a:lnRef idx="2">
+            <a:schemeClr val="accent1">
+              <a:shade val="50000"/>
+            </a:schemeClr>
+          </a:lnRef>
+          <a:fillRef idx="1">
+            <a:schemeClr val="accent1"/>
+          </a:fillRef>
+          <a:effectRef idx="0">
+            <a:schemeClr val="accent1"/>
+          </a:effectRef>
+          <a:fontRef idx="minor">
+            <a:schemeClr val="lt1"/>
+          </a:fontRef>
+        </p:style>
+        <p:txBody>
+          <a:bodyPr rtlCol="0" anchor="ctr"/>
+          <a:lstStyle/>
+          <a:p>
+            <a:pPr algn="ctr"/>
+            <a:endParaRPr lang="en-US" sz="1471" dirty="0">
+              <a:latin typeface="Noveo Sans" charset="0"/>
+              <a:ea typeface="Noveo Sans" charset="0"/>
+              <a:cs typeface="Noveo Sans" charset="0"/>
+            </a:endParaRPr>
+          </a:p>
+        </p:txBody>
+      </p:sp>
+      <p:sp>
+        <p:nvSpPr>
+          <p:cNvPr id="11" name="TextBox 10"/>
+          <p:cNvSpPr txBox="1"/>
+          <p:nvPr/>
+        </p:nvSpPr>
+        <p:spPr>
+          <a:xfrm>
+            <a:off x="4578575" y="4392234"/>
+            <a:ext cx="2136001" cy="286232"/>
+          </a:xfrm>
+          <a:prstGeom prst="rect">
+            <a:avLst/>
+          </a:prstGeom>
+          <a:noFill/>
+        </p:spPr>
+        <p:txBody>
+          <a:bodyPr wrap="square" rtlCol="0">
+            <a:spAutoFit/>
+          </a:bodyPr>
+          <a:lstStyle/>
+          <a:p>
+            <a:r>
+              <a:rPr lang="en-US" sz="1260" dirty="0">
+                <a:latin typeface="Noveo Sans" charset="0"/>
+                <a:ea typeface="Noveo Sans" charset="0"/>
+                <a:cs typeface="Noveo Sans" charset="0"/>
+              </a:rPr>
+              <a:t>= Iteration Number</a:t>
+            </a:r>
+          </a:p>
+        </p:txBody>
+      </p:sp>
+      <p:sp>
+        <p:nvSpPr>
+          <p:cNvPr id="12" name="Rectangle 11"/>
+          <p:cNvSpPr/>
+          <p:nvPr/>
+        </p:nvSpPr>
+        <p:spPr>
+          <a:xfrm>
+            <a:off x="4337610" y="4703758"/>
+            <a:ext cx="1190833" cy="211687"/>
+          </a:xfrm>
+          <a:prstGeom prst="rect">
+            <a:avLst/>
+          </a:prstGeom>
+          <a:solidFill>
+            <a:srgbClr val="FDB813"/>
+          </a:solidFill>
+          <a:ln>
+            <a:noFill/>
+          </a:ln>
+        </p:spPr>
+        <p:style>
+          <a:lnRef idx="2">
+            <a:schemeClr val="accent1">
+              <a:shade val="50000"/>
+            </a:schemeClr>
+          </a:lnRef>
+          <a:fillRef idx="1">
+            <a:schemeClr val="accent1"/>
+          </a:fillRef>
+          <a:effectRef idx="0">
+            <a:schemeClr val="accent1"/>
+          </a:effectRef>
+          <a:fontRef idx="minor">
+            <a:schemeClr val="lt1"/>
+          </a:fontRef>
+        </p:style>
+        <p:txBody>
+          <a:bodyPr rot="0" spcFirstLastPara="0" vertOverflow="overflow" horzOverflow="overflow" vert="horz" wrap="square" lIns="96012" tIns="48007" rIns="96012" bIns="48007" numCol="1" spcCol="0" rtlCol="0" fromWordArt="0" anchor="ctr" anchorCtr="0" forceAA="0" compatLnSpc="1">
+            <a:prstTxWarp prst="textNoShape">
+              <a:avLst/>
+            </a:prstTxWarp>
+            <a:noAutofit/>
+          </a:bodyPr>
+          <a:lstStyle/>
+          <a:p>
+            <a:pPr algn="ctr"/>
+            <a:r>
+              <a:rPr lang="en-US" sz="1680" dirty="0">
+                <a:latin typeface="Noveo Sans" charset="0"/>
+                <a:ea typeface="Noveo Sans" charset="0"/>
+                <a:cs typeface="Noveo Sans" charset="0"/>
+              </a:rPr>
+              <a:t>User Test</a:t>
+            </a:r>
+          </a:p>
+        </p:txBody>
+      </p:sp>
+      <p:sp>
+        <p:nvSpPr>
+          <p:cNvPr id="13" name="Rectangle 12"/>
+          <p:cNvSpPr/>
+          <p:nvPr/>
+        </p:nvSpPr>
+        <p:spPr>
+          <a:xfrm>
+            <a:off x="4337611" y="4950804"/>
+            <a:ext cx="1190833" cy="237239"/>
+          </a:xfrm>
+          <a:prstGeom prst="rect">
+            <a:avLst/>
+          </a:prstGeom>
+          <a:solidFill>
+            <a:srgbClr val="DE1A54"/>
+          </a:solidFill>
+          <a:ln>
+            <a:noFill/>
+          </a:ln>
+        </p:spPr>
+        <p:style>
+          <a:lnRef idx="2">
+            <a:schemeClr val="accent1">
+              <a:shade val="50000"/>
+            </a:schemeClr>
+          </a:lnRef>
+          <a:fillRef idx="1">
+            <a:schemeClr val="accent1"/>
+          </a:fillRef>
+          <a:effectRef idx="0">
+            <a:schemeClr val="accent1"/>
+          </a:effectRef>
+          <a:fontRef idx="minor">
+            <a:schemeClr val="lt1"/>
+          </a:fontRef>
+        </p:style>
+        <p:txBody>
+          <a:bodyPr rot="0" spcFirstLastPara="0" vertOverflow="overflow" horzOverflow="overflow" vert="horz" wrap="square" lIns="96012" tIns="48007" rIns="96012" bIns="48007" numCol="1" spcCol="0" rtlCol="0" fromWordArt="0" anchor="ctr" anchorCtr="0" forceAA="0" compatLnSpc="1">
+            <a:prstTxWarp prst="textNoShape">
+              <a:avLst/>
+            </a:prstTxWarp>
+            <a:noAutofit/>
+          </a:bodyPr>
+          <a:lstStyle/>
+          <a:p>
+            <a:pPr algn="ctr"/>
+            <a:r>
+              <a:rPr lang="en-US" sz="1680" dirty="0">
+                <a:latin typeface="Noveo Sans" charset="0"/>
+                <a:ea typeface="Noveo Sans" charset="0"/>
+                <a:cs typeface="Noveo Sans" charset="0"/>
+              </a:rPr>
+              <a:t>Milestones</a:t>
+            </a:r>
+          </a:p>
+        </p:txBody>
+      </p:sp>
+      <p:sp>
+        <p:nvSpPr>
+          <p:cNvPr id="14" name="Rectangle 13"/>
+          <p:cNvSpPr/>
+          <p:nvPr/>
+        </p:nvSpPr>
+        <p:spPr>
+          <a:xfrm>
+            <a:off x="4337611" y="5237374"/>
+            <a:ext cx="1190833" cy="489739"/>
+          </a:xfrm>
+          <a:prstGeom prst="rect">
+            <a:avLst/>
+          </a:prstGeom>
+          <a:solidFill>
+            <a:srgbClr val="0068B3"/>
+          </a:solidFill>
+          <a:ln>
+            <a:noFill/>
+          </a:ln>
+        </p:spPr>
+        <p:style>
+          <a:lnRef idx="2">
+            <a:schemeClr val="accent1">
+              <a:shade val="50000"/>
+            </a:schemeClr>
+          </a:lnRef>
+          <a:fillRef idx="1">
+            <a:schemeClr val="accent1"/>
+          </a:fillRef>
+          <a:effectRef idx="0">
+            <a:schemeClr val="accent1"/>
+          </a:effectRef>
+          <a:fontRef idx="minor">
+            <a:schemeClr val="lt1"/>
+          </a:fontRef>
+        </p:style>
+        <p:txBody>
+          <a:bodyPr rot="0" spcFirstLastPara="0" vertOverflow="overflow" horzOverflow="overflow" vert="horz" wrap="square" lIns="96012" tIns="48007" rIns="96012" bIns="48007" numCol="1" spcCol="0" rtlCol="0" fromWordArt="0" anchor="ctr" anchorCtr="0" forceAA="0" compatLnSpc="1">
+            <a:prstTxWarp prst="textNoShape">
+              <a:avLst/>
+            </a:prstTxWarp>
+            <a:noAutofit/>
+          </a:bodyPr>
+          <a:lstStyle/>
+          <a:p>
+            <a:pPr algn="ctr"/>
+            <a:r>
+              <a:rPr lang="en-US" sz="1680">
+                <a:latin typeface="Noveo Sans" charset="0"/>
+                <a:ea typeface="Noveo Sans" charset="0"/>
+                <a:cs typeface="Noveo Sans" charset="0"/>
+              </a:rPr>
+              <a:t>Client Review</a:t>
+            </a:r>
+            <a:endParaRPr lang="en-US" sz="1680" dirty="0">
+              <a:latin typeface="Noveo Sans" charset="0"/>
+              <a:ea typeface="Noveo Sans" charset="0"/>
+              <a:cs typeface="Noveo Sans" charset="0"/>
+            </a:endParaRPr>
+          </a:p>
+        </p:txBody>
+      </p:sp>
+    </p:spTree>
+    <p:extLst>
+      <p:ext uri="{BB962C8B-B14F-4D97-AF65-F5344CB8AC3E}">
+        <p14:creationId xmlns:p14="http://schemas.microsoft.com/office/powerpoint/2010/main" val="1045577408"/>
       </p:ext>
     </p:extLst>
   </p:cSld>

--- a/FYP/FYPTimeline 6th June Edition.pptx
+++ b/FYP/FYPTimeline 6th June Edition.pptx
@@ -209,7 +209,7 @@
           <a:p>
             <a:fld id="{D8A5F3BE-A6C5-E54D-9A35-A968F4ADF59A}" type="datetimeFigureOut">
               <a:rPr lang="en-US" smtClean="0"/>
-              <a:t>6/6/16</a:t>
+              <a:t>6/7/2016</a:t>
             </a:fld>
             <a:endParaRPr lang="en-US"/>
           </a:p>
@@ -697,7 +697,7 @@
           <a:p>
             <a:fld id="{D93CE7DB-6B87-9F48-AC89-27FF703009F0}" type="datetimeFigureOut">
               <a:rPr lang="en-US" smtClean="0"/>
-              <a:t>6/6/16</a:t>
+              <a:t>6/7/2016</a:t>
             </a:fld>
             <a:endParaRPr lang="en-US"/>
           </a:p>
@@ -867,7 +867,7 @@
           <a:p>
             <a:fld id="{D93CE7DB-6B87-9F48-AC89-27FF703009F0}" type="datetimeFigureOut">
               <a:rPr lang="en-US" smtClean="0"/>
-              <a:t>6/6/16</a:t>
+              <a:t>6/7/2016</a:t>
             </a:fld>
             <a:endParaRPr lang="en-US"/>
           </a:p>
@@ -1047,7 +1047,7 @@
           <a:p>
             <a:fld id="{D93CE7DB-6B87-9F48-AC89-27FF703009F0}" type="datetimeFigureOut">
               <a:rPr lang="en-US" smtClean="0"/>
-              <a:t>6/6/16</a:t>
+              <a:t>6/7/2016</a:t>
             </a:fld>
             <a:endParaRPr lang="en-US"/>
           </a:p>
@@ -1217,7 +1217,7 @@
           <a:p>
             <a:fld id="{D93CE7DB-6B87-9F48-AC89-27FF703009F0}" type="datetimeFigureOut">
               <a:rPr lang="en-US" smtClean="0"/>
-              <a:t>6/6/16</a:t>
+              <a:t>6/7/2016</a:t>
             </a:fld>
             <a:endParaRPr lang="en-US"/>
           </a:p>
@@ -1461,7 +1461,7 @@
           <a:p>
             <a:fld id="{D93CE7DB-6B87-9F48-AC89-27FF703009F0}" type="datetimeFigureOut">
               <a:rPr lang="en-US" smtClean="0"/>
-              <a:t>6/6/16</a:t>
+              <a:t>6/7/2016</a:t>
             </a:fld>
             <a:endParaRPr lang="en-US"/>
           </a:p>
@@ -1693,7 +1693,7 @@
           <a:p>
             <a:fld id="{D93CE7DB-6B87-9F48-AC89-27FF703009F0}" type="datetimeFigureOut">
               <a:rPr lang="en-US" smtClean="0"/>
-              <a:t>6/6/16</a:t>
+              <a:t>6/7/2016</a:t>
             </a:fld>
             <a:endParaRPr lang="en-US"/>
           </a:p>
@@ -2060,7 +2060,7 @@
           <a:p>
             <a:fld id="{D93CE7DB-6B87-9F48-AC89-27FF703009F0}" type="datetimeFigureOut">
               <a:rPr lang="en-US" smtClean="0"/>
-              <a:t>6/6/16</a:t>
+              <a:t>6/7/2016</a:t>
             </a:fld>
             <a:endParaRPr lang="en-US"/>
           </a:p>
@@ -2178,7 +2178,7 @@
           <a:p>
             <a:fld id="{D93CE7DB-6B87-9F48-AC89-27FF703009F0}" type="datetimeFigureOut">
               <a:rPr lang="en-US" smtClean="0"/>
-              <a:t>6/6/16</a:t>
+              <a:t>6/7/2016</a:t>
             </a:fld>
             <a:endParaRPr lang="en-US"/>
           </a:p>
@@ -2273,7 +2273,7 @@
           <a:p>
             <a:fld id="{D93CE7DB-6B87-9F48-AC89-27FF703009F0}" type="datetimeFigureOut">
               <a:rPr lang="en-US" smtClean="0"/>
-              <a:t>6/6/16</a:t>
+              <a:t>6/7/2016</a:t>
             </a:fld>
             <a:endParaRPr lang="en-US"/>
           </a:p>
@@ -2550,7 +2550,7 @@
           <a:p>
             <a:fld id="{D93CE7DB-6B87-9F48-AC89-27FF703009F0}" type="datetimeFigureOut">
               <a:rPr lang="en-US" smtClean="0"/>
-              <a:t>6/6/16</a:t>
+              <a:t>6/7/2016</a:t>
             </a:fld>
             <a:endParaRPr lang="en-US"/>
           </a:p>
@@ -2807,7 +2807,7 @@
           <a:p>
             <a:fld id="{D93CE7DB-6B87-9F48-AC89-27FF703009F0}" type="datetimeFigureOut">
               <a:rPr lang="en-US" smtClean="0"/>
-              <a:t>6/6/16</a:t>
+              <a:t>6/7/2016</a:t>
             </a:fld>
             <a:endParaRPr lang="en-US"/>
           </a:p>
@@ -3020,7 +3020,7 @@
           <a:p>
             <a:fld id="{D93CE7DB-6B87-9F48-AC89-27FF703009F0}" type="datetimeFigureOut">
               <a:rPr lang="en-US" smtClean="0"/>
-              <a:t>6/6/16</a:t>
+              <a:t>6/7/2016</a:t>
             </a:fld>
             <a:endParaRPr lang="en-US"/>
           </a:p>
@@ -3432,9 +3432,9 @@
           <p:nvPr/>
         </p:nvCxnSpPr>
         <p:spPr>
-          <a:xfrm>
-            <a:off x="54450" y="4224697"/>
-            <a:ext cx="12587400" cy="0"/>
+          <a:xfrm flipV="1">
+            <a:off x="54450" y="4222379"/>
+            <a:ext cx="12154092" cy="2318"/>
           </a:xfrm>
           <a:prstGeom prst="line">
             <a:avLst/>
@@ -4546,7 +4546,7 @@
         </p:nvGrpSpPr>
         <p:grpSpPr>
           <a:xfrm>
-            <a:off x="9079889" y="4088881"/>
+            <a:off x="9287139" y="4088881"/>
             <a:ext cx="426720" cy="286231"/>
             <a:chOff x="7653590" y="4073218"/>
             <a:chExt cx="406400" cy="272602"/>
@@ -4645,7 +4645,7 @@
         </p:nvGrpSpPr>
         <p:grpSpPr>
           <a:xfrm>
-            <a:off x="9911364" y="4079264"/>
+            <a:off x="10241119" y="4103398"/>
             <a:ext cx="426720" cy="286232"/>
             <a:chOff x="8338560" y="4064045"/>
             <a:chExt cx="406400" cy="272602"/>
@@ -4744,7 +4744,7 @@
         </p:nvGrpSpPr>
         <p:grpSpPr>
           <a:xfrm>
-            <a:off x="10746898" y="4079264"/>
+            <a:off x="11146139" y="4091970"/>
             <a:ext cx="426720" cy="286232"/>
             <a:chOff x="9025784" y="4064045"/>
             <a:chExt cx="406400" cy="272602"/>
@@ -4843,9 +4843,9 @@
         </p:nvGrpSpPr>
         <p:grpSpPr>
           <a:xfrm>
-            <a:off x="11584599" y="4079264"/>
+            <a:off x="11996352" y="4079269"/>
             <a:ext cx="426720" cy="286232"/>
-            <a:chOff x="9713008" y="4064045"/>
+            <a:chOff x="9713007" y="4064050"/>
             <a:chExt cx="406400" cy="272602"/>
           </a:xfrm>
         </p:grpSpPr>
@@ -4907,7 +4907,7 @@
           </p:nvSpPr>
           <p:spPr>
             <a:xfrm>
-              <a:off x="9713008" y="4064045"/>
+              <a:off x="9713007" y="4064050"/>
               <a:ext cx="406400" cy="272602"/>
             </a:xfrm>
             <a:prstGeom prst="rect">
@@ -4929,105 +4929,6 @@
                   <a:cs typeface="Noveo Sans" charset="0"/>
                 </a:rPr>
                 <a:t>14</a:t>
-              </a:r>
-            </a:p>
-          </p:txBody>
-        </p:sp>
-      </p:grpSp>
-      <p:grpSp>
-        <p:nvGrpSpPr>
-          <p:cNvPr id="55" name="Group 54"/>
-          <p:cNvGrpSpPr/>
-          <p:nvPr/>
-        </p:nvGrpSpPr>
-        <p:grpSpPr>
-          <a:xfrm>
-            <a:off x="12420339" y="4088854"/>
-            <a:ext cx="426720" cy="300776"/>
-            <a:chOff x="10400232" y="4072258"/>
-            <a:chExt cx="406400" cy="256574"/>
-          </a:xfrm>
-        </p:grpSpPr>
-        <p:sp>
-          <p:nvSpPr>
-            <p:cNvPr id="49" name="Oval 48"/>
-            <p:cNvSpPr/>
-            <p:nvPr/>
-          </p:nvSpPr>
-          <p:spPr>
-            <a:xfrm>
-              <a:off x="10470229" y="4073218"/>
-              <a:ext cx="257728" cy="255614"/>
-            </a:xfrm>
-            <a:prstGeom prst="ellipse">
-              <a:avLst/>
-            </a:prstGeom>
-            <a:solidFill>
-              <a:srgbClr val="BDC3C7"/>
-            </a:solidFill>
-            <a:ln>
-              <a:noFill/>
-            </a:ln>
-          </p:spPr>
-          <p:style>
-            <a:lnRef idx="2">
-              <a:schemeClr val="accent1">
-                <a:shade val="50000"/>
-              </a:schemeClr>
-            </a:lnRef>
-            <a:fillRef idx="1">
-              <a:schemeClr val="accent1"/>
-            </a:fillRef>
-            <a:effectRef idx="0">
-              <a:schemeClr val="accent1"/>
-            </a:effectRef>
-            <a:fontRef idx="minor">
-              <a:schemeClr val="lt1"/>
-            </a:fontRef>
-          </p:style>
-          <p:txBody>
-            <a:bodyPr rtlCol="0" anchor="ctr"/>
-            <a:lstStyle/>
-            <a:p>
-              <a:pPr algn="ctr"/>
-              <a:endParaRPr lang="en-US" sz="1471" dirty="0">
-                <a:latin typeface="Noveo Sans" charset="0"/>
-                <a:ea typeface="Noveo Sans" charset="0"/>
-                <a:cs typeface="Noveo Sans" charset="0"/>
-              </a:endParaRPr>
-            </a:p>
-          </p:txBody>
-        </p:sp>
-        <p:sp>
-          <p:nvSpPr>
-            <p:cNvPr id="34" name="TextBox 33"/>
-            <p:cNvSpPr txBox="1"/>
-            <p:nvPr/>
-          </p:nvSpPr>
-          <p:spPr>
-            <a:xfrm>
-              <a:off x="10400232" y="4072258"/>
-              <a:ext cx="406400" cy="244167"/>
-            </a:xfrm>
-            <a:prstGeom prst="rect">
-              <a:avLst/>
-            </a:prstGeom>
-            <a:noFill/>
-          </p:spPr>
-          <p:txBody>
-            <a:bodyPr wrap="square" rtlCol="0">
-              <a:spAutoFit/>
-            </a:bodyPr>
-            <a:lstStyle/>
-            <a:p>
-              <a:pPr algn="ctr"/>
-              <a:r>
-                <a:rPr lang="en-US" sz="1260" dirty="0">
-                  <a:latin typeface="Noveo Sans" charset="0"/>
-                  <a:ea typeface="Noveo Sans" charset="0"/>
-                  <a:cs typeface="Noveo Sans" charset="0"/>
-                </a:rPr>
-                <a:t>15</a:t>
               </a:r>
             </a:p>
           </p:txBody>
@@ -5096,7 +4997,7 @@
                 <a:gridCol w="1612468">
                   <a:extLst>
                     <a:ext uri="{9D8B030D-6E8A-4147-A177-3AD203B41FA5}">
-                      <a16:colId xmlns:a16="http://schemas.microsoft.com/office/drawing/2014/main" xmlns="" val="20000"/>
+                      <a16:colId xmlns:a16="http://schemas.microsoft.com/office/drawing/2014/main" val="20000"/>
                     </a:ext>
                   </a:extLst>
                 </a:gridCol>
@@ -5171,7 +5072,7 @@
                 </a:tc>
                 <a:extLst>
                   <a:ext uri="{0D108BD9-81ED-4DB2-BD59-A6C34878D82A}">
-                    <a16:rowId xmlns:a16="http://schemas.microsoft.com/office/drawing/2014/main" xmlns="" val="10000"/>
+                    <a16:rowId xmlns:a16="http://schemas.microsoft.com/office/drawing/2014/main" val="10000"/>
                   </a:ext>
                 </a:extLst>
               </a:tr>
@@ -5205,7 +5106,7 @@
                 </a:tc>
                 <a:extLst>
                   <a:ext uri="{0D108BD9-81ED-4DB2-BD59-A6C34878D82A}">
-                    <a16:rowId xmlns:a16="http://schemas.microsoft.com/office/drawing/2014/main" xmlns="" val="10001"/>
+                    <a16:rowId xmlns:a16="http://schemas.microsoft.com/office/drawing/2014/main" val="10001"/>
                   </a:ext>
                 </a:extLst>
               </a:tr>
@@ -5247,7 +5148,7 @@
                 </a:tc>
                 <a:extLst>
                   <a:ext uri="{0D108BD9-81ED-4DB2-BD59-A6C34878D82A}">
-                    <a16:rowId xmlns:a16="http://schemas.microsoft.com/office/drawing/2014/main" xmlns="" val="10002"/>
+                    <a16:rowId xmlns:a16="http://schemas.microsoft.com/office/drawing/2014/main" val="10002"/>
                   </a:ext>
                 </a:extLst>
               </a:tr>
@@ -5281,7 +5182,7 @@
                 </a:tc>
                 <a:extLst>
                   <a:ext uri="{0D108BD9-81ED-4DB2-BD59-A6C34878D82A}">
-                    <a16:rowId xmlns:a16="http://schemas.microsoft.com/office/drawing/2014/main" xmlns="" val="10003"/>
+                    <a16:rowId xmlns:a16="http://schemas.microsoft.com/office/drawing/2014/main" val="10003"/>
                   </a:ext>
                 </a:extLst>
               </a:tr>
@@ -5340,7 +5241,7 @@
         </p:nvGraphicFramePr>
         <p:xfrm>
           <a:off x="54452" y="2158409"/>
-          <a:ext cx="1806426" cy="1805610"/>
+          <a:ext cx="1806426" cy="1623884"/>
         </p:xfrm>
         <a:graphic>
           <a:graphicData uri="http://schemas.openxmlformats.org/drawingml/2006/table">
@@ -5352,7 +5253,7 @@
                 <a:gridCol w="1806426">
                   <a:extLst>
                     <a:ext uri="{9D8B030D-6E8A-4147-A177-3AD203B41FA5}">
-                      <a16:colId xmlns:a16="http://schemas.microsoft.com/office/drawing/2014/main" xmlns="" val="2192527220"/>
+                      <a16:colId xmlns:a16="http://schemas.microsoft.com/office/drawing/2014/main" val="2192527220"/>
                     </a:ext>
                   </a:extLst>
                 </a:gridCol>
@@ -5427,7 +5328,7 @@
                 </a:tc>
                 <a:extLst>
                   <a:ext uri="{0D108BD9-81ED-4DB2-BD59-A6C34878D82A}">
-                    <a16:rowId xmlns:a16="http://schemas.microsoft.com/office/drawing/2014/main" xmlns="" val="1986687887"/>
+                    <a16:rowId xmlns:a16="http://schemas.microsoft.com/office/drawing/2014/main" val="1986687887"/>
                   </a:ext>
                 </a:extLst>
               </a:tr>
@@ -5499,7 +5400,7 @@
                 </a:tc>
                 <a:extLst>
                   <a:ext uri="{0D108BD9-81ED-4DB2-BD59-A6C34878D82A}">
-                    <a16:rowId xmlns:a16="http://schemas.microsoft.com/office/drawing/2014/main" xmlns="" val="3506151837"/>
+                    <a16:rowId xmlns:a16="http://schemas.microsoft.com/office/drawing/2014/main" val="3506151837"/>
                   </a:ext>
                 </a:extLst>
               </a:tr>
@@ -5595,7 +5496,7 @@
                 </a:tc>
                 <a:extLst>
                   <a:ext uri="{0D108BD9-81ED-4DB2-BD59-A6C34878D82A}">
-                    <a16:rowId xmlns:a16="http://schemas.microsoft.com/office/drawing/2014/main" xmlns="" val="1767699772"/>
+                    <a16:rowId xmlns:a16="http://schemas.microsoft.com/office/drawing/2014/main" val="1767699772"/>
                   </a:ext>
                 </a:extLst>
               </a:tr>
@@ -5647,7 +5548,7 @@
           <p:nvPr>
             <p:extLst>
               <p:ext uri="{D42A27DB-BD31-4B8C-83A1-F6EECF244321}">
-                <p14:modId xmlns:p14="http://schemas.microsoft.com/office/powerpoint/2010/main" val="1967679837"/>
+                <p14:modId xmlns:p14="http://schemas.microsoft.com/office/powerpoint/2010/main" val="1397737917"/>
               </p:ext>
             </p:extLst>
           </p:nvPr>
@@ -5666,7 +5567,7 @@
                 <a:gridCol w="1928341">
                   <a:extLst>
                     <a:ext uri="{9D8B030D-6E8A-4147-A177-3AD203B41FA5}">
-                      <a16:colId xmlns:a16="http://schemas.microsoft.com/office/drawing/2014/main" xmlns="" val="20000"/>
+                      <a16:colId xmlns:a16="http://schemas.microsoft.com/office/drawing/2014/main" val="20000"/>
                     </a:ext>
                   </a:extLst>
                 </a:gridCol>
@@ -5743,13 +5644,15 @@
                   </a:txBody>
                   <a:tcPr marL="96012" marR="96012" marT="48007" marB="48007" anchor="ctr">
                     <a:solidFill>
-                      <a:srgbClr val="DE1A54"/>
+                      <a:schemeClr val="bg2">
+                        <a:lumMod val="50000"/>
+                      </a:schemeClr>
                     </a:solidFill>
                   </a:tcPr>
                 </a:tc>
                 <a:extLst>
                   <a:ext uri="{0D108BD9-81ED-4DB2-BD59-A6C34878D82A}">
-                    <a16:rowId xmlns:a16="http://schemas.microsoft.com/office/drawing/2014/main" xmlns="" val="10000"/>
+                    <a16:rowId xmlns:a16="http://schemas.microsoft.com/office/drawing/2014/main" val="10000"/>
                   </a:ext>
                 </a:extLst>
               </a:tr>
@@ -5762,6 +5665,9 @@
                       <a:pPr algn="ctr"/>
                       <a:r>
                         <a:rPr lang="en-SG" sz="1200" b="1" dirty="0" smtClean="0">
+                          <a:solidFill>
+                            <a:schemeClr val="bg1"/>
+                          </a:solidFill>
                           <a:latin typeface="Noveo Sans" charset="0"/>
                           <a:ea typeface="Noveo Sans" charset="0"/>
                           <a:cs typeface="Noveo Sans" charset="0"/>
@@ -5773,6 +5679,9 @@
                       <a:pPr algn="ctr"/>
                       <a:r>
                         <a:rPr lang="en-SG" sz="1200" dirty="0" smtClean="0">
+                          <a:solidFill>
+                            <a:schemeClr val="bg1"/>
+                          </a:solidFill>
                           <a:latin typeface="Noveo Sans" charset="0"/>
                           <a:ea typeface="Noveo Sans" charset="0"/>
                           <a:cs typeface="Noveo Sans" charset="0"/>
@@ -5783,13 +5692,13 @@
                   </a:txBody>
                   <a:tcPr marL="96012" marR="96012" marT="48007" marB="48007" anchor="ctr">
                     <a:solidFill>
-                      <a:srgbClr val="EEEEEE"/>
+                      <a:srgbClr val="DE1A54"/>
                     </a:solidFill>
                   </a:tcPr>
                 </a:tc>
                 <a:extLst>
                   <a:ext uri="{0D108BD9-81ED-4DB2-BD59-A6C34878D82A}">
-                    <a16:rowId xmlns:a16="http://schemas.microsoft.com/office/drawing/2014/main" xmlns="" val="10001"/>
+                    <a16:rowId xmlns:a16="http://schemas.microsoft.com/office/drawing/2014/main" val="10001"/>
                   </a:ext>
                 </a:extLst>
               </a:tr>
@@ -5845,7 +5754,7 @@
                 </a:tc>
                 <a:extLst>
                   <a:ext uri="{0D108BD9-81ED-4DB2-BD59-A6C34878D82A}">
-                    <a16:rowId xmlns:a16="http://schemas.microsoft.com/office/drawing/2014/main" xmlns="" val="10002"/>
+                    <a16:rowId xmlns:a16="http://schemas.microsoft.com/office/drawing/2014/main" val="10002"/>
                   </a:ext>
                 </a:extLst>
               </a:tr>
@@ -5983,7 +5892,7 @@
                 </a:tc>
                 <a:extLst>
                   <a:ext uri="{0D108BD9-81ED-4DB2-BD59-A6C34878D82A}">
-                    <a16:rowId xmlns:a16="http://schemas.microsoft.com/office/drawing/2014/main" xmlns="" val="10003"/>
+                    <a16:rowId xmlns:a16="http://schemas.microsoft.com/office/drawing/2014/main" val="10003"/>
                   </a:ext>
                 </a:extLst>
               </a:tr>
@@ -6054,7 +5963,7 @@
                 <a:gridCol w="1788301">
                   <a:extLst>
                     <a:ext uri="{9D8B030D-6E8A-4147-A177-3AD203B41FA5}">
-                      <a16:colId xmlns:a16="http://schemas.microsoft.com/office/drawing/2014/main" xmlns="" val="2192527220"/>
+                      <a16:colId xmlns:a16="http://schemas.microsoft.com/office/drawing/2014/main" val="2192527220"/>
                     </a:ext>
                   </a:extLst>
                 </a:gridCol>
@@ -6145,7 +6054,7 @@
                 </a:tc>
                 <a:extLst>
                   <a:ext uri="{0D108BD9-81ED-4DB2-BD59-A6C34878D82A}">
-                    <a16:rowId xmlns:a16="http://schemas.microsoft.com/office/drawing/2014/main" xmlns="" val="1986687887"/>
+                    <a16:rowId xmlns:a16="http://schemas.microsoft.com/office/drawing/2014/main" val="1986687887"/>
                   </a:ext>
                 </a:extLst>
               </a:tr>
@@ -6201,7 +6110,7 @@
                 </a:tc>
                 <a:extLst>
                   <a:ext uri="{0D108BD9-81ED-4DB2-BD59-A6C34878D82A}">
-                    <a16:rowId xmlns:a16="http://schemas.microsoft.com/office/drawing/2014/main" xmlns="" val="3506151837"/>
+                    <a16:rowId xmlns:a16="http://schemas.microsoft.com/office/drawing/2014/main" val="3506151837"/>
                   </a:ext>
                 </a:extLst>
               </a:tr>
@@ -6339,7 +6248,7 @@
                 </a:tc>
                 <a:extLst>
                   <a:ext uri="{0D108BD9-81ED-4DB2-BD59-A6C34878D82A}">
-                    <a16:rowId xmlns:a16="http://schemas.microsoft.com/office/drawing/2014/main" xmlns="" val="1767699772"/>
+                    <a16:rowId xmlns:a16="http://schemas.microsoft.com/office/drawing/2014/main" val="1767699772"/>
                   </a:ext>
                 </a:extLst>
               </a:tr>
@@ -6410,7 +6319,7 @@
                 <a:gridCol w="1828068">
                   <a:extLst>
                     <a:ext uri="{9D8B030D-6E8A-4147-A177-3AD203B41FA5}">
-                      <a16:colId xmlns:a16="http://schemas.microsoft.com/office/drawing/2014/main" xmlns="" val="20000"/>
+                      <a16:colId xmlns:a16="http://schemas.microsoft.com/office/drawing/2014/main" val="20000"/>
                     </a:ext>
                   </a:extLst>
                 </a:gridCol>
@@ -6445,7 +6354,7 @@
                 </a:tc>
                 <a:extLst>
                   <a:ext uri="{0D108BD9-81ED-4DB2-BD59-A6C34878D82A}">
-                    <a16:rowId xmlns:a16="http://schemas.microsoft.com/office/drawing/2014/main" xmlns="" val="10000"/>
+                    <a16:rowId xmlns:a16="http://schemas.microsoft.com/office/drawing/2014/main" val="10000"/>
                   </a:ext>
                 </a:extLst>
               </a:tr>
@@ -6501,7 +6410,7 @@
                 </a:tc>
                 <a:extLst>
                   <a:ext uri="{0D108BD9-81ED-4DB2-BD59-A6C34878D82A}">
-                    <a16:rowId xmlns:a16="http://schemas.microsoft.com/office/drawing/2014/main" xmlns="" val="10001"/>
+                    <a16:rowId xmlns:a16="http://schemas.microsoft.com/office/drawing/2014/main" val="10001"/>
                   </a:ext>
                 </a:extLst>
               </a:tr>
@@ -6639,7 +6548,7 @@
                 </a:tc>
                 <a:extLst>
                   <a:ext uri="{0D108BD9-81ED-4DB2-BD59-A6C34878D82A}">
-                    <a16:rowId xmlns:a16="http://schemas.microsoft.com/office/drawing/2014/main" xmlns="" val="10002"/>
+                    <a16:rowId xmlns:a16="http://schemas.microsoft.com/office/drawing/2014/main" val="10002"/>
                   </a:ext>
                 </a:extLst>
               </a:tr>
@@ -6675,7 +6584,7 @@
                 <a:gridCol w="1806426">
                   <a:extLst>
                     <a:ext uri="{9D8B030D-6E8A-4147-A177-3AD203B41FA5}">
-                      <a16:colId xmlns:a16="http://schemas.microsoft.com/office/drawing/2014/main" xmlns="" val="2192527220"/>
+                      <a16:colId xmlns:a16="http://schemas.microsoft.com/office/drawing/2014/main" val="2192527220"/>
                     </a:ext>
                   </a:extLst>
                 </a:gridCol>
@@ -6710,7 +6619,7 @@
                 </a:tc>
                 <a:extLst>
                   <a:ext uri="{0D108BD9-81ED-4DB2-BD59-A6C34878D82A}">
-                    <a16:rowId xmlns:a16="http://schemas.microsoft.com/office/drawing/2014/main" xmlns="" val="1986687887"/>
+                    <a16:rowId xmlns:a16="http://schemas.microsoft.com/office/drawing/2014/main" val="1986687887"/>
                   </a:ext>
                 </a:extLst>
               </a:tr>
@@ -6750,7 +6659,7 @@
                 </a:tc>
                 <a:extLst>
                   <a:ext uri="{0D108BD9-81ED-4DB2-BD59-A6C34878D82A}">
-                    <a16:rowId xmlns:a16="http://schemas.microsoft.com/office/drawing/2014/main" xmlns="" val="3506151837"/>
+                    <a16:rowId xmlns:a16="http://schemas.microsoft.com/office/drawing/2014/main" val="3506151837"/>
                   </a:ext>
                 </a:extLst>
               </a:tr>
@@ -6907,7 +6816,7 @@
                 </a:tc>
                 <a:extLst>
                   <a:ext uri="{0D108BD9-81ED-4DB2-BD59-A6C34878D82A}">
-                    <a16:rowId xmlns:a16="http://schemas.microsoft.com/office/drawing/2014/main" xmlns="" val="1767699772"/>
+                    <a16:rowId xmlns:a16="http://schemas.microsoft.com/office/drawing/2014/main" val="1767699772"/>
                   </a:ext>
                 </a:extLst>
               </a:tr>
@@ -6994,14 +6903,14 @@
           <p:nvPr>
             <p:extLst>
               <p:ext uri="{D42A27DB-BD31-4B8C-83A1-F6EECF244321}">
-                <p14:modId xmlns:p14="http://schemas.microsoft.com/office/powerpoint/2010/main" val="664081073"/>
+                <p14:modId xmlns:p14="http://schemas.microsoft.com/office/powerpoint/2010/main" val="4270606258"/>
               </p:ext>
             </p:extLst>
           </p:nvPr>
         </p:nvGraphicFramePr>
         <p:xfrm>
-          <a:off x="2867160" y="1296347"/>
-          <a:ext cx="1928341" cy="2593856"/>
+          <a:off x="2879740" y="1022813"/>
+          <a:ext cx="1928341" cy="2872750"/>
         </p:xfrm>
         <a:graphic>
           <a:graphicData uri="http://schemas.openxmlformats.org/drawingml/2006/table">
@@ -7013,7 +6922,7 @@
                 <a:gridCol w="1928341">
                   <a:extLst>
                     <a:ext uri="{9D8B030D-6E8A-4147-A177-3AD203B41FA5}">
-                      <a16:colId xmlns:a16="http://schemas.microsoft.com/office/drawing/2014/main" xmlns="" val="20000"/>
+                      <a16:colId xmlns:a16="http://schemas.microsoft.com/office/drawing/2014/main" val="20000"/>
                     </a:ext>
                   </a:extLst>
                 </a:gridCol>
@@ -7034,6 +6943,42 @@
                         <a:t>25th July – 7th August</a:t>
                       </a:r>
                       <a:endParaRPr lang="en-US" sz="1300" b="1" dirty="0">
+                        <a:latin typeface="Noveo Sans" charset="0"/>
+                        <a:ea typeface="Noveo Sans" charset="0"/>
+                        <a:cs typeface="Noveo Sans" charset="0"/>
+                      </a:endParaRPr>
+                    </a:p>
+                  </a:txBody>
+                  <a:tcPr marL="96012" marR="96012" marT="48007" marB="48007" anchor="ctr">
+                    <a:solidFill>
+                      <a:schemeClr val="bg2">
+                        <a:lumMod val="50000"/>
+                      </a:schemeClr>
+                    </a:solidFill>
+                  </a:tcPr>
+                </a:tc>
+                <a:extLst>
+                  <a:ext uri="{0D108BD9-81ED-4DB2-BD59-A6C34878D82A}">
+                    <a16:rowId xmlns:a16="http://schemas.microsoft.com/office/drawing/2014/main" val="10000"/>
+                  </a:ext>
+                </a:extLst>
+              </a:tr>
+              <a:tr h="250207">
+                <a:tc>
+                  <a:txBody>
+                    <a:bodyPr/>
+                    <a:lstStyle/>
+                    <a:p>
+                      <a:pPr algn="ctr"/>
+                      <a:r>
+                        <a:rPr lang="en-SG" sz="1200" b="1" dirty="0" smtClean="0">
+                          <a:latin typeface="Noveo Sans" charset="0"/>
+                          <a:ea typeface="Noveo Sans" charset="0"/>
+                          <a:cs typeface="Noveo Sans" charset="0"/>
+                        </a:rPr>
+                        <a:t>UAT 1</a:t>
+                      </a:r>
+                      <a:endParaRPr lang="en-SG" sz="1200" dirty="0" smtClean="0">
                         <a:latin typeface="Noveo Sans" charset="0"/>
                         <a:ea typeface="Noveo Sans" charset="0"/>
                         <a:cs typeface="Noveo Sans" charset="0"/>
@@ -7048,7 +6993,7 @@
                 </a:tc>
                 <a:extLst>
                   <a:ext uri="{0D108BD9-81ED-4DB2-BD59-A6C34878D82A}">
-                    <a16:rowId xmlns:a16="http://schemas.microsoft.com/office/drawing/2014/main" xmlns="" val="10000"/>
+                    <a16:rowId xmlns:a16="http://schemas.microsoft.com/office/drawing/2014/main" val="10001"/>
                   </a:ext>
                 </a:extLst>
               </a:tr>
@@ -7061,13 +7006,19 @@
                       <a:pPr algn="ctr"/>
                       <a:r>
                         <a:rPr lang="en-SG" sz="1200" b="1" dirty="0" smtClean="0">
-                          <a:latin typeface="Noveo Sans" charset="0"/>
-                          <a:ea typeface="Noveo Sans" charset="0"/>
-                          <a:cs typeface="Noveo Sans" charset="0"/>
-                        </a:rPr>
-                        <a:t>UAT 1</a:t>
-                      </a:r>
-                      <a:endParaRPr lang="en-SG" sz="1200" dirty="0" smtClean="0">
+                          <a:solidFill>
+                            <a:schemeClr val="bg1"/>
+                          </a:solidFill>
+                          <a:latin typeface="Noveo Sans" charset="0"/>
+                          <a:ea typeface="Noveo Sans" charset="0"/>
+                          <a:cs typeface="Noveo Sans" charset="0"/>
+                        </a:rPr>
+                        <a:t>Client Review</a:t>
+                      </a:r>
+                      <a:endParaRPr lang="en-SG" sz="1200" b="1" dirty="0" smtClean="0">
+                        <a:solidFill>
+                          <a:schemeClr val="bg1"/>
+                        </a:solidFill>
                         <a:latin typeface="Noveo Sans" charset="0"/>
                         <a:ea typeface="Noveo Sans" charset="0"/>
                         <a:cs typeface="Noveo Sans" charset="0"/>
@@ -7076,13 +7027,13 @@
                   </a:txBody>
                   <a:tcPr marL="96012" marR="96012" marT="48007" marB="48007" anchor="ctr">
                     <a:solidFill>
-                      <a:srgbClr val="EEEEEE"/>
+                      <a:srgbClr val="0068B3"/>
                     </a:solidFill>
                   </a:tcPr>
                 </a:tc>
                 <a:extLst>
                   <a:ext uri="{0D108BD9-81ED-4DB2-BD59-A6C34878D82A}">
-                    <a16:rowId xmlns:a16="http://schemas.microsoft.com/office/drawing/2014/main" xmlns="" val="10001"/>
+                    <a16:rowId xmlns:a16="http://schemas.microsoft.com/office/drawing/2014/main" val="4235489286"/>
                   </a:ext>
                 </a:extLst>
               </a:tr>
@@ -7138,7 +7089,7 @@
                 </a:tc>
                 <a:extLst>
                   <a:ext uri="{0D108BD9-81ED-4DB2-BD59-A6C34878D82A}">
-                    <a16:rowId xmlns:a16="http://schemas.microsoft.com/office/drawing/2014/main" xmlns="" val="10002"/>
+                    <a16:rowId xmlns:a16="http://schemas.microsoft.com/office/drawing/2014/main" val="10002"/>
                   </a:ext>
                 </a:extLst>
               </a:tr>
@@ -7303,7 +7254,7 @@
                 </a:tc>
                 <a:extLst>
                   <a:ext uri="{0D108BD9-81ED-4DB2-BD59-A6C34878D82A}">
-                    <a16:rowId xmlns:a16="http://schemas.microsoft.com/office/drawing/2014/main" xmlns="" val="10003"/>
+                    <a16:rowId xmlns:a16="http://schemas.microsoft.com/office/drawing/2014/main" val="10003"/>
                   </a:ext>
                 </a:extLst>
               </a:tr>
@@ -7339,7 +7290,7 @@
                 <a:gridCol w="1932735">
                   <a:extLst>
                     <a:ext uri="{9D8B030D-6E8A-4147-A177-3AD203B41FA5}">
-                      <a16:colId xmlns:a16="http://schemas.microsoft.com/office/drawing/2014/main" xmlns="" val="2192527220"/>
+                      <a16:colId xmlns:a16="http://schemas.microsoft.com/office/drawing/2014/main" val="2192527220"/>
                     </a:ext>
                   </a:extLst>
                 </a:gridCol>
@@ -7390,7 +7341,7 @@
                 </a:tc>
                 <a:extLst>
                   <a:ext uri="{0D108BD9-81ED-4DB2-BD59-A6C34878D82A}">
-                    <a16:rowId xmlns:a16="http://schemas.microsoft.com/office/drawing/2014/main" xmlns="" val="1986687887"/>
+                    <a16:rowId xmlns:a16="http://schemas.microsoft.com/office/drawing/2014/main" val="1986687887"/>
                   </a:ext>
                 </a:extLst>
               </a:tr>
@@ -7430,7 +7381,7 @@
                 </a:tc>
                 <a:extLst>
                   <a:ext uri="{0D108BD9-81ED-4DB2-BD59-A6C34878D82A}">
-                    <a16:rowId xmlns:a16="http://schemas.microsoft.com/office/drawing/2014/main" xmlns="" val="3506151837"/>
+                    <a16:rowId xmlns:a16="http://schemas.microsoft.com/office/drawing/2014/main" val="3506151837"/>
                   </a:ext>
                 </a:extLst>
               </a:tr>
@@ -7563,7 +7514,7 @@
                 </a:tc>
                 <a:extLst>
                   <a:ext uri="{0D108BD9-81ED-4DB2-BD59-A6C34878D82A}">
-                    <a16:rowId xmlns:a16="http://schemas.microsoft.com/office/drawing/2014/main" xmlns="" val="1767699772"/>
+                    <a16:rowId xmlns:a16="http://schemas.microsoft.com/office/drawing/2014/main" val="1767699772"/>
                   </a:ext>
                 </a:extLst>
               </a:tr>
@@ -7615,7 +7566,7 @@
           <p:nvPr>
             <p:extLst>
               <p:ext uri="{D42A27DB-BD31-4B8C-83A1-F6EECF244321}">
-                <p14:modId xmlns:p14="http://schemas.microsoft.com/office/powerpoint/2010/main" val="2791910582"/>
+                <p14:modId xmlns:p14="http://schemas.microsoft.com/office/powerpoint/2010/main" val="206681045"/>
               </p:ext>
             </p:extLst>
           </p:nvPr>
@@ -7634,7 +7585,7 @@
                 <a:gridCol w="1928341">
                   <a:extLst>
                     <a:ext uri="{9D8B030D-6E8A-4147-A177-3AD203B41FA5}">
-                      <a16:colId xmlns:a16="http://schemas.microsoft.com/office/drawing/2014/main" xmlns="" val="20000"/>
+                      <a16:colId xmlns:a16="http://schemas.microsoft.com/office/drawing/2014/main" val="20000"/>
                     </a:ext>
                   </a:extLst>
                 </a:gridCol>
@@ -7679,13 +7630,15 @@
                   </a:txBody>
                   <a:tcPr marL="96012" marR="96012" marT="48007" marB="48007" anchor="ctr">
                     <a:solidFill>
-                      <a:srgbClr val="DE1A54"/>
+                      <a:schemeClr val="bg2">
+                        <a:lumMod val="50000"/>
+                      </a:schemeClr>
                     </a:solidFill>
                   </a:tcPr>
                 </a:tc>
                 <a:extLst>
                   <a:ext uri="{0D108BD9-81ED-4DB2-BD59-A6C34878D82A}">
-                    <a16:rowId xmlns:a16="http://schemas.microsoft.com/office/drawing/2014/main" xmlns="" val="10000"/>
+                    <a16:rowId xmlns:a16="http://schemas.microsoft.com/office/drawing/2014/main" val="10000"/>
                   </a:ext>
                 </a:extLst>
               </a:tr>
@@ -7698,6 +7651,9 @@
                       <a:pPr algn="ctr"/>
                       <a:r>
                         <a:rPr lang="en-SG" sz="1200" b="1" dirty="0" smtClean="0">
+                          <a:solidFill>
+                            <a:schemeClr val="bg1"/>
+                          </a:solidFill>
                           <a:latin typeface="Noveo Sans" charset="0"/>
                           <a:ea typeface="Noveo Sans" charset="0"/>
                           <a:cs typeface="Noveo Sans" charset="0"/>
@@ -7709,6 +7665,9 @@
                       <a:pPr algn="ctr"/>
                       <a:r>
                         <a:rPr lang="en-SG" sz="1200" dirty="0" smtClean="0">
+                          <a:solidFill>
+                            <a:schemeClr val="bg1"/>
+                          </a:solidFill>
                           <a:latin typeface="Noveo Sans" charset="0"/>
                           <a:ea typeface="Noveo Sans" charset="0"/>
                           <a:cs typeface="Noveo Sans" charset="0"/>
@@ -7720,6 +7679,9 @@
                       <a:pPr algn="ctr"/>
                       <a:r>
                         <a:rPr lang="en-SG" sz="1200" dirty="0" smtClean="0">
+                          <a:solidFill>
+                            <a:schemeClr val="bg1"/>
+                          </a:solidFill>
                           <a:latin typeface="Noveo Sans" charset="0"/>
                           <a:ea typeface="Noveo Sans" charset="0"/>
                           <a:cs typeface="Noveo Sans" charset="0"/>
@@ -7730,13 +7692,13 @@
                   </a:txBody>
                   <a:tcPr marL="96012" marR="96012" marT="48007" marB="48007" anchor="ctr">
                     <a:solidFill>
-                      <a:srgbClr val="EEEEEE"/>
+                      <a:srgbClr val="DE1A54"/>
                     </a:solidFill>
                   </a:tcPr>
                 </a:tc>
                 <a:extLst>
                   <a:ext uri="{0D108BD9-81ED-4DB2-BD59-A6C34878D82A}">
-                    <a16:rowId xmlns:a16="http://schemas.microsoft.com/office/drawing/2014/main" xmlns="" val="10001"/>
+                    <a16:rowId xmlns:a16="http://schemas.microsoft.com/office/drawing/2014/main" val="10001"/>
                   </a:ext>
                 </a:extLst>
               </a:tr>
@@ -7776,7 +7738,7 @@
                 </a:tc>
                 <a:extLst>
                   <a:ext uri="{0D108BD9-81ED-4DB2-BD59-A6C34878D82A}">
-                    <a16:rowId xmlns:a16="http://schemas.microsoft.com/office/drawing/2014/main" xmlns="" val="10002"/>
+                    <a16:rowId xmlns:a16="http://schemas.microsoft.com/office/drawing/2014/main" val="10002"/>
                   </a:ext>
                 </a:extLst>
               </a:tr>
@@ -7914,7 +7876,7 @@
                 </a:tc>
                 <a:extLst>
                   <a:ext uri="{0D108BD9-81ED-4DB2-BD59-A6C34878D82A}">
-                    <a16:rowId xmlns:a16="http://schemas.microsoft.com/office/drawing/2014/main" xmlns="" val="10003"/>
+                    <a16:rowId xmlns:a16="http://schemas.microsoft.com/office/drawing/2014/main" val="10003"/>
                   </a:ext>
                 </a:extLst>
               </a:tr>
@@ -7966,14 +7928,14 @@
           <p:nvPr>
             <p:extLst>
               <p:ext uri="{D42A27DB-BD31-4B8C-83A1-F6EECF244321}">
-                <p14:modId xmlns:p14="http://schemas.microsoft.com/office/powerpoint/2010/main" val="1449317917"/>
+                <p14:modId xmlns:p14="http://schemas.microsoft.com/office/powerpoint/2010/main" val="978033227"/>
               </p:ext>
             </p:extLst>
           </p:nvPr>
         </p:nvGraphicFramePr>
         <p:xfrm>
           <a:off x="5533378" y="4585209"/>
-          <a:ext cx="1928341" cy="2243336"/>
+          <a:ext cx="1928341" cy="2522230"/>
         </p:xfrm>
         <a:graphic>
           <a:graphicData uri="http://schemas.openxmlformats.org/drawingml/2006/table">
@@ -7985,7 +7947,7 @@
                 <a:gridCol w="1928341">
                   <a:extLst>
                     <a:ext uri="{9D8B030D-6E8A-4147-A177-3AD203B41FA5}">
-                      <a16:colId xmlns:a16="http://schemas.microsoft.com/office/drawing/2014/main" xmlns="" val="20000"/>
+                      <a16:colId xmlns:a16="http://schemas.microsoft.com/office/drawing/2014/main" val="20000"/>
                     </a:ext>
                   </a:extLst>
                 </a:gridCol>
@@ -8006,6 +7968,42 @@
                         <a:t>5th September – 18th September</a:t>
                       </a:r>
                       <a:endParaRPr lang="en-US" sz="1300" b="0" dirty="0">
+                        <a:latin typeface="Noveo Sans" charset="0"/>
+                        <a:ea typeface="Noveo Sans" charset="0"/>
+                        <a:cs typeface="Noveo Sans" charset="0"/>
+                      </a:endParaRPr>
+                    </a:p>
+                  </a:txBody>
+                  <a:tcPr marL="96012" marR="96012" marT="48007" marB="48007" anchor="ctr">
+                    <a:solidFill>
+                      <a:schemeClr val="bg2">
+                        <a:lumMod val="50000"/>
+                      </a:schemeClr>
+                    </a:solidFill>
+                  </a:tcPr>
+                </a:tc>
+                <a:extLst>
+                  <a:ext uri="{0D108BD9-81ED-4DB2-BD59-A6C34878D82A}">
+                    <a16:rowId xmlns:a16="http://schemas.microsoft.com/office/drawing/2014/main" val="10000"/>
+                  </a:ext>
+                </a:extLst>
+              </a:tr>
+              <a:tr h="239929">
+                <a:tc>
+                  <a:txBody>
+                    <a:bodyPr/>
+                    <a:lstStyle/>
+                    <a:p>
+                      <a:pPr algn="ctr"/>
+                      <a:r>
+                        <a:rPr lang="en-SG" sz="1200" b="1" dirty="0" smtClean="0">
+                          <a:latin typeface="Noveo Sans" charset="0"/>
+                          <a:ea typeface="Noveo Sans" charset="0"/>
+                          <a:cs typeface="Noveo Sans" charset="0"/>
+                        </a:rPr>
+                        <a:t>UAT 2</a:t>
+                      </a:r>
+                      <a:endParaRPr lang="en-SG" sz="1200" dirty="0" smtClean="0">
                         <a:latin typeface="Noveo Sans" charset="0"/>
                         <a:ea typeface="Noveo Sans" charset="0"/>
                         <a:cs typeface="Noveo Sans" charset="0"/>
@@ -8020,7 +8018,7 @@
                 </a:tc>
                 <a:extLst>
                   <a:ext uri="{0D108BD9-81ED-4DB2-BD59-A6C34878D82A}">
-                    <a16:rowId xmlns:a16="http://schemas.microsoft.com/office/drawing/2014/main" xmlns="" val="10000"/>
+                    <a16:rowId xmlns:a16="http://schemas.microsoft.com/office/drawing/2014/main" val="10001"/>
                   </a:ext>
                 </a:extLst>
               </a:tr>
@@ -8030,31 +8028,45 @@
                     <a:bodyPr/>
                     <a:lstStyle/>
                     <a:p>
-                      <a:pPr algn="ctr"/>
+                      <a:pPr marL="0" marR="0" indent="0" algn="ctr" defTabSz="1280160" rtl="0" eaLnBrk="1" fontAlgn="auto" latinLnBrk="0" hangingPunct="1">
+                        <a:lnSpc>
+                          <a:spcPct val="100000"/>
+                        </a:lnSpc>
+                        <a:spcBef>
+                          <a:spcPts val="0"/>
+                        </a:spcBef>
+                        <a:spcAft>
+                          <a:spcPts val="0"/>
+                        </a:spcAft>
+                        <a:buClrTx/>
+                        <a:buSzTx/>
+                        <a:buFontTx/>
+                        <a:buNone/>
+                        <a:tabLst/>
+                        <a:defRPr/>
+                      </a:pPr>
                       <a:r>
                         <a:rPr lang="en-SG" sz="1200" b="1" dirty="0" smtClean="0">
-                          <a:latin typeface="Noveo Sans" charset="0"/>
-                          <a:ea typeface="Noveo Sans" charset="0"/>
-                          <a:cs typeface="Noveo Sans" charset="0"/>
-                        </a:rPr>
-                        <a:t>UAT 2</a:t>
-                      </a:r>
-                      <a:endParaRPr lang="en-SG" sz="1200" dirty="0" smtClean="0">
-                        <a:latin typeface="Noveo Sans" charset="0"/>
-                        <a:ea typeface="Noveo Sans" charset="0"/>
-                        <a:cs typeface="Noveo Sans" charset="0"/>
-                      </a:endParaRPr>
+                          <a:solidFill>
+                            <a:schemeClr val="bg1"/>
+                          </a:solidFill>
+                          <a:latin typeface="Noveo Sans" charset="0"/>
+                          <a:ea typeface="Noveo Sans" charset="0"/>
+                          <a:cs typeface="Noveo Sans" charset="0"/>
+                        </a:rPr>
+                        <a:t>Client Review</a:t>
+                      </a:r>
                     </a:p>
                   </a:txBody>
                   <a:tcPr marL="96012" marR="96012" marT="48007" marB="48007" anchor="ctr">
                     <a:solidFill>
-                      <a:srgbClr val="EEEEEE"/>
+                      <a:srgbClr val="0068B3"/>
                     </a:solidFill>
                   </a:tcPr>
                 </a:tc>
                 <a:extLst>
                   <a:ext uri="{0D108BD9-81ED-4DB2-BD59-A6C34878D82A}">
-                    <a16:rowId xmlns:a16="http://schemas.microsoft.com/office/drawing/2014/main" xmlns="" val="10001"/>
+                    <a16:rowId xmlns:a16="http://schemas.microsoft.com/office/drawing/2014/main" val="4232395393"/>
                   </a:ext>
                 </a:extLst>
               </a:tr>
@@ -8094,7 +8106,7 @@
                 </a:tc>
                 <a:extLst>
                   <a:ext uri="{0D108BD9-81ED-4DB2-BD59-A6C34878D82A}">
-                    <a16:rowId xmlns:a16="http://schemas.microsoft.com/office/drawing/2014/main" xmlns="" val="10002"/>
+                    <a16:rowId xmlns:a16="http://schemas.microsoft.com/office/drawing/2014/main" val="10002"/>
                   </a:ext>
                 </a:extLst>
               </a:tr>
@@ -8223,7 +8235,7 @@
                 </a:tc>
                 <a:extLst>
                   <a:ext uri="{0D108BD9-81ED-4DB2-BD59-A6C34878D82A}">
-                    <a16:rowId xmlns:a16="http://schemas.microsoft.com/office/drawing/2014/main" xmlns="" val="10003"/>
+                    <a16:rowId xmlns:a16="http://schemas.microsoft.com/office/drawing/2014/main" val="10003"/>
                   </a:ext>
                 </a:extLst>
               </a:tr>
@@ -8275,9 +8287,9 @@
           <p:nvPr/>
         </p:nvCxnSpPr>
         <p:spPr>
-          <a:xfrm>
-            <a:off x="8462872" y="4375188"/>
-            <a:ext cx="0" cy="2483633"/>
+          <a:xfrm flipH="1">
+            <a:off x="8460070" y="4375188"/>
+            <a:ext cx="2802" cy="2773059"/>
           </a:xfrm>
           <a:prstGeom prst="line">
             <a:avLst/>
@@ -8312,14 +8324,14 @@
           <p:nvPr>
             <p:extLst>
               <p:ext uri="{D42A27DB-BD31-4B8C-83A1-F6EECF244321}">
-                <p14:modId xmlns:p14="http://schemas.microsoft.com/office/powerpoint/2010/main" val="3127106977"/>
+                <p14:modId xmlns:p14="http://schemas.microsoft.com/office/powerpoint/2010/main" val="1297944995"/>
               </p:ext>
             </p:extLst>
           </p:nvPr>
         </p:nvGraphicFramePr>
         <p:xfrm>
-          <a:off x="6721909" y="6883254"/>
-          <a:ext cx="2055072" cy="2466600"/>
+          <a:off x="6641489" y="7148247"/>
+          <a:ext cx="2055072" cy="2264053"/>
         </p:xfrm>
         <a:graphic>
           <a:graphicData uri="http://schemas.openxmlformats.org/drawingml/2006/table">
@@ -8331,12 +8343,12 @@
                 <a:gridCol w="2055072">
                   <a:extLst>
                     <a:ext uri="{9D8B030D-6E8A-4147-A177-3AD203B41FA5}">
-                      <a16:colId xmlns:a16="http://schemas.microsoft.com/office/drawing/2014/main" xmlns="" val="20000"/>
+                      <a16:colId xmlns:a16="http://schemas.microsoft.com/office/drawing/2014/main" val="20000"/>
                     </a:ext>
                   </a:extLst>
                 </a:gridCol>
               </a:tblGrid>
-              <a:tr h="561000">
+              <a:tr h="498633">
                 <a:tc>
                   <a:txBody>
                     <a:bodyPr/>
@@ -8356,6 +8368,54 @@
                         <a:ea typeface="Noveo Sans" charset="0"/>
                         <a:cs typeface="Noveo Sans" charset="0"/>
                       </a:endParaRPr>
+                    </a:p>
+                  </a:txBody>
+                  <a:tcPr marL="96012" marR="96012" marT="48007" marB="48007" anchor="ctr">
+                    <a:solidFill>
+                      <a:schemeClr val="bg2">
+                        <a:lumMod val="50000"/>
+                      </a:schemeClr>
+                    </a:solidFill>
+                  </a:tcPr>
+                </a:tc>
+                <a:extLst>
+                  <a:ext uri="{0D108BD9-81ED-4DB2-BD59-A6C34878D82A}">
+                    <a16:rowId xmlns:a16="http://schemas.microsoft.com/office/drawing/2014/main" val="10000"/>
+                  </a:ext>
+                </a:extLst>
+              </a:tr>
+              <a:tr h="467758">
+                <a:tc>
+                  <a:txBody>
+                    <a:bodyPr/>
+                    <a:lstStyle/>
+                    <a:p>
+                      <a:pPr algn="ctr"/>
+                      <a:r>
+                        <a:rPr lang="en-SG" sz="1200" b="1" dirty="0" smtClean="0">
+                          <a:solidFill>
+                            <a:schemeClr val="bg1"/>
+                          </a:solidFill>
+                          <a:latin typeface="Noveo Sans" charset="0"/>
+                          <a:ea typeface="Noveo Sans" charset="0"/>
+                          <a:cs typeface="Noveo Sans" charset="0"/>
+                        </a:rPr>
+                        <a:t>Milestone</a:t>
+                      </a:r>
+                    </a:p>
+                    <a:p>
+                      <a:pPr algn="ctr"/>
+                      <a:r>
+                        <a:rPr lang="en-SG" sz="1200" dirty="0" smtClean="0">
+                          <a:solidFill>
+                            <a:schemeClr val="bg1"/>
+                          </a:solidFill>
+                          <a:latin typeface="Noveo Sans" charset="0"/>
+                          <a:ea typeface="Noveo Sans" charset="0"/>
+                          <a:cs typeface="Noveo Sans" charset="0"/>
+                        </a:rPr>
+                        <a:t>Midterm (3rd Oct – 7th Oct)</a:t>
+                      </a:r>
                     </a:p>
                   </a:txBody>
                   <a:tcPr marL="96012" marR="96012" marT="48007" marB="48007" anchor="ctr">
@@ -8366,51 +8426,11 @@
                 </a:tc>
                 <a:extLst>
                   <a:ext uri="{0D108BD9-81ED-4DB2-BD59-A6C34878D82A}">
-                    <a16:rowId xmlns:a16="http://schemas.microsoft.com/office/drawing/2014/main" xmlns="" val="10000"/>
+                    <a16:rowId xmlns:a16="http://schemas.microsoft.com/office/drawing/2014/main" val="10001"/>
                   </a:ext>
                 </a:extLst>
               </a:tr>
-              <a:tr h="526263">
-                <a:tc>
-                  <a:txBody>
-                    <a:bodyPr/>
-                    <a:lstStyle/>
-                    <a:p>
-                      <a:pPr algn="ctr"/>
-                      <a:r>
-                        <a:rPr lang="en-SG" sz="1200" b="1" dirty="0" smtClean="0">
-                          <a:latin typeface="Noveo Sans" charset="0"/>
-                          <a:ea typeface="Noveo Sans" charset="0"/>
-                          <a:cs typeface="Noveo Sans" charset="0"/>
-                        </a:rPr>
-                        <a:t>Milestone</a:t>
-                      </a:r>
-                    </a:p>
-                    <a:p>
-                      <a:pPr algn="ctr"/>
-                      <a:r>
-                        <a:rPr lang="en-SG" sz="1200" dirty="0" smtClean="0">
-                          <a:latin typeface="Noveo Sans" charset="0"/>
-                          <a:ea typeface="Noveo Sans" charset="0"/>
-                          <a:cs typeface="Noveo Sans" charset="0"/>
-                        </a:rPr>
-                        <a:t>Midterm (3rd Oct – 7th Oct)</a:t>
-                      </a:r>
-                    </a:p>
-                  </a:txBody>
-                  <a:tcPr marL="96012" marR="96012" marT="48007" marB="48007" anchor="ctr">
-                    <a:solidFill>
-                      <a:srgbClr val="EEEEEE"/>
-                    </a:solidFill>
-                  </a:tcPr>
-                </a:tc>
-                <a:extLst>
-                  <a:ext uri="{0D108BD9-81ED-4DB2-BD59-A6C34878D82A}">
-                    <a16:rowId xmlns:a16="http://schemas.microsoft.com/office/drawing/2014/main" xmlns="" val="10001"/>
-                  </a:ext>
-                </a:extLst>
-              </a:tr>
-              <a:tr h="526263">
+              <a:tr h="572987">
                 <a:tc>
                   <a:txBody>
                     <a:bodyPr/>
@@ -8446,11 +8466,11 @@
                 </a:tc>
                 <a:extLst>
                   <a:ext uri="{0D108BD9-81ED-4DB2-BD59-A6C34878D82A}">
-                    <a16:rowId xmlns:a16="http://schemas.microsoft.com/office/drawing/2014/main" xmlns="" val="10002"/>
+                    <a16:rowId xmlns:a16="http://schemas.microsoft.com/office/drawing/2014/main" val="10002"/>
                   </a:ext>
                 </a:extLst>
               </a:tr>
-              <a:tr h="734683">
+              <a:tr h="653008">
                 <a:tc>
                   <a:txBody>
                     <a:bodyPr/>
@@ -8584,7 +8604,7 @@
                 </a:tc>
                 <a:extLst>
                   <a:ext uri="{0D108BD9-81ED-4DB2-BD59-A6C34878D82A}">
-                    <a16:rowId xmlns:a16="http://schemas.microsoft.com/office/drawing/2014/main" xmlns="" val="10003"/>
+                    <a16:rowId xmlns:a16="http://schemas.microsoft.com/office/drawing/2014/main" val="10003"/>
                   </a:ext>
                 </a:extLst>
               </a:tr>
@@ -8600,7 +8620,7 @@
         </p:nvCxnSpPr>
         <p:spPr>
           <a:xfrm>
-            <a:off x="9293249" y="3172570"/>
+            <a:off x="9500499" y="3172570"/>
             <a:ext cx="0" cy="906694"/>
           </a:xfrm>
           <a:prstGeom prst="line">
@@ -8636,14 +8656,14 @@
           <p:nvPr>
             <p:extLst>
               <p:ext uri="{D42A27DB-BD31-4B8C-83A1-F6EECF244321}">
-                <p14:modId xmlns:p14="http://schemas.microsoft.com/office/powerpoint/2010/main" val="839830146"/>
+                <p14:modId xmlns:p14="http://schemas.microsoft.com/office/powerpoint/2010/main" val="1679402919"/>
               </p:ext>
             </p:extLst>
           </p:nvPr>
         </p:nvGraphicFramePr>
         <p:xfrm>
           <a:off x="8818557" y="637322"/>
-          <a:ext cx="1693067" cy="2534007"/>
+          <a:ext cx="1693067" cy="2819092"/>
         </p:xfrm>
         <a:graphic>
           <a:graphicData uri="http://schemas.openxmlformats.org/drawingml/2006/table">
@@ -8655,7 +8675,7 @@
                 <a:gridCol w="1693067">
                   <a:extLst>
                     <a:ext uri="{9D8B030D-6E8A-4147-A177-3AD203B41FA5}">
-                      <a16:colId xmlns:a16="http://schemas.microsoft.com/office/drawing/2014/main" xmlns="" val="20000"/>
+                      <a16:colId xmlns:a16="http://schemas.microsoft.com/office/drawing/2014/main" val="20000"/>
                     </a:ext>
                   </a:extLst>
                 </a:gridCol>
@@ -8676,6 +8696,42 @@
                         <a:t>17th October – 30th October</a:t>
                       </a:r>
                       <a:endParaRPr lang="en-US" sz="1300" b="1" dirty="0">
+                        <a:latin typeface="Noveo Sans" charset="0"/>
+                        <a:ea typeface="Noveo Sans" charset="0"/>
+                        <a:cs typeface="Noveo Sans" charset="0"/>
+                      </a:endParaRPr>
+                    </a:p>
+                  </a:txBody>
+                  <a:tcPr marL="96012" marR="96012" marT="48007" marB="48007" anchor="ctr">
+                    <a:solidFill>
+                      <a:schemeClr val="bg1">
+                        <a:lumMod val="50000"/>
+                      </a:schemeClr>
+                    </a:solidFill>
+                  </a:tcPr>
+                </a:tc>
+                <a:extLst>
+                  <a:ext uri="{0D108BD9-81ED-4DB2-BD59-A6C34878D82A}">
+                    <a16:rowId xmlns:a16="http://schemas.microsoft.com/office/drawing/2014/main" val="10000"/>
+                  </a:ext>
+                </a:extLst>
+              </a:tr>
+              <a:tr h="285085">
+                <a:tc>
+                  <a:txBody>
+                    <a:bodyPr/>
+                    <a:lstStyle/>
+                    <a:p>
+                      <a:pPr algn="ctr"/>
+                      <a:r>
+                        <a:rPr lang="en-SG" sz="1200" b="1" dirty="0" smtClean="0">
+                          <a:latin typeface="Noveo Sans" charset="0"/>
+                          <a:ea typeface="Noveo Sans" charset="0"/>
+                          <a:cs typeface="Noveo Sans" charset="0"/>
+                        </a:rPr>
+                        <a:t>UAT 3</a:t>
+                      </a:r>
+                      <a:endParaRPr lang="en-SG" sz="1200" dirty="0" smtClean="0">
                         <a:latin typeface="Noveo Sans" charset="0"/>
                         <a:ea typeface="Noveo Sans" charset="0"/>
                         <a:cs typeface="Noveo Sans" charset="0"/>
@@ -8690,7 +8746,7 @@
                 </a:tc>
                 <a:extLst>
                   <a:ext uri="{0D108BD9-81ED-4DB2-BD59-A6C34878D82A}">
-                    <a16:rowId xmlns:a16="http://schemas.microsoft.com/office/drawing/2014/main" xmlns="" val="10000"/>
+                    <a16:rowId xmlns:a16="http://schemas.microsoft.com/office/drawing/2014/main" val="10001"/>
                   </a:ext>
                 </a:extLst>
               </a:tr>
@@ -8700,31 +8756,45 @@
                     <a:bodyPr/>
                     <a:lstStyle/>
                     <a:p>
-                      <a:pPr algn="ctr"/>
+                      <a:pPr marL="0" marR="0" indent="0" algn="ctr" defTabSz="1280160" rtl="0" eaLnBrk="1" fontAlgn="auto" latinLnBrk="0" hangingPunct="1">
+                        <a:lnSpc>
+                          <a:spcPct val="100000"/>
+                        </a:lnSpc>
+                        <a:spcBef>
+                          <a:spcPts val="0"/>
+                        </a:spcBef>
+                        <a:spcAft>
+                          <a:spcPts val="0"/>
+                        </a:spcAft>
+                        <a:buClrTx/>
+                        <a:buSzTx/>
+                        <a:buFontTx/>
+                        <a:buNone/>
+                        <a:tabLst/>
+                        <a:defRPr/>
+                      </a:pPr>
                       <a:r>
                         <a:rPr lang="en-SG" sz="1200" b="1" dirty="0" smtClean="0">
-                          <a:latin typeface="Noveo Sans" charset="0"/>
-                          <a:ea typeface="Noveo Sans" charset="0"/>
-                          <a:cs typeface="Noveo Sans" charset="0"/>
-                        </a:rPr>
-                        <a:t>UAT 3</a:t>
-                      </a:r>
-                      <a:endParaRPr lang="en-SG" sz="1200" dirty="0" smtClean="0">
-                        <a:latin typeface="Noveo Sans" charset="0"/>
-                        <a:ea typeface="Noveo Sans" charset="0"/>
-                        <a:cs typeface="Noveo Sans" charset="0"/>
-                      </a:endParaRPr>
+                          <a:solidFill>
+                            <a:schemeClr val="bg1"/>
+                          </a:solidFill>
+                          <a:latin typeface="Noveo Sans" charset="0"/>
+                          <a:ea typeface="Noveo Sans" charset="0"/>
+                          <a:cs typeface="Noveo Sans" charset="0"/>
+                        </a:rPr>
+                        <a:t>Client Review</a:t>
+                      </a:r>
                     </a:p>
                   </a:txBody>
                   <a:tcPr marL="96012" marR="96012" marT="48007" marB="48007" anchor="ctr">
                     <a:solidFill>
-                      <a:srgbClr val="EEEEEE"/>
+                      <a:srgbClr val="0068B3"/>
                     </a:solidFill>
                   </a:tcPr>
                 </a:tc>
                 <a:extLst>
                   <a:ext uri="{0D108BD9-81ED-4DB2-BD59-A6C34878D82A}">
-                    <a16:rowId xmlns:a16="http://schemas.microsoft.com/office/drawing/2014/main" xmlns="" val="10001"/>
+                    <a16:rowId xmlns:a16="http://schemas.microsoft.com/office/drawing/2014/main" val="679801633"/>
                   </a:ext>
                 </a:extLst>
               </a:tr>
@@ -8741,30 +8811,24 @@
                           <a:ea typeface="Noveo Sans" charset="0"/>
                           <a:cs typeface="Noveo Sans" charset="0"/>
                         </a:rPr>
-                        <a:t>Functions</a:t>
-                      </a:r>
-                    </a:p>
-                    <a:p>
-                      <a:pPr algn="ctr"/>
-                      <a:r>
-                        <a:rPr lang="en-SG" sz="1200" dirty="0" smtClean="0">
-                          <a:latin typeface="Noveo Sans" charset="0"/>
-                          <a:ea typeface="Noveo Sans" charset="0"/>
-                          <a:cs typeface="Noveo Sans" charset="0"/>
-                        </a:rPr>
-                        <a:t>TBC</a:t>
-                      </a:r>
+                        <a:t>Buffer Iteration</a:t>
+                      </a:r>
+                      <a:endParaRPr lang="en-SG" sz="1200" dirty="0" smtClean="0">
+                        <a:latin typeface="Noveo Sans" charset="0"/>
+                        <a:ea typeface="Noveo Sans" charset="0"/>
+                        <a:cs typeface="Noveo Sans" charset="0"/>
+                      </a:endParaRPr>
                     </a:p>
                   </a:txBody>
                   <a:tcPr marL="96012" marR="96012" marT="48007" marB="48007" anchor="ctr">
                     <a:solidFill>
-                      <a:srgbClr val="E7E7E7"/>
+                      <a:srgbClr val="00B050"/>
                     </a:solidFill>
                   </a:tcPr>
                 </a:tc>
                 <a:extLst>
                   <a:ext uri="{0D108BD9-81ED-4DB2-BD59-A6C34878D82A}">
-                    <a16:rowId xmlns:a16="http://schemas.microsoft.com/office/drawing/2014/main" xmlns="" val="10002"/>
+                    <a16:rowId xmlns:a16="http://schemas.microsoft.com/office/drawing/2014/main" val="10002"/>
                   </a:ext>
                 </a:extLst>
               </a:tr>
@@ -8953,7 +9017,7 @@
                 </a:tc>
                 <a:extLst>
                   <a:ext uri="{0D108BD9-81ED-4DB2-BD59-A6C34878D82A}">
-                    <a16:rowId xmlns:a16="http://schemas.microsoft.com/office/drawing/2014/main" xmlns="" val="10003"/>
+                    <a16:rowId xmlns:a16="http://schemas.microsoft.com/office/drawing/2014/main" val="10003"/>
                   </a:ext>
                 </a:extLst>
               </a:tr>
@@ -8969,7 +9033,7 @@
         </p:nvCxnSpPr>
         <p:spPr>
           <a:xfrm>
-            <a:off x="10126019" y="4386912"/>
+            <a:off x="10458303" y="4421074"/>
             <a:ext cx="0" cy="180867"/>
           </a:xfrm>
           <a:prstGeom prst="line">
@@ -9005,14 +9069,14 @@
           <p:nvPr>
             <p:extLst>
               <p:ext uri="{D42A27DB-BD31-4B8C-83A1-F6EECF244321}">
-                <p14:modId xmlns:p14="http://schemas.microsoft.com/office/powerpoint/2010/main" val="2474112127"/>
+                <p14:modId xmlns:p14="http://schemas.microsoft.com/office/powerpoint/2010/main" val="3729519569"/>
               </p:ext>
             </p:extLst>
           </p:nvPr>
         </p:nvGraphicFramePr>
         <p:xfrm>
           <a:off x="8819489" y="4585993"/>
-          <a:ext cx="2055072" cy="2441060"/>
+          <a:ext cx="2055072" cy="2757124"/>
         </p:xfrm>
         <a:graphic>
           <a:graphicData uri="http://schemas.openxmlformats.org/drawingml/2006/table">
@@ -9024,7 +9088,7 @@
                 <a:gridCol w="2055072">
                   <a:extLst>
                     <a:ext uri="{9D8B030D-6E8A-4147-A177-3AD203B41FA5}">
-                      <a16:colId xmlns:a16="http://schemas.microsoft.com/office/drawing/2014/main" xmlns="" val="20000"/>
+                      <a16:colId xmlns:a16="http://schemas.microsoft.com/office/drawing/2014/main" val="20000"/>
                     </a:ext>
                   </a:extLst>
                 </a:gridCol>
@@ -9053,13 +9117,15 @@
                   </a:txBody>
                   <a:tcPr marL="96012" marR="96012" marT="48007" marB="48007" anchor="ctr">
                     <a:solidFill>
-                      <a:srgbClr val="DE1A54"/>
+                      <a:schemeClr val="bg2">
+                        <a:lumMod val="50000"/>
+                      </a:schemeClr>
                     </a:solidFill>
                   </a:tcPr>
                 </a:tc>
                 <a:extLst>
                   <a:ext uri="{0D108BD9-81ED-4DB2-BD59-A6C34878D82A}">
-                    <a16:rowId xmlns:a16="http://schemas.microsoft.com/office/drawing/2014/main" xmlns="" val="10000"/>
+                    <a16:rowId xmlns:a16="http://schemas.microsoft.com/office/drawing/2014/main" val="10000"/>
                   </a:ext>
                 </a:extLst>
               </a:tr>
@@ -9072,6 +9138,9 @@
                       <a:pPr algn="ctr"/>
                       <a:r>
                         <a:rPr lang="en-SG" sz="1200" b="1" dirty="0" smtClean="0">
+                          <a:solidFill>
+                            <a:schemeClr val="bg1"/>
+                          </a:solidFill>
                           <a:latin typeface="Noveo Sans" charset="0"/>
                           <a:ea typeface="Noveo Sans" charset="0"/>
                           <a:cs typeface="Noveo Sans" charset="0"/>
@@ -9083,6 +9152,9 @@
                       <a:pPr algn="ctr"/>
                       <a:r>
                         <a:rPr lang="en-SG" sz="1200" dirty="0" smtClean="0">
+                          <a:solidFill>
+                            <a:schemeClr val="bg1"/>
+                          </a:solidFill>
                           <a:latin typeface="Noveo Sans" charset="0"/>
                           <a:ea typeface="Noveo Sans" charset="0"/>
                           <a:cs typeface="Noveo Sans" charset="0"/>
@@ -9093,13 +9165,61 @@
                   </a:txBody>
                   <a:tcPr marL="96012" marR="96012" marT="48007" marB="48007" anchor="ctr">
                     <a:solidFill>
-                      <a:srgbClr val="EEEEEE"/>
+                      <a:srgbClr val="DE1A54"/>
                     </a:solidFill>
                   </a:tcPr>
                 </a:tc>
                 <a:extLst>
                   <a:ext uri="{0D108BD9-81ED-4DB2-BD59-A6C34878D82A}">
-                    <a16:rowId xmlns:a16="http://schemas.microsoft.com/office/drawing/2014/main" xmlns="" val="10001"/>
+                    <a16:rowId xmlns:a16="http://schemas.microsoft.com/office/drawing/2014/main" val="10001"/>
+                  </a:ext>
+                </a:extLst>
+              </a:tr>
+              <a:tr h="316064">
+                <a:tc>
+                  <a:txBody>
+                    <a:bodyPr/>
+                    <a:lstStyle/>
+                    <a:p>
+                      <a:pPr marL="0" marR="0" indent="0" algn="ctr" defTabSz="1280160" rtl="0" eaLnBrk="1" fontAlgn="auto" latinLnBrk="0" hangingPunct="1">
+                        <a:lnSpc>
+                          <a:spcPct val="100000"/>
+                        </a:lnSpc>
+                        <a:spcBef>
+                          <a:spcPts val="0"/>
+                        </a:spcBef>
+                        <a:spcAft>
+                          <a:spcPts val="0"/>
+                        </a:spcAft>
+                        <a:buClrTx/>
+                        <a:buSzTx/>
+                        <a:buFontTx/>
+                        <a:buNone/>
+                        <a:tabLst/>
+                        <a:defRPr/>
+                      </a:pPr>
+                      <a:r>
+                        <a:rPr lang="en-SG" sz="1200" b="1" dirty="0" smtClean="0">
+                          <a:solidFill>
+                            <a:schemeClr val="bg1"/>
+                          </a:solidFill>
+                          <a:latin typeface="Noveo Sans" charset="0"/>
+                          <a:ea typeface="Noveo Sans" charset="0"/>
+                          <a:cs typeface="Noveo Sans" charset="0"/>
+                        </a:rPr>
+                        <a:t>Client Review</a:t>
+                      </a:r>
+                    </a:p>
+                  </a:txBody>
+                  <a:tcPr marL="96012" marR="96012" marT="48007" marB="48007" anchor="ctr">
+                    <a:solidFill>
+                      <a:srgbClr val="0068B3"/>
+                    </a:solidFill>
+                  </a:tcPr>
+                </a:tc>
+                <a:extLst>
+                  <a:ext uri="{0D108BD9-81ED-4DB2-BD59-A6C34878D82A}">
+                    <a16:rowId xmlns:a16="http://schemas.microsoft.com/office/drawing/2014/main" val="634995201"/>
                   </a:ext>
                 </a:extLst>
               </a:tr>
@@ -9116,30 +9236,24 @@
                           <a:ea typeface="Noveo Sans" charset="0"/>
                           <a:cs typeface="Noveo Sans" charset="0"/>
                         </a:rPr>
-                        <a:t>Functions</a:t>
-                      </a:r>
-                    </a:p>
-                    <a:p>
-                      <a:pPr algn="ctr"/>
-                      <a:r>
-                        <a:rPr lang="en-SG" sz="1200" dirty="0" smtClean="0">
-                          <a:latin typeface="Noveo Sans" charset="0"/>
-                          <a:ea typeface="Noveo Sans" charset="0"/>
-                          <a:cs typeface="Noveo Sans" charset="0"/>
-                        </a:rPr>
-                        <a:t>TBC</a:t>
-                      </a:r>
+                        <a:t>Buffer Iteration</a:t>
+                      </a:r>
+                      <a:endParaRPr lang="en-SG" sz="1200" dirty="0" smtClean="0">
+                        <a:latin typeface="Noveo Sans" charset="0"/>
+                        <a:ea typeface="Noveo Sans" charset="0"/>
+                        <a:cs typeface="Noveo Sans" charset="0"/>
+                      </a:endParaRPr>
                     </a:p>
                   </a:txBody>
                   <a:tcPr marL="96012" marR="96012" marT="48007" marB="48007" anchor="ctr">
                     <a:solidFill>
-                      <a:srgbClr val="E7E7E7"/>
+                      <a:srgbClr val="00B050"/>
                     </a:solidFill>
                   </a:tcPr>
                 </a:tc>
                 <a:extLst>
                   <a:ext uri="{0D108BD9-81ED-4DB2-BD59-A6C34878D82A}">
-                    <a16:rowId xmlns:a16="http://schemas.microsoft.com/office/drawing/2014/main" xmlns="" val="10002"/>
+                    <a16:rowId xmlns:a16="http://schemas.microsoft.com/office/drawing/2014/main" val="10002"/>
                   </a:ext>
                 </a:extLst>
               </a:tr>
@@ -9277,7 +9391,7 @@
                 </a:tc>
                 <a:extLst>
                   <a:ext uri="{0D108BD9-81ED-4DB2-BD59-A6C34878D82A}">
-                    <a16:rowId xmlns:a16="http://schemas.microsoft.com/office/drawing/2014/main" xmlns="" val="10003"/>
+                    <a16:rowId xmlns:a16="http://schemas.microsoft.com/office/drawing/2014/main" val="10003"/>
                   </a:ext>
                 </a:extLst>
               </a:tr>
@@ -9293,7 +9407,7 @@
         </p:nvCxnSpPr>
         <p:spPr>
           <a:xfrm>
-            <a:off x="10960258" y="2218414"/>
+            <a:off x="11359499" y="2252443"/>
             <a:ext cx="0" cy="1849159"/>
           </a:xfrm>
           <a:prstGeom prst="line">
@@ -9329,7 +9443,7 @@
           <p:nvPr>
             <p:extLst>
               <p:ext uri="{D42A27DB-BD31-4B8C-83A1-F6EECF244321}">
-                <p14:modId xmlns:p14="http://schemas.microsoft.com/office/powerpoint/2010/main" val="1498262972"/>
+                <p14:modId xmlns:p14="http://schemas.microsoft.com/office/powerpoint/2010/main" val="1258265990"/>
               </p:ext>
             </p:extLst>
           </p:nvPr>
@@ -9348,7 +9462,7 @@
                 <a:gridCol w="1859779">
                   <a:extLst>
                     <a:ext uri="{9D8B030D-6E8A-4147-A177-3AD203B41FA5}">
-                      <a16:colId xmlns:a16="http://schemas.microsoft.com/office/drawing/2014/main" xmlns="" val="20000"/>
+                      <a16:colId xmlns:a16="http://schemas.microsoft.com/office/drawing/2014/main" val="20000"/>
                     </a:ext>
                   </a:extLst>
                 </a:gridCol>
@@ -9377,13 +9491,15 @@
                   </a:txBody>
                   <a:tcPr marL="96012" marR="96012" marT="48007" marB="48007" anchor="ctr">
                     <a:solidFill>
-                      <a:srgbClr val="DE1A54"/>
+                      <a:schemeClr val="bg1">
+                        <a:lumMod val="50000"/>
+                      </a:schemeClr>
                     </a:solidFill>
                   </a:tcPr>
                 </a:tc>
                 <a:extLst>
                   <a:ext uri="{0D108BD9-81ED-4DB2-BD59-A6C34878D82A}">
-                    <a16:rowId xmlns:a16="http://schemas.microsoft.com/office/drawing/2014/main" xmlns="" val="10000"/>
+                    <a16:rowId xmlns:a16="http://schemas.microsoft.com/office/drawing/2014/main" val="10000"/>
                   </a:ext>
                 </a:extLst>
               </a:tr>
@@ -9396,6 +9512,9 @@
                       <a:pPr algn="ctr"/>
                       <a:r>
                         <a:rPr lang="en-SG" sz="1200" b="1" dirty="0" smtClean="0">
+                          <a:solidFill>
+                            <a:schemeClr val="bg1"/>
+                          </a:solidFill>
                           <a:latin typeface="Noveo Sans" charset="0"/>
                           <a:ea typeface="Noveo Sans" charset="0"/>
                           <a:cs typeface="Noveo Sans" charset="0"/>
@@ -9407,6 +9526,9 @@
                       <a:pPr algn="ctr"/>
                       <a:r>
                         <a:rPr lang="en-SG" sz="1200" dirty="0" smtClean="0">
+                          <a:solidFill>
+                            <a:schemeClr val="bg1"/>
+                          </a:solidFill>
                           <a:latin typeface="Noveo Sans" charset="0"/>
                           <a:ea typeface="Noveo Sans" charset="0"/>
                           <a:cs typeface="Noveo Sans" charset="0"/>
@@ -9417,13 +9539,13 @@
                   </a:txBody>
                   <a:tcPr marL="96012" marR="96012" marT="48007" marB="48007" anchor="ctr">
                     <a:solidFill>
-                      <a:srgbClr val="EEEEEE"/>
+                      <a:srgbClr val="DE1A54"/>
                     </a:solidFill>
                   </a:tcPr>
                 </a:tc>
                 <a:extLst>
                   <a:ext uri="{0D108BD9-81ED-4DB2-BD59-A6C34878D82A}">
-                    <a16:rowId xmlns:a16="http://schemas.microsoft.com/office/drawing/2014/main" xmlns="" val="10001"/>
+                    <a16:rowId xmlns:a16="http://schemas.microsoft.com/office/drawing/2014/main" val="10001"/>
                   </a:ext>
                 </a:extLst>
               </a:tr>
@@ -9588,7 +9710,7 @@
                 </a:tc>
                 <a:extLst>
                   <a:ext uri="{0D108BD9-81ED-4DB2-BD59-A6C34878D82A}">
-                    <a16:rowId xmlns:a16="http://schemas.microsoft.com/office/drawing/2014/main" xmlns="" val="10003"/>
+                    <a16:rowId xmlns:a16="http://schemas.microsoft.com/office/drawing/2014/main" val="10003"/>
                   </a:ext>
                 </a:extLst>
               </a:tr>
@@ -9604,7 +9726,7 @@
         </p:nvCxnSpPr>
         <p:spPr>
           <a:xfrm>
-            <a:off x="11796788" y="4391564"/>
+            <a:off x="12208542" y="4365501"/>
             <a:ext cx="0" cy="2635489"/>
           </a:xfrm>
           <a:prstGeom prst="line">
@@ -9640,14 +9762,14 @@
           <p:nvPr>
             <p:extLst>
               <p:ext uri="{D42A27DB-BD31-4B8C-83A1-F6EECF244321}">
-                <p14:modId xmlns:p14="http://schemas.microsoft.com/office/powerpoint/2010/main" val="2083041780"/>
+                <p14:modId xmlns:p14="http://schemas.microsoft.com/office/powerpoint/2010/main" val="1840442296"/>
               </p:ext>
             </p:extLst>
           </p:nvPr>
         </p:nvGraphicFramePr>
         <p:xfrm>
-          <a:off x="10265630" y="7053121"/>
-          <a:ext cx="2055072" cy="1909593"/>
+          <a:off x="10960257" y="7022592"/>
+          <a:ext cx="1668885" cy="1954041"/>
         </p:xfrm>
         <a:graphic>
           <a:graphicData uri="http://schemas.openxmlformats.org/drawingml/2006/table">
@@ -9656,15 +9778,15 @@
                 <a:tableStyleId>{073A0DAA-6AF3-43AB-8588-CEC1D06C72B9}</a:tableStyleId>
               </a:tblPr>
               <a:tblGrid>
-                <a:gridCol w="2055072">
+                <a:gridCol w="1668885">
                   <a:extLst>
                     <a:ext uri="{9D8B030D-6E8A-4147-A177-3AD203B41FA5}">
-                      <a16:colId xmlns:a16="http://schemas.microsoft.com/office/drawing/2014/main" xmlns="" val="20000"/>
+                      <a16:colId xmlns:a16="http://schemas.microsoft.com/office/drawing/2014/main" val="20000"/>
                     </a:ext>
                   </a:extLst>
                 </a:gridCol>
               </a:tblGrid>
-              <a:tr h="530256">
+              <a:tr h="574704">
                 <a:tc>
                   <a:txBody>
                     <a:bodyPr/>
@@ -9677,13 +9799,61 @@
                           <a:ea typeface="Noveo Sans" charset="0"/>
                           <a:cs typeface="Noveo Sans" charset="0"/>
                         </a:rPr>
-                        <a:t>3rd October – 16th October</a:t>
+                        <a:t>28th November – 2nd December</a:t>
                       </a:r>
                       <a:endParaRPr lang="en-US" sz="1300" b="0" dirty="0">
                         <a:latin typeface="Noveo Sans" charset="0"/>
                         <a:ea typeface="Noveo Sans" charset="0"/>
                         <a:cs typeface="Noveo Sans" charset="0"/>
                       </a:endParaRPr>
+                    </a:p>
+                  </a:txBody>
+                  <a:tcPr marL="96012" marR="96012" marT="48007" marB="48007" anchor="ctr">
+                    <a:solidFill>
+                      <a:schemeClr val="bg2">
+                        <a:lumMod val="50000"/>
+                      </a:schemeClr>
+                    </a:solidFill>
+                  </a:tcPr>
+                </a:tc>
+                <a:extLst>
+                  <a:ext uri="{0D108BD9-81ED-4DB2-BD59-A6C34878D82A}">
+                    <a16:rowId xmlns:a16="http://schemas.microsoft.com/office/drawing/2014/main" val="10000"/>
+                  </a:ext>
+                </a:extLst>
+              </a:tr>
+              <a:tr h="526263">
+                <a:tc>
+                  <a:txBody>
+                    <a:bodyPr/>
+                    <a:lstStyle/>
+                    <a:p>
+                      <a:pPr algn="ctr"/>
+                      <a:r>
+                        <a:rPr lang="en-SG" sz="1200" b="1" dirty="0" smtClean="0">
+                          <a:solidFill>
+                            <a:schemeClr val="bg1"/>
+                          </a:solidFill>
+                          <a:latin typeface="Noveo Sans" charset="0"/>
+                          <a:ea typeface="Noveo Sans" charset="0"/>
+                          <a:cs typeface="Noveo Sans" charset="0"/>
+                        </a:rPr>
+                        <a:t>Milestone</a:t>
+                      </a:r>
+                    </a:p>
+                    <a:p>
+                      <a:pPr algn="ctr"/>
+                      <a:r>
+                        <a:rPr lang="en-SG" sz="1200" dirty="0" smtClean="0">
+                          <a:solidFill>
+                            <a:schemeClr val="bg1"/>
+                          </a:solidFill>
+                          <a:latin typeface="Noveo Sans" charset="0"/>
+                          <a:ea typeface="Noveo Sans" charset="0"/>
+                          <a:cs typeface="Noveo Sans" charset="0"/>
+                        </a:rPr>
+                        <a:t>Poster day – 2nd Dec 2016, 1130 - 1430</a:t>
+                      </a:r>
                     </a:p>
                   </a:txBody>
                   <a:tcPr marL="96012" marR="96012" marT="48007" marB="48007" anchor="ctr">
@@ -9694,47 +9864,7 @@
                 </a:tc>
                 <a:extLst>
                   <a:ext uri="{0D108BD9-81ED-4DB2-BD59-A6C34878D82A}">
-                    <a16:rowId xmlns:a16="http://schemas.microsoft.com/office/drawing/2014/main" xmlns="" val="10000"/>
-                  </a:ext>
-                </a:extLst>
-              </a:tr>
-              <a:tr h="526263">
-                <a:tc>
-                  <a:txBody>
-                    <a:bodyPr/>
-                    <a:lstStyle/>
-                    <a:p>
-                      <a:pPr algn="ctr"/>
-                      <a:r>
-                        <a:rPr lang="en-SG" sz="1200" b="1" dirty="0" smtClean="0">
-                          <a:latin typeface="Noveo Sans" charset="0"/>
-                          <a:ea typeface="Noveo Sans" charset="0"/>
-                          <a:cs typeface="Noveo Sans" charset="0"/>
-                        </a:rPr>
-                        <a:t>Milestone</a:t>
-                      </a:r>
-                    </a:p>
-                    <a:p>
-                      <a:pPr algn="ctr"/>
-                      <a:r>
-                        <a:rPr lang="en-SG" sz="1200" dirty="0" smtClean="0">
-                          <a:latin typeface="Noveo Sans" charset="0"/>
-                          <a:ea typeface="Noveo Sans" charset="0"/>
-                          <a:cs typeface="Noveo Sans" charset="0"/>
-                        </a:rPr>
-                        <a:t>Poster day – 2nd Dec 2016, 1130 - 1430</a:t>
-                      </a:r>
-                    </a:p>
-                  </a:txBody>
-                  <a:tcPr marL="96012" marR="96012" marT="48007" marB="48007" anchor="ctr">
-                    <a:solidFill>
-                      <a:srgbClr val="EEEEEE"/>
-                    </a:solidFill>
-                  </a:tcPr>
-                </a:tc>
-                <a:extLst>
-                  <a:ext uri="{0D108BD9-81ED-4DB2-BD59-A6C34878D82A}">
-                    <a16:rowId xmlns:a16="http://schemas.microsoft.com/office/drawing/2014/main" xmlns="" val="10001"/>
+                    <a16:rowId xmlns:a16="http://schemas.microsoft.com/office/drawing/2014/main" val="10001"/>
                   </a:ext>
                 </a:extLst>
               </a:tr>
@@ -9872,7 +10002,7 @@
                 </a:tc>
                 <a:extLst>
                   <a:ext uri="{0D108BD9-81ED-4DB2-BD59-A6C34878D82A}">
-                    <a16:rowId xmlns:a16="http://schemas.microsoft.com/office/drawing/2014/main" xmlns="" val="10003"/>
+                    <a16:rowId xmlns:a16="http://schemas.microsoft.com/office/drawing/2014/main" val="10003"/>
                   </a:ext>
                 </a:extLst>
               </a:tr>
@@ -9919,7 +10049,7 @@
         <p:spPr>
           <a:xfrm>
             <a:off x="4256324" y="4280461"/>
-            <a:ext cx="1806426" cy="1542553"/>
+            <a:ext cx="1806426" cy="2230067"/>
           </a:xfrm>
           <a:prstGeom prst="rect">
             <a:avLst/>
@@ -10217,6 +10347,69 @@
                 <a:cs typeface="Noveo Sans" charset="0"/>
               </a:rPr>
               <a:t>Client Review</a:t>
+            </a:r>
+            <a:endParaRPr lang="en-US" sz="1680" dirty="0">
+              <a:latin typeface="Noveo Sans" charset="0"/>
+              <a:ea typeface="Noveo Sans" charset="0"/>
+              <a:cs typeface="Noveo Sans" charset="0"/>
+            </a:endParaRPr>
+          </a:p>
+        </p:txBody>
+      </p:sp>
+      <p:sp>
+        <p:nvSpPr>
+          <p:cNvPr id="8" name="Rectangle 7"/>
+          <p:cNvSpPr/>
+          <p:nvPr/>
+        </p:nvSpPr>
+        <p:spPr>
+          <a:xfrm>
+            <a:off x="4337609" y="5781112"/>
+            <a:ext cx="1190833" cy="489739"/>
+          </a:xfrm>
+          <a:prstGeom prst="rect">
+            <a:avLst/>
+          </a:prstGeom>
+          <a:solidFill>
+            <a:srgbClr val="00B050"/>
+          </a:solidFill>
+          <a:ln>
+            <a:noFill/>
+          </a:ln>
+        </p:spPr>
+        <p:style>
+          <a:lnRef idx="2">
+            <a:schemeClr val="accent1">
+              <a:shade val="50000"/>
+            </a:schemeClr>
+          </a:lnRef>
+          <a:fillRef idx="1">
+            <a:schemeClr val="accent1"/>
+          </a:fillRef>
+          <a:effectRef idx="0">
+            <a:schemeClr val="accent1"/>
+          </a:effectRef>
+          <a:fontRef idx="minor">
+            <a:schemeClr val="lt1"/>
+          </a:fontRef>
+        </p:style>
+        <p:txBody>
+          <a:bodyPr rot="0" spcFirstLastPara="0" vertOverflow="overflow" horzOverflow="overflow" vert="horz" wrap="square" lIns="96012" tIns="48007" rIns="96012" bIns="48007" numCol="1" spcCol="0" rtlCol="0" fromWordArt="0" anchor="ctr" anchorCtr="0" forceAA="0" compatLnSpc="1">
+            <a:prstTxWarp prst="textNoShape">
+              <a:avLst/>
+            </a:prstTxWarp>
+            <a:noAutofit/>
+          </a:bodyPr>
+          <a:lstStyle/>
+          <a:p>
+            <a:pPr algn="ctr"/>
+            <a:r>
+              <a:rPr lang="en-US" sz="1680" dirty="0" smtClean="0">
+                <a:latin typeface="Noveo Sans" charset="0"/>
+                <a:ea typeface="Noveo Sans" charset="0"/>
+                <a:cs typeface="Noveo Sans" charset="0"/>
+              </a:rPr>
+              <a:t>Buffer Iteration</a:t>
             </a:r>
             <a:endParaRPr lang="en-US" sz="1680" dirty="0">
               <a:latin typeface="Noveo Sans" charset="0"/>

--- a/FYP/FYPTimeline 6th June Edition.pptx
+++ b/FYP/FYPTimeline 6th June Edition.pptx
@@ -209,7 +209,7 @@
           <a:p>
             <a:fld id="{D8A5F3BE-A6C5-E54D-9A35-A968F4ADF59A}" type="datetimeFigureOut">
               <a:rPr lang="en-US" smtClean="0"/>
-              <a:t>6/7/2016</a:t>
+              <a:t>6/7/16</a:t>
             </a:fld>
             <a:endParaRPr lang="en-US"/>
           </a:p>
@@ -697,7 +697,7 @@
           <a:p>
             <a:fld id="{D93CE7DB-6B87-9F48-AC89-27FF703009F0}" type="datetimeFigureOut">
               <a:rPr lang="en-US" smtClean="0"/>
-              <a:t>6/7/2016</a:t>
+              <a:t>6/7/16</a:t>
             </a:fld>
             <a:endParaRPr lang="en-US"/>
           </a:p>
@@ -867,7 +867,7 @@
           <a:p>
             <a:fld id="{D93CE7DB-6B87-9F48-AC89-27FF703009F0}" type="datetimeFigureOut">
               <a:rPr lang="en-US" smtClean="0"/>
-              <a:t>6/7/2016</a:t>
+              <a:t>6/7/16</a:t>
             </a:fld>
             <a:endParaRPr lang="en-US"/>
           </a:p>
@@ -1047,7 +1047,7 @@
           <a:p>
             <a:fld id="{D93CE7DB-6B87-9F48-AC89-27FF703009F0}" type="datetimeFigureOut">
               <a:rPr lang="en-US" smtClean="0"/>
-              <a:t>6/7/2016</a:t>
+              <a:t>6/7/16</a:t>
             </a:fld>
             <a:endParaRPr lang="en-US"/>
           </a:p>
@@ -1217,7 +1217,7 @@
           <a:p>
             <a:fld id="{D93CE7DB-6B87-9F48-AC89-27FF703009F0}" type="datetimeFigureOut">
               <a:rPr lang="en-US" smtClean="0"/>
-              <a:t>6/7/2016</a:t>
+              <a:t>6/7/16</a:t>
             </a:fld>
             <a:endParaRPr lang="en-US"/>
           </a:p>
@@ -1461,7 +1461,7 @@
           <a:p>
             <a:fld id="{D93CE7DB-6B87-9F48-AC89-27FF703009F0}" type="datetimeFigureOut">
               <a:rPr lang="en-US" smtClean="0"/>
-              <a:t>6/7/2016</a:t>
+              <a:t>6/7/16</a:t>
             </a:fld>
             <a:endParaRPr lang="en-US"/>
           </a:p>
@@ -1693,7 +1693,7 @@
           <a:p>
             <a:fld id="{D93CE7DB-6B87-9F48-AC89-27FF703009F0}" type="datetimeFigureOut">
               <a:rPr lang="en-US" smtClean="0"/>
-              <a:t>6/7/2016</a:t>
+              <a:t>6/7/16</a:t>
             </a:fld>
             <a:endParaRPr lang="en-US"/>
           </a:p>
@@ -2060,7 +2060,7 @@
           <a:p>
             <a:fld id="{D93CE7DB-6B87-9F48-AC89-27FF703009F0}" type="datetimeFigureOut">
               <a:rPr lang="en-US" smtClean="0"/>
-              <a:t>6/7/2016</a:t>
+              <a:t>6/7/16</a:t>
             </a:fld>
             <a:endParaRPr lang="en-US"/>
           </a:p>
@@ -2178,7 +2178,7 @@
           <a:p>
             <a:fld id="{D93CE7DB-6B87-9F48-AC89-27FF703009F0}" type="datetimeFigureOut">
               <a:rPr lang="en-US" smtClean="0"/>
-              <a:t>6/7/2016</a:t>
+              <a:t>6/7/16</a:t>
             </a:fld>
             <a:endParaRPr lang="en-US"/>
           </a:p>
@@ -2273,7 +2273,7 @@
           <a:p>
             <a:fld id="{D93CE7DB-6B87-9F48-AC89-27FF703009F0}" type="datetimeFigureOut">
               <a:rPr lang="en-US" smtClean="0"/>
-              <a:t>6/7/2016</a:t>
+              <a:t>6/7/16</a:t>
             </a:fld>
             <a:endParaRPr lang="en-US"/>
           </a:p>
@@ -2550,7 +2550,7 @@
           <a:p>
             <a:fld id="{D93CE7DB-6B87-9F48-AC89-27FF703009F0}" type="datetimeFigureOut">
               <a:rPr lang="en-US" smtClean="0"/>
-              <a:t>6/7/2016</a:t>
+              <a:t>6/7/16</a:t>
             </a:fld>
             <a:endParaRPr lang="en-US"/>
           </a:p>
@@ -2807,7 +2807,7 @@
           <a:p>
             <a:fld id="{D93CE7DB-6B87-9F48-AC89-27FF703009F0}" type="datetimeFigureOut">
               <a:rPr lang="en-US" smtClean="0"/>
-              <a:t>6/7/2016</a:t>
+              <a:t>6/7/16</a:t>
             </a:fld>
             <a:endParaRPr lang="en-US"/>
           </a:p>
@@ -3020,7 +3020,7 @@
           <a:p>
             <a:fld id="{D93CE7DB-6B87-9F48-AC89-27FF703009F0}" type="datetimeFigureOut">
               <a:rPr lang="en-US" smtClean="0"/>
-              <a:t>6/7/2016</a:t>
+              <a:t>6/7/16</a:t>
             </a:fld>
             <a:endParaRPr lang="en-US"/>
           </a:p>
@@ -4997,7 +4997,7 @@
                 <a:gridCol w="1612468">
                   <a:extLst>
                     <a:ext uri="{9D8B030D-6E8A-4147-A177-3AD203B41FA5}">
-                      <a16:colId xmlns:a16="http://schemas.microsoft.com/office/drawing/2014/main" val="20000"/>
+                      <a16:colId xmlns:a16="http://schemas.microsoft.com/office/drawing/2014/main" xmlns="" val="20000"/>
                     </a:ext>
                   </a:extLst>
                 </a:gridCol>
@@ -5072,7 +5072,7 @@
                 </a:tc>
                 <a:extLst>
                   <a:ext uri="{0D108BD9-81ED-4DB2-BD59-A6C34878D82A}">
-                    <a16:rowId xmlns:a16="http://schemas.microsoft.com/office/drawing/2014/main" val="10000"/>
+                    <a16:rowId xmlns:a16="http://schemas.microsoft.com/office/drawing/2014/main" xmlns="" val="10000"/>
                   </a:ext>
                 </a:extLst>
               </a:tr>
@@ -5106,7 +5106,7 @@
                 </a:tc>
                 <a:extLst>
                   <a:ext uri="{0D108BD9-81ED-4DB2-BD59-A6C34878D82A}">
-                    <a16:rowId xmlns:a16="http://schemas.microsoft.com/office/drawing/2014/main" val="10001"/>
+                    <a16:rowId xmlns:a16="http://schemas.microsoft.com/office/drawing/2014/main" xmlns="" val="10001"/>
                   </a:ext>
                 </a:extLst>
               </a:tr>
@@ -5148,7 +5148,7 @@
                 </a:tc>
                 <a:extLst>
                   <a:ext uri="{0D108BD9-81ED-4DB2-BD59-A6C34878D82A}">
-                    <a16:rowId xmlns:a16="http://schemas.microsoft.com/office/drawing/2014/main" val="10002"/>
+                    <a16:rowId xmlns:a16="http://schemas.microsoft.com/office/drawing/2014/main" xmlns="" val="10002"/>
                   </a:ext>
                 </a:extLst>
               </a:tr>
@@ -5182,7 +5182,7 @@
                 </a:tc>
                 <a:extLst>
                   <a:ext uri="{0D108BD9-81ED-4DB2-BD59-A6C34878D82A}">
-                    <a16:rowId xmlns:a16="http://schemas.microsoft.com/office/drawing/2014/main" val="10003"/>
+                    <a16:rowId xmlns:a16="http://schemas.microsoft.com/office/drawing/2014/main" xmlns="" val="10003"/>
                   </a:ext>
                 </a:extLst>
               </a:tr>
@@ -5234,14 +5234,14 @@
           <p:nvPr>
             <p:extLst>
               <p:ext uri="{D42A27DB-BD31-4B8C-83A1-F6EECF244321}">
-                <p14:modId xmlns:p14="http://schemas.microsoft.com/office/powerpoint/2010/main" val="1653348910"/>
+                <p14:modId xmlns:p14="http://schemas.microsoft.com/office/powerpoint/2010/main" val="1172299494"/>
               </p:ext>
             </p:extLst>
           </p:nvPr>
         </p:nvGraphicFramePr>
         <p:xfrm>
-          <a:off x="54452" y="2158409"/>
-          <a:ext cx="1806426" cy="1623884"/>
+          <a:off x="284365" y="2158409"/>
+          <a:ext cx="1806426" cy="1805610"/>
         </p:xfrm>
         <a:graphic>
           <a:graphicData uri="http://schemas.openxmlformats.org/drawingml/2006/table">
@@ -5253,7 +5253,7 @@
                 <a:gridCol w="1806426">
                   <a:extLst>
                     <a:ext uri="{9D8B030D-6E8A-4147-A177-3AD203B41FA5}">
-                      <a16:colId xmlns:a16="http://schemas.microsoft.com/office/drawing/2014/main" val="2192527220"/>
+                      <a16:colId xmlns:a16="http://schemas.microsoft.com/office/drawing/2014/main" xmlns="" val="2192527220"/>
                     </a:ext>
                   </a:extLst>
                 </a:gridCol>
@@ -5328,7 +5328,7 @@
                 </a:tc>
                 <a:extLst>
                   <a:ext uri="{0D108BD9-81ED-4DB2-BD59-A6C34878D82A}">
-                    <a16:rowId xmlns:a16="http://schemas.microsoft.com/office/drawing/2014/main" val="1986687887"/>
+                    <a16:rowId xmlns:a16="http://schemas.microsoft.com/office/drawing/2014/main" xmlns="" val="1986687887"/>
                   </a:ext>
                 </a:extLst>
               </a:tr>
@@ -5400,7 +5400,7 @@
                 </a:tc>
                 <a:extLst>
                   <a:ext uri="{0D108BD9-81ED-4DB2-BD59-A6C34878D82A}">
-                    <a16:rowId xmlns:a16="http://schemas.microsoft.com/office/drawing/2014/main" val="3506151837"/>
+                    <a16:rowId xmlns:a16="http://schemas.microsoft.com/office/drawing/2014/main" xmlns="" val="3506151837"/>
                   </a:ext>
                 </a:extLst>
               </a:tr>
@@ -5496,7 +5496,7 @@
                 </a:tc>
                 <a:extLst>
                   <a:ext uri="{0D108BD9-81ED-4DB2-BD59-A6C34878D82A}">
-                    <a16:rowId xmlns:a16="http://schemas.microsoft.com/office/drawing/2014/main" val="1767699772"/>
+                    <a16:rowId xmlns:a16="http://schemas.microsoft.com/office/drawing/2014/main" xmlns="" val="1767699772"/>
                   </a:ext>
                 </a:extLst>
               </a:tr>
@@ -5512,8 +5512,8 @@
         </p:nvCxnSpPr>
         <p:spPr>
           <a:xfrm>
-            <a:off x="1860878" y="4389630"/>
-            <a:ext cx="0" cy="2576871"/>
+            <a:off x="1860878" y="4303650"/>
+            <a:ext cx="0" cy="2834558"/>
           </a:xfrm>
           <a:prstGeom prst="line">
             <a:avLst/>
@@ -5548,14 +5548,14 @@
           <p:nvPr>
             <p:extLst>
               <p:ext uri="{D42A27DB-BD31-4B8C-83A1-F6EECF244321}">
-                <p14:modId xmlns:p14="http://schemas.microsoft.com/office/powerpoint/2010/main" val="1397737917"/>
+                <p14:modId xmlns:p14="http://schemas.microsoft.com/office/powerpoint/2010/main" val="1525604529"/>
               </p:ext>
             </p:extLst>
           </p:nvPr>
         </p:nvGraphicFramePr>
         <p:xfrm>
-          <a:off x="900221" y="6976157"/>
-          <a:ext cx="1928341" cy="2385447"/>
+          <a:off x="899633" y="7107507"/>
+          <a:ext cx="1928341" cy="2202567"/>
         </p:xfrm>
         <a:graphic>
           <a:graphicData uri="http://schemas.openxmlformats.org/drawingml/2006/table">
@@ -5567,7 +5567,7 @@
                 <a:gridCol w="1928341">
                   <a:extLst>
                     <a:ext uri="{9D8B030D-6E8A-4147-A177-3AD203B41FA5}">
-                      <a16:colId xmlns:a16="http://schemas.microsoft.com/office/drawing/2014/main" val="20000"/>
+                      <a16:colId xmlns:a16="http://schemas.microsoft.com/office/drawing/2014/main" xmlns="" val="20000"/>
                     </a:ext>
                   </a:extLst>
                 </a:gridCol>
@@ -5580,7 +5580,7 @@
                     <a:p>
                       <a:pPr algn="ctr"/>
                       <a:r>
-                        <a:rPr lang="en-US" sz="1300" b="1" dirty="0" smtClean="0">
+                        <a:rPr lang="en-US" sz="1300" b="0" dirty="0" smtClean="0">
                           <a:latin typeface="Noveo Sans" charset="0"/>
                           <a:ea typeface="Noveo Sans" charset="0"/>
                           <a:cs typeface="Noveo Sans" charset="0"/>
@@ -5588,7 +5588,7 @@
                         <a:t>13</a:t>
                       </a:r>
                       <a:r>
-                        <a:rPr lang="en-US" sz="1300" b="1" baseline="30000" dirty="0" smtClean="0">
+                        <a:rPr lang="en-US" sz="1300" b="0" baseline="30000" dirty="0" smtClean="0">
                           <a:latin typeface="Noveo Sans" charset="0"/>
                           <a:ea typeface="Noveo Sans" charset="0"/>
                           <a:cs typeface="Noveo Sans" charset="0"/>
@@ -5596,7 +5596,7 @@
                         <a:t>th</a:t>
                       </a:r>
                       <a:r>
-                        <a:rPr lang="en-US" sz="1300" b="1" dirty="0" smtClean="0">
+                        <a:rPr lang="en-US" sz="1300" b="0" dirty="0" smtClean="0">
                           <a:latin typeface="Noveo Sans" charset="0"/>
                           <a:ea typeface="Noveo Sans" charset="0"/>
                           <a:cs typeface="Noveo Sans" charset="0"/>
@@ -5604,7 +5604,7 @@
                         <a:t> June –</a:t>
                       </a:r>
                       <a:r>
-                        <a:rPr lang="en-US" sz="1300" b="1" baseline="0" dirty="0" smtClean="0">
+                        <a:rPr lang="en-US" sz="1300" b="0" baseline="0" dirty="0" smtClean="0">
                           <a:latin typeface="Noveo Sans" charset="0"/>
                           <a:ea typeface="Noveo Sans" charset="0"/>
                           <a:cs typeface="Noveo Sans" charset="0"/>
@@ -5612,7 +5612,7 @@
                         <a:t> 26</a:t>
                       </a:r>
                       <a:r>
-                        <a:rPr lang="en-US" sz="1300" b="1" baseline="30000" dirty="0" smtClean="0">
+                        <a:rPr lang="en-US" sz="1300" b="0" baseline="30000" dirty="0" smtClean="0">
                           <a:latin typeface="Noveo Sans" charset="0"/>
                           <a:ea typeface="Noveo Sans" charset="0"/>
                           <a:cs typeface="Noveo Sans" charset="0"/>
@@ -5620,7 +5620,7 @@
                         <a:t>th</a:t>
                       </a:r>
                       <a:r>
-                        <a:rPr lang="en-US" sz="1300" b="1" baseline="0" dirty="0" smtClean="0">
+                        <a:rPr lang="en-US" sz="1300" b="0" baseline="0" dirty="0" smtClean="0">
                           <a:latin typeface="Noveo Sans" charset="0"/>
                           <a:ea typeface="Noveo Sans" charset="0"/>
                           <a:cs typeface="Noveo Sans" charset="0"/>
@@ -5628,14 +5628,14 @@
                         <a:t> </a:t>
                       </a:r>
                       <a:r>
-                        <a:rPr lang="en-US" sz="1300" b="1" dirty="0" smtClean="0">
+                        <a:rPr lang="en-US" sz="1300" b="0" dirty="0" smtClean="0">
                           <a:latin typeface="Noveo Sans" charset="0"/>
                           <a:ea typeface="Noveo Sans" charset="0"/>
                           <a:cs typeface="Noveo Sans" charset="0"/>
                         </a:rPr>
                         <a:t>June</a:t>
                       </a:r>
-                      <a:endParaRPr lang="en-US" sz="1300" b="1" dirty="0">
+                      <a:endParaRPr lang="en-US" sz="1300" b="0" dirty="0">
                         <a:latin typeface="Noveo Sans" charset="0"/>
                         <a:ea typeface="Noveo Sans" charset="0"/>
                         <a:cs typeface="Noveo Sans" charset="0"/>
@@ -5644,15 +5644,13 @@
                   </a:txBody>
                   <a:tcPr marL="96012" marR="96012" marT="48007" marB="48007" anchor="ctr">
                     <a:solidFill>
-                      <a:schemeClr val="bg2">
-                        <a:lumMod val="50000"/>
-                      </a:schemeClr>
+                      <a:srgbClr val="868686"/>
                     </a:solidFill>
                   </a:tcPr>
                 </a:tc>
                 <a:extLst>
                   <a:ext uri="{0D108BD9-81ED-4DB2-BD59-A6C34878D82A}">
-                    <a16:rowId xmlns:a16="http://schemas.microsoft.com/office/drawing/2014/main" val="10000"/>
+                    <a16:rowId xmlns:a16="http://schemas.microsoft.com/office/drawing/2014/main" xmlns="" val="10000"/>
                   </a:ext>
                 </a:extLst>
               </a:tr>
@@ -5686,8 +5684,49 @@
                           <a:ea typeface="Noveo Sans" charset="0"/>
                           <a:cs typeface="Noveo Sans" charset="0"/>
                         </a:rPr>
-                        <a:t>FYP Proposal – 15th June 2015</a:t>
-                      </a:r>
+                        <a:t>FYP </a:t>
+                      </a:r>
+                      <a:r>
+                        <a:rPr lang="en-SG" sz="1200" dirty="0" smtClean="0">
+                          <a:solidFill>
+                            <a:schemeClr val="bg1"/>
+                          </a:solidFill>
+                          <a:latin typeface="Noveo Sans" charset="0"/>
+                          <a:ea typeface="Noveo Sans" charset="0"/>
+                          <a:cs typeface="Noveo Sans" charset="0"/>
+                        </a:rPr>
+                        <a:t>Proposal: </a:t>
+                      </a:r>
+                      <a:r>
+                        <a:rPr lang="en-SG" sz="1200" dirty="0" smtClean="0">
+                          <a:solidFill>
+                            <a:schemeClr val="bg1"/>
+                          </a:solidFill>
+                          <a:latin typeface="Noveo Sans" charset="0"/>
+                          <a:ea typeface="Noveo Sans" charset="0"/>
+                          <a:cs typeface="Noveo Sans" charset="0"/>
+                        </a:rPr>
+                        <a:t>15th </a:t>
+                      </a:r>
+                      <a:r>
+                        <a:rPr lang="en-SG" sz="1200" dirty="0" smtClean="0">
+                          <a:solidFill>
+                            <a:schemeClr val="bg1"/>
+                          </a:solidFill>
+                          <a:latin typeface="Noveo Sans" charset="0"/>
+                          <a:ea typeface="Noveo Sans" charset="0"/>
+                          <a:cs typeface="Noveo Sans" charset="0"/>
+                        </a:rPr>
+                        <a:t>June</a:t>
+                      </a:r>
+                      <a:endParaRPr lang="en-SG" sz="1200" dirty="0" smtClean="0">
+                        <a:solidFill>
+                          <a:schemeClr val="bg1"/>
+                        </a:solidFill>
+                        <a:latin typeface="Noveo Sans" charset="0"/>
+                        <a:ea typeface="Noveo Sans" charset="0"/>
+                        <a:cs typeface="Noveo Sans" charset="0"/>
+                      </a:endParaRPr>
                     </a:p>
                   </a:txBody>
                   <a:tcPr marL="96012" marR="96012" marT="48007" marB="48007" anchor="ctr">
@@ -5698,7 +5737,7 @@
                 </a:tc>
                 <a:extLst>
                   <a:ext uri="{0D108BD9-81ED-4DB2-BD59-A6C34878D82A}">
-                    <a16:rowId xmlns:a16="http://schemas.microsoft.com/office/drawing/2014/main" val="10001"/>
+                    <a16:rowId xmlns:a16="http://schemas.microsoft.com/office/drawing/2014/main" xmlns="" val="10001"/>
                   </a:ext>
                 </a:extLst>
               </a:tr>
@@ -5754,7 +5793,7 @@
                 </a:tc>
                 <a:extLst>
                   <a:ext uri="{0D108BD9-81ED-4DB2-BD59-A6C34878D82A}">
-                    <a16:rowId xmlns:a16="http://schemas.microsoft.com/office/drawing/2014/main" val="10002"/>
+                    <a16:rowId xmlns:a16="http://schemas.microsoft.com/office/drawing/2014/main" xmlns="" val="10002"/>
                   </a:ext>
                 </a:extLst>
               </a:tr>
@@ -5892,7 +5931,7 @@
                 </a:tc>
                 <a:extLst>
                   <a:ext uri="{0D108BD9-81ED-4DB2-BD59-A6C34878D82A}">
-                    <a16:rowId xmlns:a16="http://schemas.microsoft.com/office/drawing/2014/main" val="10003"/>
+                    <a16:rowId xmlns:a16="http://schemas.microsoft.com/office/drawing/2014/main" xmlns="" val="10003"/>
                   </a:ext>
                 </a:extLst>
               </a:tr>
@@ -5944,7 +5983,7 @@
           <p:nvPr>
             <p:extLst>
               <p:ext uri="{D42A27DB-BD31-4B8C-83A1-F6EECF244321}">
-                <p14:modId xmlns:p14="http://schemas.microsoft.com/office/powerpoint/2010/main" val="3632543196"/>
+                <p14:modId xmlns:p14="http://schemas.microsoft.com/office/powerpoint/2010/main" val="1388349279"/>
               </p:ext>
             </p:extLst>
           </p:nvPr>
@@ -5963,7 +6002,7 @@
                 <a:gridCol w="1788301">
                   <a:extLst>
                     <a:ext uri="{9D8B030D-6E8A-4147-A177-3AD203B41FA5}">
-                      <a16:colId xmlns:a16="http://schemas.microsoft.com/office/drawing/2014/main" val="2192527220"/>
+                      <a16:colId xmlns:a16="http://schemas.microsoft.com/office/drawing/2014/main" xmlns="" val="2192527220"/>
                     </a:ext>
                   </a:extLst>
                 </a:gridCol>
@@ -6054,7 +6093,7 @@
                 </a:tc>
                 <a:extLst>
                   <a:ext uri="{0D108BD9-81ED-4DB2-BD59-A6C34878D82A}">
-                    <a16:rowId xmlns:a16="http://schemas.microsoft.com/office/drawing/2014/main" val="1986687887"/>
+                    <a16:rowId xmlns:a16="http://schemas.microsoft.com/office/drawing/2014/main" xmlns="" val="1986687887"/>
                   </a:ext>
                 </a:extLst>
               </a:tr>
@@ -6110,7 +6149,7 @@
                 </a:tc>
                 <a:extLst>
                   <a:ext uri="{0D108BD9-81ED-4DB2-BD59-A6C34878D82A}">
-                    <a16:rowId xmlns:a16="http://schemas.microsoft.com/office/drawing/2014/main" val="3506151837"/>
+                    <a16:rowId xmlns:a16="http://schemas.microsoft.com/office/drawing/2014/main" xmlns="" val="3506151837"/>
                   </a:ext>
                 </a:extLst>
               </a:tr>
@@ -6248,7 +6287,7 @@
                 </a:tc>
                 <a:extLst>
                   <a:ext uri="{0D108BD9-81ED-4DB2-BD59-A6C34878D82A}">
-                    <a16:rowId xmlns:a16="http://schemas.microsoft.com/office/drawing/2014/main" val="1767699772"/>
+                    <a16:rowId xmlns:a16="http://schemas.microsoft.com/office/drawing/2014/main" xmlns="" val="1767699772"/>
                   </a:ext>
                 </a:extLst>
               </a:tr>
@@ -6319,7 +6358,7 @@
                 <a:gridCol w="1828068">
                   <a:extLst>
                     <a:ext uri="{9D8B030D-6E8A-4147-A177-3AD203B41FA5}">
-                      <a16:colId xmlns:a16="http://schemas.microsoft.com/office/drawing/2014/main" val="20000"/>
+                      <a16:colId xmlns:a16="http://schemas.microsoft.com/office/drawing/2014/main" xmlns="" val="20000"/>
                     </a:ext>
                   </a:extLst>
                 </a:gridCol>
@@ -6354,7 +6393,7 @@
                 </a:tc>
                 <a:extLst>
                   <a:ext uri="{0D108BD9-81ED-4DB2-BD59-A6C34878D82A}">
-                    <a16:rowId xmlns:a16="http://schemas.microsoft.com/office/drawing/2014/main" val="10000"/>
+                    <a16:rowId xmlns:a16="http://schemas.microsoft.com/office/drawing/2014/main" xmlns="" val="10000"/>
                   </a:ext>
                 </a:extLst>
               </a:tr>
@@ -6410,7 +6449,7 @@
                 </a:tc>
                 <a:extLst>
                   <a:ext uri="{0D108BD9-81ED-4DB2-BD59-A6C34878D82A}">
-                    <a16:rowId xmlns:a16="http://schemas.microsoft.com/office/drawing/2014/main" val="10001"/>
+                    <a16:rowId xmlns:a16="http://schemas.microsoft.com/office/drawing/2014/main" xmlns="" val="10001"/>
                   </a:ext>
                 </a:extLst>
               </a:tr>
@@ -6548,7 +6587,7 @@
                 </a:tc>
                 <a:extLst>
                   <a:ext uri="{0D108BD9-81ED-4DB2-BD59-A6C34878D82A}">
-                    <a16:rowId xmlns:a16="http://schemas.microsoft.com/office/drawing/2014/main" val="10002"/>
+                    <a16:rowId xmlns:a16="http://schemas.microsoft.com/office/drawing/2014/main" xmlns="" val="10002"/>
                   </a:ext>
                 </a:extLst>
               </a:tr>
@@ -6565,14 +6604,14 @@
           <p:nvPr>
             <p:extLst>
               <p:ext uri="{D42A27DB-BD31-4B8C-83A1-F6EECF244321}">
-                <p14:modId xmlns:p14="http://schemas.microsoft.com/office/powerpoint/2010/main" val="4275079595"/>
+                <p14:modId xmlns:p14="http://schemas.microsoft.com/office/powerpoint/2010/main" val="287620967"/>
               </p:ext>
             </p:extLst>
           </p:nvPr>
         </p:nvGraphicFramePr>
         <p:xfrm>
-          <a:off x="6912103" y="1751098"/>
-          <a:ext cx="1806426" cy="2039155"/>
+          <a:off x="6912102" y="207440"/>
+          <a:ext cx="1512084" cy="2147322"/>
         </p:xfrm>
         <a:graphic>
           <a:graphicData uri="http://schemas.openxmlformats.org/drawingml/2006/table">
@@ -6581,10 +6620,10 @@
                 <a:tableStyleId>{073A0DAA-6AF3-43AB-8588-CEC1D06C72B9}</a:tableStyleId>
               </a:tblPr>
               <a:tblGrid>
-                <a:gridCol w="1806426">
+                <a:gridCol w="1512084">
                   <a:extLst>
                     <a:ext uri="{9D8B030D-6E8A-4147-A177-3AD203B41FA5}">
-                      <a16:colId xmlns:a16="http://schemas.microsoft.com/office/drawing/2014/main" val="2192527220"/>
+                      <a16:colId xmlns:a16="http://schemas.microsoft.com/office/drawing/2014/main" xmlns="" val="2192527220"/>
                     </a:ext>
                   </a:extLst>
                 </a:gridCol>
@@ -6602,7 +6641,31 @@
                           <a:ea typeface="Noveo Sans" charset="0"/>
                           <a:cs typeface="Noveo Sans" charset="0"/>
                         </a:rPr>
-                        <a:t>19th September – 2nd October</a:t>
+                        <a:t>19th </a:t>
+                      </a:r>
+                      <a:r>
+                        <a:rPr lang="en-SG" sz="1300" b="0" dirty="0" smtClean="0">
+                          <a:latin typeface="Noveo Sans" charset="0"/>
+                          <a:ea typeface="Noveo Sans" charset="0"/>
+                          <a:cs typeface="Noveo Sans" charset="0"/>
+                        </a:rPr>
+                        <a:t>Sep </a:t>
+                      </a:r>
+                      <a:r>
+                        <a:rPr lang="en-SG" sz="1300" b="0" dirty="0" smtClean="0">
+                          <a:latin typeface="Noveo Sans" charset="0"/>
+                          <a:ea typeface="Noveo Sans" charset="0"/>
+                          <a:cs typeface="Noveo Sans" charset="0"/>
+                        </a:rPr>
+                        <a:t>– 2nd </a:t>
+                      </a:r>
+                      <a:r>
+                        <a:rPr lang="en-SG" sz="1300" b="0" dirty="0" smtClean="0">
+                          <a:latin typeface="Noveo Sans" charset="0"/>
+                          <a:ea typeface="Noveo Sans" charset="0"/>
+                          <a:cs typeface="Noveo Sans" charset="0"/>
+                        </a:rPr>
+                        <a:t>Oct</a:t>
                       </a:r>
                       <a:endParaRPr lang="en-US" sz="1300" b="0" dirty="0">
                         <a:latin typeface="Noveo Sans" charset="0"/>
@@ -6619,7 +6682,7 @@
                 </a:tc>
                 <a:extLst>
                   <a:ext uri="{0D108BD9-81ED-4DB2-BD59-A6C34878D82A}">
-                    <a16:rowId xmlns:a16="http://schemas.microsoft.com/office/drawing/2014/main" val="1986687887"/>
+                    <a16:rowId xmlns:a16="http://schemas.microsoft.com/office/drawing/2014/main" xmlns="" val="1986687887"/>
                   </a:ext>
                 </a:extLst>
               </a:tr>
@@ -6659,7 +6722,7 @@
                 </a:tc>
                 <a:extLst>
                   <a:ext uri="{0D108BD9-81ED-4DB2-BD59-A6C34878D82A}">
-                    <a16:rowId xmlns:a16="http://schemas.microsoft.com/office/drawing/2014/main" val="3506151837"/>
+                    <a16:rowId xmlns:a16="http://schemas.microsoft.com/office/drawing/2014/main" xmlns="" val="3506151837"/>
                   </a:ext>
                 </a:extLst>
               </a:tr>
@@ -6816,7 +6879,7 @@
                 </a:tc>
                 <a:extLst>
                   <a:ext uri="{0D108BD9-81ED-4DB2-BD59-A6C34878D82A}">
-                    <a16:rowId xmlns:a16="http://schemas.microsoft.com/office/drawing/2014/main" val="1767699772"/>
+                    <a16:rowId xmlns:a16="http://schemas.microsoft.com/office/drawing/2014/main" xmlns="" val="1767699772"/>
                   </a:ext>
                 </a:extLst>
               </a:tr>
@@ -6832,8 +6895,8 @@
         </p:nvCxnSpPr>
         <p:spPr>
           <a:xfrm flipH="1">
-            <a:off x="4357257" y="3890203"/>
-            <a:ext cx="8985" cy="177370"/>
+            <a:off x="4357257" y="2855092"/>
+            <a:ext cx="8985" cy="1212277"/>
           </a:xfrm>
           <a:prstGeom prst="line">
             <a:avLst/>
@@ -6867,8 +6930,8 @@
         </p:nvCxnSpPr>
         <p:spPr>
           <a:xfrm>
-            <a:off x="5106096" y="4375086"/>
-            <a:ext cx="0" cy="2483633"/>
+            <a:off x="5106096" y="4288349"/>
+            <a:ext cx="0" cy="2851200"/>
           </a:xfrm>
           <a:prstGeom prst="line">
             <a:avLst/>
@@ -6903,14 +6966,14 @@
           <p:nvPr>
             <p:extLst>
               <p:ext uri="{D42A27DB-BD31-4B8C-83A1-F6EECF244321}">
-                <p14:modId xmlns:p14="http://schemas.microsoft.com/office/powerpoint/2010/main" val="4270606258"/>
+                <p14:modId xmlns:p14="http://schemas.microsoft.com/office/powerpoint/2010/main" val="100350015"/>
               </p:ext>
             </p:extLst>
           </p:nvPr>
         </p:nvGraphicFramePr>
         <p:xfrm>
-          <a:off x="2879740" y="1022813"/>
-          <a:ext cx="1928341" cy="2872750"/>
+          <a:off x="2879739" y="213054"/>
+          <a:ext cx="1935761" cy="2750010"/>
         </p:xfrm>
         <a:graphic>
           <a:graphicData uri="http://schemas.openxmlformats.org/drawingml/2006/table">
@@ -6919,10 +6982,10 @@
                 <a:tableStyleId>{073A0DAA-6AF3-43AB-8588-CEC1D06C72B9}</a:tableStyleId>
               </a:tblPr>
               <a:tblGrid>
-                <a:gridCol w="1928341">
+                <a:gridCol w="1935761">
                   <a:extLst>
                     <a:ext uri="{9D8B030D-6E8A-4147-A177-3AD203B41FA5}">
-                      <a16:colId xmlns:a16="http://schemas.microsoft.com/office/drawing/2014/main" val="20000"/>
+                      <a16:colId xmlns:a16="http://schemas.microsoft.com/office/drawing/2014/main" xmlns="" val="20000"/>
                     </a:ext>
                   </a:extLst>
                 </a:gridCol>
@@ -6935,14 +6998,22 @@
                     <a:p>
                       <a:pPr algn="ctr"/>
                       <a:r>
-                        <a:rPr lang="en-SG" sz="1300" b="1" dirty="0" smtClean="0">
-                          <a:latin typeface="Noveo Sans" charset="0"/>
-                          <a:ea typeface="Noveo Sans" charset="0"/>
-                          <a:cs typeface="Noveo Sans" charset="0"/>
-                        </a:rPr>
-                        <a:t>25th July – 7th August</a:t>
-                      </a:r>
-                      <a:endParaRPr lang="en-US" sz="1300" b="1" dirty="0">
+                        <a:rPr lang="en-SG" sz="1300" b="0" dirty="0" smtClean="0">
+                          <a:latin typeface="Noveo Sans" charset="0"/>
+                          <a:ea typeface="Noveo Sans" charset="0"/>
+                          <a:cs typeface="Noveo Sans" charset="0"/>
+                        </a:rPr>
+                        <a:t>25th July – 7th </a:t>
+                      </a:r>
+                      <a:r>
+                        <a:rPr lang="en-SG" sz="1300" b="0" dirty="0" smtClean="0">
+                          <a:latin typeface="Noveo Sans" charset="0"/>
+                          <a:ea typeface="Noveo Sans" charset="0"/>
+                          <a:cs typeface="Noveo Sans" charset="0"/>
+                        </a:rPr>
+                        <a:t>Aug</a:t>
+                      </a:r>
+                      <a:endParaRPr lang="en-US" sz="1300" b="0" dirty="0">
                         <a:latin typeface="Noveo Sans" charset="0"/>
                         <a:ea typeface="Noveo Sans" charset="0"/>
                         <a:cs typeface="Noveo Sans" charset="0"/>
@@ -6951,15 +7022,13 @@
                   </a:txBody>
                   <a:tcPr marL="96012" marR="96012" marT="48007" marB="48007" anchor="ctr">
                     <a:solidFill>
-                      <a:schemeClr val="bg2">
-                        <a:lumMod val="50000"/>
-                      </a:schemeClr>
+                      <a:srgbClr val="868686"/>
                     </a:solidFill>
                   </a:tcPr>
                 </a:tc>
                 <a:extLst>
                   <a:ext uri="{0D108BD9-81ED-4DB2-BD59-A6C34878D82A}">
-                    <a16:rowId xmlns:a16="http://schemas.microsoft.com/office/drawing/2014/main" val="10000"/>
+                    <a16:rowId xmlns:a16="http://schemas.microsoft.com/office/drawing/2014/main" xmlns="" val="10000"/>
                   </a:ext>
                 </a:extLst>
               </a:tr>
@@ -6993,7 +7062,7 @@
                 </a:tc>
                 <a:extLst>
                   <a:ext uri="{0D108BD9-81ED-4DB2-BD59-A6C34878D82A}">
-                    <a16:rowId xmlns:a16="http://schemas.microsoft.com/office/drawing/2014/main" val="10001"/>
+                    <a16:rowId xmlns:a16="http://schemas.microsoft.com/office/drawing/2014/main" xmlns="" val="10001"/>
                   </a:ext>
                 </a:extLst>
               </a:tr>
@@ -7015,14 +7084,6 @@
                         </a:rPr>
                         <a:t>Client Review</a:t>
                       </a:r>
-                      <a:endParaRPr lang="en-SG" sz="1200" b="1" dirty="0" smtClean="0">
-                        <a:solidFill>
-                          <a:schemeClr val="bg1"/>
-                        </a:solidFill>
-                        <a:latin typeface="Noveo Sans" charset="0"/>
-                        <a:ea typeface="Noveo Sans" charset="0"/>
-                        <a:cs typeface="Noveo Sans" charset="0"/>
-                      </a:endParaRPr>
                     </a:p>
                   </a:txBody>
                   <a:tcPr marL="96012" marR="96012" marT="48007" marB="48007" anchor="ctr">
@@ -7033,7 +7094,7 @@
                 </a:tc>
                 <a:extLst>
                   <a:ext uri="{0D108BD9-81ED-4DB2-BD59-A6C34878D82A}">
-                    <a16:rowId xmlns:a16="http://schemas.microsoft.com/office/drawing/2014/main" val="4235489286"/>
+                    <a16:rowId xmlns:a16="http://schemas.microsoft.com/office/drawing/2014/main" xmlns="" val="4235489286"/>
                   </a:ext>
                 </a:extLst>
               </a:tr>
@@ -7089,7 +7150,7 @@
                 </a:tc>
                 <a:extLst>
                   <a:ext uri="{0D108BD9-81ED-4DB2-BD59-A6C34878D82A}">
-                    <a16:rowId xmlns:a16="http://schemas.microsoft.com/office/drawing/2014/main" val="10002"/>
+                    <a16:rowId xmlns:a16="http://schemas.microsoft.com/office/drawing/2014/main" xmlns="" val="10002"/>
                   </a:ext>
                 </a:extLst>
               </a:tr>
@@ -7230,12 +7291,21 @@
                           <a:ea typeface="+mn-ea"/>
                           <a:cs typeface="+mn-cs"/>
                         </a:rPr>
-                        <a:t>Document UAT 1 Results</a:t>
-                      </a:r>
-                    </a:p>
-                    <a:p>
-                      <a:pPr lvl="0" algn="ctr"/>
-                      <a:endParaRPr lang="en-SG" sz="1200" kern="1200" dirty="0">
+                        <a:t>Document UAT 1 </a:t>
+                      </a:r>
+                      <a:r>
+                        <a:rPr lang="en-US" sz="1200" kern="1200" dirty="0" smtClean="0">
+                          <a:solidFill>
+                            <a:schemeClr val="dk1"/>
+                          </a:solidFill>
+                          <a:effectLst/>
+                          <a:latin typeface="Noveo Sans" panose="020B0503020204020203" pitchFamily="34" charset="0"/>
+                          <a:ea typeface="+mn-ea"/>
+                          <a:cs typeface="+mn-cs"/>
+                        </a:rPr>
+                        <a:t>Results</a:t>
+                      </a:r>
+                      <a:endParaRPr lang="en-US" sz="1200" kern="1200" dirty="0" smtClean="0">
                         <a:solidFill>
                           <a:schemeClr val="dk1"/>
                         </a:solidFill>
@@ -7254,7 +7324,7 @@
                 </a:tc>
                 <a:extLst>
                   <a:ext uri="{0D108BD9-81ED-4DB2-BD59-A6C34878D82A}">
-                    <a16:rowId xmlns:a16="http://schemas.microsoft.com/office/drawing/2014/main" val="10003"/>
+                    <a16:rowId xmlns:a16="http://schemas.microsoft.com/office/drawing/2014/main" xmlns="" val="10003"/>
                   </a:ext>
                 </a:extLst>
               </a:tr>
@@ -7271,14 +7341,14 @@
           <p:nvPr>
             <p:extLst>
               <p:ext uri="{D42A27DB-BD31-4B8C-83A1-F6EECF244321}">
-                <p14:modId xmlns:p14="http://schemas.microsoft.com/office/powerpoint/2010/main" val="3494712355"/>
+                <p14:modId xmlns:p14="http://schemas.microsoft.com/office/powerpoint/2010/main" val="271336358"/>
               </p:ext>
             </p:extLst>
           </p:nvPr>
         </p:nvGraphicFramePr>
         <p:xfrm>
-          <a:off x="4897434" y="444112"/>
-          <a:ext cx="1932735" cy="2273560"/>
+          <a:off x="4884293" y="1347440"/>
+          <a:ext cx="1932735" cy="1940635"/>
         </p:xfrm>
         <a:graphic>
           <a:graphicData uri="http://schemas.openxmlformats.org/drawingml/2006/table">
@@ -7290,7 +7360,7 @@
                 <a:gridCol w="1932735">
                   <a:extLst>
                     <a:ext uri="{9D8B030D-6E8A-4147-A177-3AD203B41FA5}">
-                      <a16:colId xmlns:a16="http://schemas.microsoft.com/office/drawing/2014/main" val="2192527220"/>
+                      <a16:colId xmlns:a16="http://schemas.microsoft.com/office/drawing/2014/main" xmlns="" val="2192527220"/>
                     </a:ext>
                   </a:extLst>
                 </a:gridCol>
@@ -7308,7 +7378,15 @@
                           <a:ea typeface="Noveo Sans" charset="0"/>
                           <a:cs typeface="Noveo Sans" charset="0"/>
                         </a:rPr>
-                        <a:t>22nd Aug</a:t>
+                        <a:t>22nd </a:t>
+                      </a:r>
+                      <a:r>
+                        <a:rPr lang="en-SG" sz="1300" b="0" dirty="0" smtClean="0">
+                          <a:latin typeface="Noveo Sans" charset="0"/>
+                          <a:ea typeface="Noveo Sans" charset="0"/>
+                          <a:cs typeface="Noveo Sans" charset="0"/>
+                        </a:rPr>
+                        <a:t>Aug</a:t>
                       </a:r>
                       <a:r>
                         <a:rPr lang="en-SG" sz="1300" b="0" baseline="0" dirty="0" smtClean="0">
@@ -7316,7 +7394,7 @@
                           <a:ea typeface="Noveo Sans" charset="0"/>
                           <a:cs typeface="Noveo Sans" charset="0"/>
                         </a:rPr>
-                        <a:t>ust </a:t>
+                        <a:t> </a:t>
                       </a:r>
                       <a:r>
                         <a:rPr lang="en-SG" sz="1300" b="0" dirty="0" smtClean="0">
@@ -7324,7 +7402,15 @@
                           <a:ea typeface="Noveo Sans" charset="0"/>
                           <a:cs typeface="Noveo Sans" charset="0"/>
                         </a:rPr>
-                        <a:t>– 4th September</a:t>
+                        <a:t>– 4th </a:t>
+                      </a:r>
+                      <a:r>
+                        <a:rPr lang="en-SG" sz="1300" b="0" dirty="0" smtClean="0">
+                          <a:latin typeface="Noveo Sans" charset="0"/>
+                          <a:ea typeface="Noveo Sans" charset="0"/>
+                          <a:cs typeface="Noveo Sans" charset="0"/>
+                        </a:rPr>
+                        <a:t>Sep</a:t>
                       </a:r>
                       <a:endParaRPr lang="en-US" sz="1300" b="0" dirty="0">
                         <a:latin typeface="Noveo Sans" charset="0"/>
@@ -7341,11 +7427,11 @@
                 </a:tc>
                 <a:extLst>
                   <a:ext uri="{0D108BD9-81ED-4DB2-BD59-A6C34878D82A}">
-                    <a16:rowId xmlns:a16="http://schemas.microsoft.com/office/drawing/2014/main" val="1986687887"/>
+                    <a16:rowId xmlns:a16="http://schemas.microsoft.com/office/drawing/2014/main" xmlns="" val="1986687887"/>
                   </a:ext>
                 </a:extLst>
               </a:tr>
-              <a:tr h="1086724">
+              <a:tr h="951919">
                 <a:tc>
                   <a:txBody>
                     <a:bodyPr/>
@@ -7381,7 +7467,7 @@
                 </a:tc>
                 <a:extLst>
                   <a:ext uri="{0D108BD9-81ED-4DB2-BD59-A6C34878D82A}">
-                    <a16:rowId xmlns:a16="http://schemas.microsoft.com/office/drawing/2014/main" val="3506151837"/>
+                    <a16:rowId xmlns:a16="http://schemas.microsoft.com/office/drawing/2014/main" xmlns="" val="3506151837"/>
                   </a:ext>
                 </a:extLst>
               </a:tr>
@@ -7514,7 +7600,7 @@
                 </a:tc>
                 <a:extLst>
                   <a:ext uri="{0D108BD9-81ED-4DB2-BD59-A6C34878D82A}">
-                    <a16:rowId xmlns:a16="http://schemas.microsoft.com/office/drawing/2014/main" val="1767699772"/>
+                    <a16:rowId xmlns:a16="http://schemas.microsoft.com/office/drawing/2014/main" xmlns="" val="1767699772"/>
                   </a:ext>
                 </a:extLst>
               </a:tr>
@@ -7530,8 +7616,8 @@
         </p:nvCxnSpPr>
         <p:spPr>
           <a:xfrm>
-            <a:off x="5942909" y="2717672"/>
-            <a:ext cx="0" cy="1347077"/>
+            <a:off x="5934549" y="3255337"/>
+            <a:ext cx="0" cy="836428"/>
           </a:xfrm>
           <a:prstGeom prst="line">
             <a:avLst/>
@@ -7566,14 +7652,14 @@
           <p:nvPr>
             <p:extLst>
               <p:ext uri="{D42A27DB-BD31-4B8C-83A1-F6EECF244321}">
-                <p14:modId xmlns:p14="http://schemas.microsoft.com/office/powerpoint/2010/main" val="206681045"/>
+                <p14:modId xmlns:p14="http://schemas.microsoft.com/office/powerpoint/2010/main" val="2069714501"/>
               </p:ext>
             </p:extLst>
           </p:nvPr>
         </p:nvGraphicFramePr>
         <p:xfrm>
-          <a:off x="3487000" y="6875197"/>
-          <a:ext cx="1928341" cy="2518819"/>
+          <a:off x="3040752" y="7160957"/>
+          <a:ext cx="2721266" cy="2153059"/>
         </p:xfrm>
         <a:graphic>
           <a:graphicData uri="http://schemas.openxmlformats.org/drawingml/2006/table">
@@ -7582,10 +7668,10 @@
                 <a:tableStyleId>{073A0DAA-6AF3-43AB-8588-CEC1D06C72B9}</a:tableStyleId>
               </a:tblPr>
               <a:tblGrid>
-                <a:gridCol w="1928341">
+                <a:gridCol w="2721266">
                   <a:extLst>
                     <a:ext uri="{9D8B030D-6E8A-4147-A177-3AD203B41FA5}">
-                      <a16:colId xmlns:a16="http://schemas.microsoft.com/office/drawing/2014/main" val="20000"/>
+                      <a16:colId xmlns:a16="http://schemas.microsoft.com/office/drawing/2014/main" xmlns="" val="20000"/>
                     </a:ext>
                   </a:extLst>
                 </a:gridCol>
@@ -7619,7 +7705,15 @@
                           <a:ea typeface="Noveo Sans" charset="0"/>
                           <a:cs typeface="Noveo Sans" charset="0"/>
                         </a:rPr>
-                        <a:t>– 21st August</a:t>
+                        <a:t>– 21st </a:t>
+                      </a:r>
+                      <a:r>
+                        <a:rPr lang="en-SG" sz="1300" b="0" dirty="0" smtClean="0">
+                          <a:latin typeface="Noveo Sans" charset="0"/>
+                          <a:ea typeface="Noveo Sans" charset="0"/>
+                          <a:cs typeface="Noveo Sans" charset="0"/>
+                        </a:rPr>
+                        <a:t>Aug</a:t>
                       </a:r>
                       <a:endParaRPr lang="en-US" sz="1300" b="0" dirty="0">
                         <a:latin typeface="Noveo Sans" charset="0"/>
@@ -7630,15 +7724,13 @@
                   </a:txBody>
                   <a:tcPr marL="96012" marR="96012" marT="48007" marB="48007" anchor="ctr">
                     <a:solidFill>
-                      <a:schemeClr val="bg2">
-                        <a:lumMod val="50000"/>
-                      </a:schemeClr>
+                      <a:srgbClr val="868686"/>
                     </a:solidFill>
                   </a:tcPr>
                 </a:tc>
                 <a:extLst>
                   <a:ext uri="{0D108BD9-81ED-4DB2-BD59-A6C34878D82A}">
-                    <a16:rowId xmlns:a16="http://schemas.microsoft.com/office/drawing/2014/main" val="10000"/>
+                    <a16:rowId xmlns:a16="http://schemas.microsoft.com/office/drawing/2014/main" xmlns="" val="10000"/>
                   </a:ext>
                 </a:extLst>
               </a:tr>
@@ -7672,8 +7764,60 @@
                           <a:ea typeface="Noveo Sans" charset="0"/>
                           <a:cs typeface="Noveo Sans" charset="0"/>
                         </a:rPr>
-                        <a:t>1) FYP Acceptance – 10th Aug</a:t>
-                      </a:r>
+                        <a:t>(1</a:t>
+                      </a:r>
+                      <a:r>
+                        <a:rPr lang="en-SG" sz="1200" dirty="0" smtClean="0">
+                          <a:solidFill>
+                            <a:schemeClr val="bg1"/>
+                          </a:solidFill>
+                          <a:latin typeface="Noveo Sans" charset="0"/>
+                          <a:ea typeface="Noveo Sans" charset="0"/>
+                          <a:cs typeface="Noveo Sans" charset="0"/>
+                        </a:rPr>
+                        <a:t>) FYP </a:t>
+                      </a:r>
+                      <a:r>
+                        <a:rPr lang="en-SG" sz="1200" dirty="0" smtClean="0">
+                          <a:solidFill>
+                            <a:schemeClr val="bg1"/>
+                          </a:solidFill>
+                          <a:latin typeface="Noveo Sans" charset="0"/>
+                          <a:ea typeface="Noveo Sans" charset="0"/>
+                          <a:cs typeface="Noveo Sans" charset="0"/>
+                        </a:rPr>
+                        <a:t>Acceptance: </a:t>
+                      </a:r>
+                      <a:r>
+                        <a:rPr lang="en-SG" sz="1200" dirty="0" smtClean="0">
+                          <a:solidFill>
+                            <a:schemeClr val="bg1"/>
+                          </a:solidFill>
+                          <a:latin typeface="Noveo Sans" charset="0"/>
+                          <a:ea typeface="Noveo Sans" charset="0"/>
+                          <a:cs typeface="Noveo Sans" charset="0"/>
+                        </a:rPr>
+                        <a:t>10th </a:t>
+                      </a:r>
+                      <a:r>
+                        <a:rPr lang="en-SG" sz="1200" dirty="0" smtClean="0">
+                          <a:solidFill>
+                            <a:schemeClr val="bg1"/>
+                          </a:solidFill>
+                          <a:latin typeface="Noveo Sans" charset="0"/>
+                          <a:ea typeface="Noveo Sans" charset="0"/>
+                          <a:cs typeface="Noveo Sans" charset="0"/>
+                        </a:rPr>
+                        <a:t>Aug </a:t>
+                      </a:r>
+                      <a:endParaRPr lang="en-SG" sz="1200" dirty="0" smtClean="0">
+                        <a:solidFill>
+                          <a:schemeClr val="bg1"/>
+                        </a:solidFill>
+                        <a:latin typeface="Noveo Sans" charset="0"/>
+                        <a:ea typeface="Noveo Sans" charset="0"/>
+                        <a:cs typeface="Noveo Sans" charset="0"/>
+                      </a:endParaRPr>
                     </a:p>
                     <a:p>
                       <a:pPr algn="ctr"/>
@@ -7686,7 +7830,40 @@
                           <a:ea typeface="Noveo Sans" charset="0"/>
                           <a:cs typeface="Noveo Sans" charset="0"/>
                         </a:rPr>
-                        <a:t>2) Registration and Class – 18th Aug</a:t>
+                        <a:t>(2</a:t>
+                      </a:r>
+                      <a:r>
+                        <a:rPr lang="en-SG" sz="1200" dirty="0" smtClean="0">
+                          <a:solidFill>
+                            <a:schemeClr val="bg1"/>
+                          </a:solidFill>
+                          <a:latin typeface="Noveo Sans" charset="0"/>
+                          <a:ea typeface="Noveo Sans" charset="0"/>
+                          <a:cs typeface="Noveo Sans" charset="0"/>
+                        </a:rPr>
+                        <a:t>) Registration and </a:t>
+                      </a:r>
+                      <a:r>
+                        <a:rPr lang="en-SG" sz="1200" dirty="0" smtClean="0">
+                          <a:solidFill>
+                            <a:schemeClr val="bg1"/>
+                          </a:solidFill>
+                          <a:latin typeface="Noveo Sans" charset="0"/>
+                          <a:ea typeface="Noveo Sans" charset="0"/>
+                          <a:cs typeface="Noveo Sans" charset="0"/>
+                        </a:rPr>
+                        <a:t>Class: 18th </a:t>
+                      </a:r>
+                      <a:r>
+                        <a:rPr lang="en-SG" sz="1200" dirty="0" smtClean="0">
+                          <a:solidFill>
+                            <a:schemeClr val="bg1"/>
+                          </a:solidFill>
+                          <a:latin typeface="Noveo Sans" charset="0"/>
+                          <a:ea typeface="Noveo Sans" charset="0"/>
+                          <a:cs typeface="Noveo Sans" charset="0"/>
+                        </a:rPr>
+                        <a:t>Aug</a:t>
                       </a:r>
                     </a:p>
                   </a:txBody>
@@ -7698,7 +7875,7 @@
                 </a:tc>
                 <a:extLst>
                   <a:ext uri="{0D108BD9-81ED-4DB2-BD59-A6C34878D82A}">
-                    <a16:rowId xmlns:a16="http://schemas.microsoft.com/office/drawing/2014/main" val="10001"/>
+                    <a16:rowId xmlns:a16="http://schemas.microsoft.com/office/drawing/2014/main" xmlns="" val="10001"/>
                   </a:ext>
                 </a:extLst>
               </a:tr>
@@ -7738,7 +7915,7 @@
                 </a:tc>
                 <a:extLst>
                   <a:ext uri="{0D108BD9-81ED-4DB2-BD59-A6C34878D82A}">
-                    <a16:rowId xmlns:a16="http://schemas.microsoft.com/office/drawing/2014/main" val="10002"/>
+                    <a16:rowId xmlns:a16="http://schemas.microsoft.com/office/drawing/2014/main" xmlns="" val="10002"/>
                   </a:ext>
                 </a:extLst>
               </a:tr>
@@ -7876,7 +8053,7 @@
                 </a:tc>
                 <a:extLst>
                   <a:ext uri="{0D108BD9-81ED-4DB2-BD59-A6C34878D82A}">
-                    <a16:rowId xmlns:a16="http://schemas.microsoft.com/office/drawing/2014/main" val="10003"/>
+                    <a16:rowId xmlns:a16="http://schemas.microsoft.com/office/drawing/2014/main" xmlns="" val="10003"/>
                   </a:ext>
                 </a:extLst>
               </a:tr>
@@ -7928,14 +8105,14 @@
           <p:nvPr>
             <p:extLst>
               <p:ext uri="{D42A27DB-BD31-4B8C-83A1-F6EECF244321}">
-                <p14:modId xmlns:p14="http://schemas.microsoft.com/office/powerpoint/2010/main" val="978033227"/>
+                <p14:modId xmlns:p14="http://schemas.microsoft.com/office/powerpoint/2010/main" val="201306625"/>
               </p:ext>
             </p:extLst>
           </p:nvPr>
         </p:nvGraphicFramePr>
         <p:xfrm>
-          <a:off x="5533378" y="4585209"/>
-          <a:ext cx="1928341" cy="2522230"/>
+          <a:off x="5350674" y="4585209"/>
+          <a:ext cx="2532795" cy="2328467"/>
         </p:xfrm>
         <a:graphic>
           <a:graphicData uri="http://schemas.openxmlformats.org/drawingml/2006/table">
@@ -7944,10 +8121,10 @@
                 <a:tableStyleId>{073A0DAA-6AF3-43AB-8588-CEC1D06C72B9}</a:tableStyleId>
               </a:tblPr>
               <a:tblGrid>
-                <a:gridCol w="1928341">
+                <a:gridCol w="2532795">
                   <a:extLst>
                     <a:ext uri="{9D8B030D-6E8A-4147-A177-3AD203B41FA5}">
-                      <a16:colId xmlns:a16="http://schemas.microsoft.com/office/drawing/2014/main" val="20000"/>
+                      <a16:colId xmlns:a16="http://schemas.microsoft.com/office/drawing/2014/main" xmlns="" val="20000"/>
                     </a:ext>
                   </a:extLst>
                 </a:gridCol>
@@ -7965,7 +8142,31 @@
                           <a:ea typeface="Noveo Sans" charset="0"/>
                           <a:cs typeface="Noveo Sans" charset="0"/>
                         </a:rPr>
-                        <a:t>5th September – 18th September</a:t>
+                        <a:t>5th </a:t>
+                      </a:r>
+                      <a:r>
+                        <a:rPr lang="en-SG" sz="1300" b="0" dirty="0" smtClean="0">
+                          <a:latin typeface="Noveo Sans" charset="0"/>
+                          <a:ea typeface="Noveo Sans" charset="0"/>
+                          <a:cs typeface="Noveo Sans" charset="0"/>
+                        </a:rPr>
+                        <a:t>Sep </a:t>
+                      </a:r>
+                      <a:r>
+                        <a:rPr lang="en-SG" sz="1300" b="0" dirty="0" smtClean="0">
+                          <a:latin typeface="Noveo Sans" charset="0"/>
+                          <a:ea typeface="Noveo Sans" charset="0"/>
+                          <a:cs typeface="Noveo Sans" charset="0"/>
+                        </a:rPr>
+                        <a:t>– 18th </a:t>
+                      </a:r>
+                      <a:r>
+                        <a:rPr lang="en-SG" sz="1300" b="0" dirty="0" smtClean="0">
+                          <a:latin typeface="Noveo Sans" charset="0"/>
+                          <a:ea typeface="Noveo Sans" charset="0"/>
+                          <a:cs typeface="Noveo Sans" charset="0"/>
+                        </a:rPr>
+                        <a:t>Sep</a:t>
                       </a:r>
                       <a:endParaRPr lang="en-US" sz="1300" b="0" dirty="0">
                         <a:latin typeface="Noveo Sans" charset="0"/>
@@ -7976,15 +8177,13 @@
                   </a:txBody>
                   <a:tcPr marL="96012" marR="96012" marT="48007" marB="48007" anchor="ctr">
                     <a:solidFill>
-                      <a:schemeClr val="bg2">
-                        <a:lumMod val="50000"/>
-                      </a:schemeClr>
+                      <a:srgbClr val="868686"/>
                     </a:solidFill>
                   </a:tcPr>
                 </a:tc>
                 <a:extLst>
                   <a:ext uri="{0D108BD9-81ED-4DB2-BD59-A6C34878D82A}">
-                    <a16:rowId xmlns:a16="http://schemas.microsoft.com/office/drawing/2014/main" val="10000"/>
+                    <a16:rowId xmlns:a16="http://schemas.microsoft.com/office/drawing/2014/main" xmlns="" val="10000"/>
                   </a:ext>
                 </a:extLst>
               </a:tr>
@@ -8018,7 +8217,7 @@
                 </a:tc>
                 <a:extLst>
                   <a:ext uri="{0D108BD9-81ED-4DB2-BD59-A6C34878D82A}">
-                    <a16:rowId xmlns:a16="http://schemas.microsoft.com/office/drawing/2014/main" val="10001"/>
+                    <a16:rowId xmlns:a16="http://schemas.microsoft.com/office/drawing/2014/main" xmlns="" val="10001"/>
                   </a:ext>
                 </a:extLst>
               </a:tr>
@@ -8066,7 +8265,7 @@
                 </a:tc>
                 <a:extLst>
                   <a:ext uri="{0D108BD9-81ED-4DB2-BD59-A6C34878D82A}">
-                    <a16:rowId xmlns:a16="http://schemas.microsoft.com/office/drawing/2014/main" val="4232395393"/>
+                    <a16:rowId xmlns:a16="http://schemas.microsoft.com/office/drawing/2014/main" xmlns="" val="4232395393"/>
                   </a:ext>
                 </a:extLst>
               </a:tr>
@@ -8106,7 +8305,7 @@
                 </a:tc>
                 <a:extLst>
                   <a:ext uri="{0D108BD9-81ED-4DB2-BD59-A6C34878D82A}">
-                    <a16:rowId xmlns:a16="http://schemas.microsoft.com/office/drawing/2014/main" val="10002"/>
+                    <a16:rowId xmlns:a16="http://schemas.microsoft.com/office/drawing/2014/main" xmlns="" val="10002"/>
                   </a:ext>
                 </a:extLst>
               </a:tr>
@@ -8235,7 +8434,7 @@
                 </a:tc>
                 <a:extLst>
                   <a:ext uri="{0D108BD9-81ED-4DB2-BD59-A6C34878D82A}">
-                    <a16:rowId xmlns:a16="http://schemas.microsoft.com/office/drawing/2014/main" val="10003"/>
+                    <a16:rowId xmlns:a16="http://schemas.microsoft.com/office/drawing/2014/main" xmlns="" val="10003"/>
                   </a:ext>
                 </a:extLst>
               </a:tr>
@@ -8246,15 +8445,13 @@
       <p:cxnSp>
         <p:nvCxnSpPr>
           <p:cNvPr id="85" name="Straight Connector 84"/>
-          <p:cNvCxnSpPr>
-            <a:endCxn id="28" idx="0"/>
-          </p:cNvCxnSpPr>
+          <p:cNvCxnSpPr/>
           <p:nvPr/>
         </p:nvCxnSpPr>
         <p:spPr>
           <a:xfrm>
-            <a:off x="7620017" y="3790253"/>
-            <a:ext cx="739" cy="298628"/>
+            <a:off x="7620017" y="2240545"/>
+            <a:ext cx="739" cy="1826381"/>
           </a:xfrm>
           <a:prstGeom prst="line">
             <a:avLst/>
@@ -8324,13 +8521,13 @@
           <p:nvPr>
             <p:extLst>
               <p:ext uri="{D42A27DB-BD31-4B8C-83A1-F6EECF244321}">
-                <p14:modId xmlns:p14="http://schemas.microsoft.com/office/powerpoint/2010/main" val="1297944995"/>
+                <p14:modId xmlns:p14="http://schemas.microsoft.com/office/powerpoint/2010/main" val="120010021"/>
               </p:ext>
             </p:extLst>
           </p:nvPr>
         </p:nvGraphicFramePr>
         <p:xfrm>
-          <a:off x="6641489" y="7148247"/>
+          <a:off x="6641489" y="7050433"/>
           <a:ext cx="2055072" cy="2264053"/>
         </p:xfrm>
         <a:graphic>
@@ -8343,7 +8540,7 @@
                 <a:gridCol w="2055072">
                   <a:extLst>
                     <a:ext uri="{9D8B030D-6E8A-4147-A177-3AD203B41FA5}">
-                      <a16:colId xmlns:a16="http://schemas.microsoft.com/office/drawing/2014/main" val="20000"/>
+                      <a16:colId xmlns:a16="http://schemas.microsoft.com/office/drawing/2014/main" xmlns="" val="20000"/>
                     </a:ext>
                   </a:extLst>
                 </a:gridCol>
@@ -8361,7 +8558,47 @@
                           <a:ea typeface="Noveo Sans" charset="0"/>
                           <a:cs typeface="Noveo Sans" charset="0"/>
                         </a:rPr>
-                        <a:t>3rd October – 16th October</a:t>
+                        <a:t>3rd </a:t>
+                      </a:r>
+                      <a:r>
+                        <a:rPr lang="en-SG" sz="1300" b="0" dirty="0" smtClean="0">
+                          <a:latin typeface="Noveo Sans" charset="0"/>
+                          <a:ea typeface="Noveo Sans" charset="0"/>
+                          <a:cs typeface="Noveo Sans" charset="0"/>
+                        </a:rPr>
+                        <a:t>Oct</a:t>
+                      </a:r>
+                      <a:r>
+                        <a:rPr lang="en-SG" sz="1300" b="0" baseline="0" dirty="0" smtClean="0">
+                          <a:latin typeface="Noveo Sans" charset="0"/>
+                          <a:ea typeface="Noveo Sans" charset="0"/>
+                          <a:cs typeface="Noveo Sans" charset="0"/>
+                        </a:rPr>
+                        <a:t> </a:t>
+                      </a:r>
+                      <a:r>
+                        <a:rPr lang="en-SG" sz="1300" b="0" dirty="0" smtClean="0">
+                          <a:latin typeface="Noveo Sans" charset="0"/>
+                          <a:ea typeface="Noveo Sans" charset="0"/>
+                          <a:cs typeface="Noveo Sans" charset="0"/>
+                        </a:rPr>
+                        <a:t>– </a:t>
+                      </a:r>
+                      <a:r>
+                        <a:rPr lang="en-SG" sz="1300" b="0" dirty="0" smtClean="0">
+                          <a:latin typeface="Noveo Sans" charset="0"/>
+                          <a:ea typeface="Noveo Sans" charset="0"/>
+                          <a:cs typeface="Noveo Sans" charset="0"/>
+                        </a:rPr>
+                        <a:t>16th </a:t>
+                      </a:r>
+                      <a:r>
+                        <a:rPr lang="en-SG" sz="1300" b="0" dirty="0" smtClean="0">
+                          <a:latin typeface="Noveo Sans" charset="0"/>
+                          <a:ea typeface="Noveo Sans" charset="0"/>
+                          <a:cs typeface="Noveo Sans" charset="0"/>
+                        </a:rPr>
+                        <a:t>Oct</a:t>
                       </a:r>
                       <a:endParaRPr lang="en-US" sz="1300" b="0" dirty="0">
                         <a:latin typeface="Noveo Sans" charset="0"/>
@@ -8372,15 +8609,13 @@
                   </a:txBody>
                   <a:tcPr marL="96012" marR="96012" marT="48007" marB="48007" anchor="ctr">
                     <a:solidFill>
-                      <a:schemeClr val="bg2">
-                        <a:lumMod val="50000"/>
-                      </a:schemeClr>
+                      <a:srgbClr val="868686"/>
                     </a:solidFill>
                   </a:tcPr>
                 </a:tc>
                 <a:extLst>
                   <a:ext uri="{0D108BD9-81ED-4DB2-BD59-A6C34878D82A}">
-                    <a16:rowId xmlns:a16="http://schemas.microsoft.com/office/drawing/2014/main" val="10000"/>
+                    <a16:rowId xmlns:a16="http://schemas.microsoft.com/office/drawing/2014/main" xmlns="" val="10000"/>
                   </a:ext>
                 </a:extLst>
               </a:tr>
@@ -8414,8 +8649,82 @@
                           <a:ea typeface="Noveo Sans" charset="0"/>
                           <a:cs typeface="Noveo Sans" charset="0"/>
                         </a:rPr>
-                        <a:t>Midterm (3rd Oct – 7th Oct)</a:t>
-                      </a:r>
+                        <a:t>Midterm</a:t>
+                      </a:r>
+                      <a:r>
+                        <a:rPr lang="en-SG" sz="1200" baseline="0" dirty="0" smtClean="0">
+                          <a:solidFill>
+                            <a:schemeClr val="bg1"/>
+                          </a:solidFill>
+                          <a:latin typeface="Noveo Sans" charset="0"/>
+                          <a:ea typeface="Noveo Sans" charset="0"/>
+                          <a:cs typeface="Noveo Sans" charset="0"/>
+                        </a:rPr>
+                        <a:t>: </a:t>
+                      </a:r>
+                      <a:r>
+                        <a:rPr lang="en-SG" sz="1200" dirty="0" smtClean="0">
+                          <a:solidFill>
+                            <a:schemeClr val="bg1"/>
+                          </a:solidFill>
+                          <a:latin typeface="Noveo Sans" charset="0"/>
+                          <a:ea typeface="Noveo Sans" charset="0"/>
+                          <a:cs typeface="Noveo Sans" charset="0"/>
+                        </a:rPr>
+                        <a:t>3rd </a:t>
+                      </a:r>
+                      <a:r>
+                        <a:rPr lang="en-SG" sz="1200" dirty="0" smtClean="0">
+                          <a:solidFill>
+                            <a:schemeClr val="bg1"/>
+                          </a:solidFill>
+                          <a:latin typeface="Noveo Sans" charset="0"/>
+                          <a:ea typeface="Noveo Sans" charset="0"/>
+                          <a:cs typeface="Noveo Sans" charset="0"/>
+                        </a:rPr>
+                        <a:t>Oct </a:t>
+                      </a:r>
+                      <a:r>
+                        <a:rPr lang="en-SG" sz="1200" dirty="0" smtClean="0">
+                          <a:solidFill>
+                            <a:schemeClr val="bg1"/>
+                          </a:solidFill>
+                          <a:latin typeface="Noveo Sans" charset="0"/>
+                          <a:ea typeface="Noveo Sans" charset="0"/>
+                          <a:cs typeface="Noveo Sans" charset="0"/>
+                        </a:rPr>
+                        <a:t>–  </a:t>
+                      </a:r>
+                      <a:r>
+                        <a:rPr lang="en-SG" sz="1200" dirty="0" smtClean="0">
+                          <a:solidFill>
+                            <a:schemeClr val="bg1"/>
+                          </a:solidFill>
+                          <a:latin typeface="Noveo Sans" charset="0"/>
+                          <a:ea typeface="Noveo Sans" charset="0"/>
+                          <a:cs typeface="Noveo Sans" charset="0"/>
+                        </a:rPr>
+                        <a:t>7th </a:t>
+                      </a:r>
+                      <a:r>
+                        <a:rPr lang="en-SG" sz="1200" dirty="0" smtClean="0">
+                          <a:solidFill>
+                            <a:schemeClr val="bg1"/>
+                          </a:solidFill>
+                          <a:latin typeface="Noveo Sans" charset="0"/>
+                          <a:ea typeface="Noveo Sans" charset="0"/>
+                          <a:cs typeface="Noveo Sans" charset="0"/>
+                        </a:rPr>
+                        <a:t>Oct</a:t>
+                      </a:r>
+                      <a:endParaRPr lang="en-SG" sz="1200" dirty="0" smtClean="0">
+                        <a:solidFill>
+                          <a:schemeClr val="bg1"/>
+                        </a:solidFill>
+                        <a:latin typeface="Noveo Sans" charset="0"/>
+                        <a:ea typeface="Noveo Sans" charset="0"/>
+                        <a:cs typeface="Noveo Sans" charset="0"/>
+                      </a:endParaRPr>
                     </a:p>
                   </a:txBody>
                   <a:tcPr marL="96012" marR="96012" marT="48007" marB="48007" anchor="ctr">
@@ -8426,7 +8735,7 @@
                 </a:tc>
                 <a:extLst>
                   <a:ext uri="{0D108BD9-81ED-4DB2-BD59-A6C34878D82A}">
-                    <a16:rowId xmlns:a16="http://schemas.microsoft.com/office/drawing/2014/main" val="10001"/>
+                    <a16:rowId xmlns:a16="http://schemas.microsoft.com/office/drawing/2014/main" xmlns="" val="10001"/>
                   </a:ext>
                 </a:extLst>
               </a:tr>
@@ -8466,7 +8775,7 @@
                 </a:tc>
                 <a:extLst>
                   <a:ext uri="{0D108BD9-81ED-4DB2-BD59-A6C34878D82A}">
-                    <a16:rowId xmlns:a16="http://schemas.microsoft.com/office/drawing/2014/main" val="10002"/>
+                    <a16:rowId xmlns:a16="http://schemas.microsoft.com/office/drawing/2014/main" xmlns="" val="10002"/>
                   </a:ext>
                 </a:extLst>
               </a:tr>
@@ -8604,7 +8913,7 @@
                 </a:tc>
                 <a:extLst>
                   <a:ext uri="{0D108BD9-81ED-4DB2-BD59-A6C34878D82A}">
-                    <a16:rowId xmlns:a16="http://schemas.microsoft.com/office/drawing/2014/main" val="10003"/>
+                    <a16:rowId xmlns:a16="http://schemas.microsoft.com/office/drawing/2014/main" xmlns="" val="10003"/>
                   </a:ext>
                 </a:extLst>
               </a:tr>
@@ -8620,8 +8929,8 @@
         </p:nvCxnSpPr>
         <p:spPr>
           <a:xfrm>
-            <a:off x="9500499" y="3172570"/>
-            <a:ext cx="0" cy="906694"/>
+            <a:off x="9500499" y="2963064"/>
+            <a:ext cx="0" cy="1097099"/>
           </a:xfrm>
           <a:prstGeom prst="line">
             <a:avLst/>
@@ -8656,14 +8965,14 @@
           <p:nvPr>
             <p:extLst>
               <p:ext uri="{D42A27DB-BD31-4B8C-83A1-F6EECF244321}">
-                <p14:modId xmlns:p14="http://schemas.microsoft.com/office/powerpoint/2010/main" val="1679402919"/>
+                <p14:modId xmlns:p14="http://schemas.microsoft.com/office/powerpoint/2010/main" val="142297133"/>
               </p:ext>
             </p:extLst>
           </p:nvPr>
         </p:nvGraphicFramePr>
         <p:xfrm>
-          <a:off x="8818557" y="637322"/>
-          <a:ext cx="1693067" cy="2819092"/>
+          <a:off x="8532632" y="985432"/>
+          <a:ext cx="1992979" cy="2609725"/>
         </p:xfrm>
         <a:graphic>
           <a:graphicData uri="http://schemas.openxmlformats.org/drawingml/2006/table">
@@ -8672,10 +8981,10 @@
                 <a:tableStyleId>{073A0DAA-6AF3-43AB-8588-CEC1D06C72B9}</a:tableStyleId>
               </a:tblPr>
               <a:tblGrid>
-                <a:gridCol w="1693067">
+                <a:gridCol w="1992979">
                   <a:extLst>
                     <a:ext uri="{9D8B030D-6E8A-4147-A177-3AD203B41FA5}">
-                      <a16:colId xmlns:a16="http://schemas.microsoft.com/office/drawing/2014/main" val="20000"/>
+                      <a16:colId xmlns:a16="http://schemas.microsoft.com/office/drawing/2014/main" xmlns="" val="20000"/>
                     </a:ext>
                   </a:extLst>
                 </a:gridCol>
@@ -8688,14 +8997,38 @@
                     <a:p>
                       <a:pPr algn="ctr"/>
                       <a:r>
-                        <a:rPr lang="en-SG" sz="1300" b="1" dirty="0" smtClean="0">
-                          <a:latin typeface="Noveo Sans" charset="0"/>
-                          <a:ea typeface="Noveo Sans" charset="0"/>
-                          <a:cs typeface="Noveo Sans" charset="0"/>
-                        </a:rPr>
-                        <a:t>17th October – 30th October</a:t>
-                      </a:r>
-                      <a:endParaRPr lang="en-US" sz="1300" b="1" dirty="0">
+                        <a:rPr lang="en-SG" sz="1300" b="0" dirty="0" smtClean="0">
+                          <a:latin typeface="Noveo Sans" charset="0"/>
+                          <a:ea typeface="Noveo Sans" charset="0"/>
+                          <a:cs typeface="Noveo Sans" charset="0"/>
+                        </a:rPr>
+                        <a:t>17th </a:t>
+                      </a:r>
+                      <a:r>
+                        <a:rPr lang="en-SG" sz="1300" b="0" dirty="0" smtClean="0">
+                          <a:latin typeface="Noveo Sans" charset="0"/>
+                          <a:ea typeface="Noveo Sans" charset="0"/>
+                          <a:cs typeface="Noveo Sans" charset="0"/>
+                        </a:rPr>
+                        <a:t>Oct– </a:t>
+                      </a:r>
+                      <a:r>
+                        <a:rPr lang="en-SG" sz="1300" b="0" dirty="0" smtClean="0">
+                          <a:latin typeface="Noveo Sans" charset="0"/>
+                          <a:ea typeface="Noveo Sans" charset="0"/>
+                          <a:cs typeface="Noveo Sans" charset="0"/>
+                        </a:rPr>
+                        <a:t>30th </a:t>
+                      </a:r>
+                      <a:r>
+                        <a:rPr lang="en-SG" sz="1300" b="0" dirty="0" smtClean="0">
+                          <a:latin typeface="Noveo Sans" charset="0"/>
+                          <a:ea typeface="Noveo Sans" charset="0"/>
+                          <a:cs typeface="Noveo Sans" charset="0"/>
+                        </a:rPr>
+                        <a:t>Oct</a:t>
+                      </a:r>
+                      <a:endParaRPr lang="en-US" sz="1300" b="0" dirty="0">
                         <a:latin typeface="Noveo Sans" charset="0"/>
                         <a:ea typeface="Noveo Sans" charset="0"/>
                         <a:cs typeface="Noveo Sans" charset="0"/>
@@ -8704,15 +9037,13 @@
                   </a:txBody>
                   <a:tcPr marL="96012" marR="96012" marT="48007" marB="48007" anchor="ctr">
                     <a:solidFill>
-                      <a:schemeClr val="bg1">
-                        <a:lumMod val="50000"/>
-                      </a:schemeClr>
+                      <a:srgbClr val="868686"/>
                     </a:solidFill>
                   </a:tcPr>
                 </a:tc>
                 <a:extLst>
                   <a:ext uri="{0D108BD9-81ED-4DB2-BD59-A6C34878D82A}">
-                    <a16:rowId xmlns:a16="http://schemas.microsoft.com/office/drawing/2014/main" val="10000"/>
+                    <a16:rowId xmlns:a16="http://schemas.microsoft.com/office/drawing/2014/main" xmlns="" val="10000"/>
                   </a:ext>
                 </a:extLst>
               </a:tr>
@@ -8746,7 +9077,7 @@
                 </a:tc>
                 <a:extLst>
                   <a:ext uri="{0D108BD9-81ED-4DB2-BD59-A6C34878D82A}">
-                    <a16:rowId xmlns:a16="http://schemas.microsoft.com/office/drawing/2014/main" val="10001"/>
+                    <a16:rowId xmlns:a16="http://schemas.microsoft.com/office/drawing/2014/main" xmlns="" val="10001"/>
                   </a:ext>
                 </a:extLst>
               </a:tr>
@@ -8794,7 +9125,7 @@
                 </a:tc>
                 <a:extLst>
                   <a:ext uri="{0D108BD9-81ED-4DB2-BD59-A6C34878D82A}">
-                    <a16:rowId xmlns:a16="http://schemas.microsoft.com/office/drawing/2014/main" val="679801633"/>
+                    <a16:rowId xmlns:a16="http://schemas.microsoft.com/office/drawing/2014/main" xmlns="" val="679801633"/>
                   </a:ext>
                 </a:extLst>
               </a:tr>
@@ -8828,11 +9159,11 @@
                 </a:tc>
                 <a:extLst>
                   <a:ext uri="{0D108BD9-81ED-4DB2-BD59-A6C34878D82A}">
-                    <a16:rowId xmlns:a16="http://schemas.microsoft.com/office/drawing/2014/main" val="10002"/>
+                    <a16:rowId xmlns:a16="http://schemas.microsoft.com/office/drawing/2014/main" xmlns="" val="10002"/>
                   </a:ext>
                 </a:extLst>
               </a:tr>
-              <a:tr h="1219781">
+              <a:tr h="615104">
                 <a:tc>
                   <a:txBody>
                     <a:bodyPr/>
@@ -8993,12 +9324,21 @@
                           <a:ea typeface="+mn-ea"/>
                           <a:cs typeface="+mn-cs"/>
                         </a:rPr>
-                        <a:t>Document UAT Results</a:t>
-                      </a:r>
-                    </a:p>
-                    <a:p>
-                      <a:pPr lvl="0" algn="ctr"/>
-                      <a:endParaRPr lang="en-SG" sz="1200" kern="1200" dirty="0">
+                        <a:t>Document </a:t>
+                      </a:r>
+                      <a:r>
+                        <a:rPr lang="en-US" sz="1200" kern="1200" dirty="0" smtClean="0">
+                          <a:solidFill>
+                            <a:schemeClr val="dk1"/>
+                          </a:solidFill>
+                          <a:effectLst/>
+                          <a:latin typeface="Noveo Sans" panose="020B0503020204020203" pitchFamily="34" charset="0"/>
+                          <a:ea typeface="+mn-ea"/>
+                          <a:cs typeface="+mn-cs"/>
+                        </a:rPr>
+                        <a:t>UAT 3 Results</a:t>
+                      </a:r>
+                      <a:endParaRPr lang="en-US" sz="1200" kern="1200" dirty="0" smtClean="0">
                         <a:solidFill>
                           <a:schemeClr val="dk1"/>
                         </a:solidFill>
@@ -9017,7 +9357,7 @@
                 </a:tc>
                 <a:extLst>
                   <a:ext uri="{0D108BD9-81ED-4DB2-BD59-A6C34878D82A}">
-                    <a16:rowId xmlns:a16="http://schemas.microsoft.com/office/drawing/2014/main" val="10003"/>
+                    <a16:rowId xmlns:a16="http://schemas.microsoft.com/office/drawing/2014/main" xmlns="" val="10003"/>
                   </a:ext>
                 </a:extLst>
               </a:tr>
@@ -9069,7 +9409,7 @@
           <p:nvPr>
             <p:extLst>
               <p:ext uri="{D42A27DB-BD31-4B8C-83A1-F6EECF244321}">
-                <p14:modId xmlns:p14="http://schemas.microsoft.com/office/powerpoint/2010/main" val="3729519569"/>
+                <p14:modId xmlns:p14="http://schemas.microsoft.com/office/powerpoint/2010/main" val="326162453"/>
               </p:ext>
             </p:extLst>
           </p:nvPr>
@@ -9088,7 +9428,7 @@
                 <a:gridCol w="2055072">
                   <a:extLst>
                     <a:ext uri="{9D8B030D-6E8A-4147-A177-3AD203B41FA5}">
-                      <a16:colId xmlns:a16="http://schemas.microsoft.com/office/drawing/2014/main" val="20000"/>
+                      <a16:colId xmlns:a16="http://schemas.microsoft.com/office/drawing/2014/main" xmlns="" val="20000"/>
                     </a:ext>
                   </a:extLst>
                 </a:gridCol>
@@ -9106,7 +9446,31 @@
                           <a:ea typeface="Noveo Sans" charset="0"/>
                           <a:cs typeface="Noveo Sans" charset="0"/>
                         </a:rPr>
-                        <a:t>31st October – 13th November</a:t>
+                        <a:t>31st </a:t>
+                      </a:r>
+                      <a:r>
+                        <a:rPr lang="en-SG" sz="1300" b="0" dirty="0" smtClean="0">
+                          <a:latin typeface="Noveo Sans" charset="0"/>
+                          <a:ea typeface="Noveo Sans" charset="0"/>
+                          <a:cs typeface="Noveo Sans" charset="0"/>
+                        </a:rPr>
+                        <a:t>Oct </a:t>
+                      </a:r>
+                      <a:r>
+                        <a:rPr lang="en-SG" sz="1300" b="0" dirty="0" smtClean="0">
+                          <a:latin typeface="Noveo Sans" charset="0"/>
+                          <a:ea typeface="Noveo Sans" charset="0"/>
+                          <a:cs typeface="Noveo Sans" charset="0"/>
+                        </a:rPr>
+                        <a:t>– 13th </a:t>
+                      </a:r>
+                      <a:r>
+                        <a:rPr lang="en-SG" sz="1300" b="0" dirty="0" smtClean="0">
+                          <a:latin typeface="Noveo Sans" charset="0"/>
+                          <a:ea typeface="Noveo Sans" charset="0"/>
+                          <a:cs typeface="Noveo Sans" charset="0"/>
+                        </a:rPr>
+                        <a:t>Nov</a:t>
                       </a:r>
                       <a:endParaRPr lang="en-US" sz="1300" b="0" dirty="0">
                         <a:latin typeface="Noveo Sans" charset="0"/>
@@ -9117,15 +9481,13 @@
                   </a:txBody>
                   <a:tcPr marL="96012" marR="96012" marT="48007" marB="48007" anchor="ctr">
                     <a:solidFill>
-                      <a:schemeClr val="bg2">
-                        <a:lumMod val="50000"/>
-                      </a:schemeClr>
+                      <a:srgbClr val="868686"/>
                     </a:solidFill>
                   </a:tcPr>
                 </a:tc>
                 <a:extLst>
                   <a:ext uri="{0D108BD9-81ED-4DB2-BD59-A6C34878D82A}">
-                    <a16:rowId xmlns:a16="http://schemas.microsoft.com/office/drawing/2014/main" val="10000"/>
+                    <a16:rowId xmlns:a16="http://schemas.microsoft.com/office/drawing/2014/main" xmlns="" val="10000"/>
                   </a:ext>
                 </a:extLst>
               </a:tr>
@@ -9159,8 +9521,16 @@
                           <a:ea typeface="Noveo Sans" charset="0"/>
                           <a:cs typeface="Noveo Sans" charset="0"/>
                         </a:rPr>
-                        <a:t>Poster – 07th Nov 2016</a:t>
-                      </a:r>
+                        <a:t>Poster: 7th Nov</a:t>
+                      </a:r>
+                      <a:endParaRPr lang="en-SG" sz="1200" dirty="0" smtClean="0">
+                        <a:solidFill>
+                          <a:schemeClr val="bg1"/>
+                        </a:solidFill>
+                        <a:latin typeface="Noveo Sans" charset="0"/>
+                        <a:ea typeface="Noveo Sans" charset="0"/>
+                        <a:cs typeface="Noveo Sans" charset="0"/>
+                      </a:endParaRPr>
                     </a:p>
                   </a:txBody>
                   <a:tcPr marL="96012" marR="96012" marT="48007" marB="48007" anchor="ctr">
@@ -9171,7 +9541,7 @@
                 </a:tc>
                 <a:extLst>
                   <a:ext uri="{0D108BD9-81ED-4DB2-BD59-A6C34878D82A}">
-                    <a16:rowId xmlns:a16="http://schemas.microsoft.com/office/drawing/2014/main" val="10001"/>
+                    <a16:rowId xmlns:a16="http://schemas.microsoft.com/office/drawing/2014/main" xmlns="" val="10001"/>
                   </a:ext>
                 </a:extLst>
               </a:tr>
@@ -9219,7 +9589,7 @@
                 </a:tc>
                 <a:extLst>
                   <a:ext uri="{0D108BD9-81ED-4DB2-BD59-A6C34878D82A}">
-                    <a16:rowId xmlns:a16="http://schemas.microsoft.com/office/drawing/2014/main" val="634995201"/>
+                    <a16:rowId xmlns:a16="http://schemas.microsoft.com/office/drawing/2014/main" xmlns="" val="634995201"/>
                   </a:ext>
                 </a:extLst>
               </a:tr>
@@ -9253,7 +9623,7 @@
                 </a:tc>
                 <a:extLst>
                   <a:ext uri="{0D108BD9-81ED-4DB2-BD59-A6C34878D82A}">
-                    <a16:rowId xmlns:a16="http://schemas.microsoft.com/office/drawing/2014/main" val="10002"/>
+                    <a16:rowId xmlns:a16="http://schemas.microsoft.com/office/drawing/2014/main" xmlns="" val="10002"/>
                   </a:ext>
                 </a:extLst>
               </a:tr>
@@ -9391,7 +9761,7 @@
                 </a:tc>
                 <a:extLst>
                   <a:ext uri="{0D108BD9-81ED-4DB2-BD59-A6C34878D82A}">
-                    <a16:rowId xmlns:a16="http://schemas.microsoft.com/office/drawing/2014/main" val="10003"/>
+                    <a16:rowId xmlns:a16="http://schemas.microsoft.com/office/drawing/2014/main" xmlns="" val="10003"/>
                   </a:ext>
                 </a:extLst>
               </a:tr>
@@ -9443,14 +9813,14 @@
           <p:nvPr>
             <p:extLst>
               <p:ext uri="{D42A27DB-BD31-4B8C-83A1-F6EECF244321}">
-                <p14:modId xmlns:p14="http://schemas.microsoft.com/office/powerpoint/2010/main" val="1258265990"/>
+                <p14:modId xmlns:p14="http://schemas.microsoft.com/office/powerpoint/2010/main" val="1066564525"/>
               </p:ext>
             </p:extLst>
           </p:nvPr>
         </p:nvGraphicFramePr>
         <p:xfrm>
-          <a:off x="10634057" y="123041"/>
-          <a:ext cx="1859779" cy="2207375"/>
+          <a:off x="10634057" y="209088"/>
+          <a:ext cx="1947834" cy="2080829"/>
         </p:xfrm>
         <a:graphic>
           <a:graphicData uri="http://schemas.openxmlformats.org/drawingml/2006/table">
@@ -9459,10 +9829,10 @@
                 <a:tableStyleId>{073A0DAA-6AF3-43AB-8588-CEC1D06C72B9}</a:tableStyleId>
               </a:tblPr>
               <a:tblGrid>
-                <a:gridCol w="1859779">
+                <a:gridCol w="1947834">
                   <a:extLst>
                     <a:ext uri="{9D8B030D-6E8A-4147-A177-3AD203B41FA5}">
-                      <a16:colId xmlns:a16="http://schemas.microsoft.com/office/drawing/2014/main" val="20000"/>
+                      <a16:colId xmlns:a16="http://schemas.microsoft.com/office/drawing/2014/main" xmlns="" val="20000"/>
                     </a:ext>
                   </a:extLst>
                 </a:gridCol>
@@ -9480,7 +9850,31 @@
                           <a:ea typeface="Noveo Sans" charset="0"/>
                           <a:cs typeface="Noveo Sans" charset="0"/>
                         </a:rPr>
-                        <a:t>14th November – 27th November</a:t>
+                        <a:t>14th </a:t>
+                      </a:r>
+                      <a:r>
+                        <a:rPr lang="en-SG" sz="1300" b="0" dirty="0" smtClean="0">
+                          <a:latin typeface="Noveo Sans" charset="0"/>
+                          <a:ea typeface="Noveo Sans" charset="0"/>
+                          <a:cs typeface="Noveo Sans" charset="0"/>
+                        </a:rPr>
+                        <a:t>Nov </a:t>
+                      </a:r>
+                      <a:r>
+                        <a:rPr lang="en-SG" sz="1300" b="0" dirty="0" smtClean="0">
+                          <a:latin typeface="Noveo Sans" charset="0"/>
+                          <a:ea typeface="Noveo Sans" charset="0"/>
+                          <a:cs typeface="Noveo Sans" charset="0"/>
+                        </a:rPr>
+                        <a:t>– 27th </a:t>
+                      </a:r>
+                      <a:r>
+                        <a:rPr lang="en-SG" sz="1300" b="0" dirty="0" smtClean="0">
+                          <a:latin typeface="Noveo Sans" charset="0"/>
+                          <a:ea typeface="Noveo Sans" charset="0"/>
+                          <a:cs typeface="Noveo Sans" charset="0"/>
+                        </a:rPr>
+                        <a:t>Nov</a:t>
                       </a:r>
                       <a:endParaRPr lang="en-US" sz="1300" b="0" dirty="0">
                         <a:latin typeface="Noveo Sans" charset="0"/>
@@ -9491,15 +9885,13 @@
                   </a:txBody>
                   <a:tcPr marL="96012" marR="96012" marT="48007" marB="48007" anchor="ctr">
                     <a:solidFill>
-                      <a:schemeClr val="bg1">
-                        <a:lumMod val="50000"/>
-                      </a:schemeClr>
+                      <a:srgbClr val="868686"/>
                     </a:solidFill>
                   </a:tcPr>
                 </a:tc>
                 <a:extLst>
                   <a:ext uri="{0D108BD9-81ED-4DB2-BD59-A6C34878D82A}">
-                    <a16:rowId xmlns:a16="http://schemas.microsoft.com/office/drawing/2014/main" val="10000"/>
+                    <a16:rowId xmlns:a16="http://schemas.microsoft.com/office/drawing/2014/main" xmlns="" val="10000"/>
                   </a:ext>
                 </a:extLst>
               </a:tr>
@@ -9533,8 +9925,60 @@
                           <a:ea typeface="Noveo Sans" charset="0"/>
                           <a:cs typeface="Noveo Sans" charset="0"/>
                         </a:rPr>
-                        <a:t>Final (21st Nov – 30th Nov 2016)</a:t>
-                      </a:r>
+                        <a:t>Final:</a:t>
+                      </a:r>
+                      <a:r>
+                        <a:rPr lang="en-SG" sz="1200" baseline="0" dirty="0" smtClean="0">
+                          <a:solidFill>
+                            <a:schemeClr val="bg1"/>
+                          </a:solidFill>
+                          <a:latin typeface="Noveo Sans" charset="0"/>
+                          <a:ea typeface="Noveo Sans" charset="0"/>
+                          <a:cs typeface="Noveo Sans" charset="0"/>
+                        </a:rPr>
+                        <a:t> </a:t>
+                      </a:r>
+                      <a:r>
+                        <a:rPr lang="en-SG" sz="1200" dirty="0" smtClean="0">
+                          <a:solidFill>
+                            <a:schemeClr val="bg1"/>
+                          </a:solidFill>
+                          <a:latin typeface="Noveo Sans" charset="0"/>
+                          <a:ea typeface="Noveo Sans" charset="0"/>
+                          <a:cs typeface="Noveo Sans" charset="0"/>
+                        </a:rPr>
+                        <a:t>21st </a:t>
+                      </a:r>
+                      <a:r>
+                        <a:rPr lang="en-SG" sz="1200" dirty="0" smtClean="0">
+                          <a:solidFill>
+                            <a:schemeClr val="bg1"/>
+                          </a:solidFill>
+                          <a:latin typeface="Noveo Sans" charset="0"/>
+                          <a:ea typeface="Noveo Sans" charset="0"/>
+                          <a:cs typeface="Noveo Sans" charset="0"/>
+                        </a:rPr>
+                        <a:t>Nov – 30th </a:t>
+                      </a:r>
+                      <a:r>
+                        <a:rPr lang="en-SG" sz="1200" dirty="0" smtClean="0">
+                          <a:solidFill>
+                            <a:schemeClr val="bg1"/>
+                          </a:solidFill>
+                          <a:latin typeface="Noveo Sans" charset="0"/>
+                          <a:ea typeface="Noveo Sans" charset="0"/>
+                          <a:cs typeface="Noveo Sans" charset="0"/>
+                        </a:rPr>
+                        <a:t>Nov</a:t>
+                      </a:r>
+                      <a:endParaRPr lang="en-SG" sz="1200" dirty="0" smtClean="0">
+                        <a:solidFill>
+                          <a:schemeClr val="bg1"/>
+                        </a:solidFill>
+                        <a:latin typeface="Noveo Sans" charset="0"/>
+                        <a:ea typeface="Noveo Sans" charset="0"/>
+                        <a:cs typeface="Noveo Sans" charset="0"/>
+                      </a:endParaRPr>
                     </a:p>
                   </a:txBody>
                   <a:tcPr marL="96012" marR="96012" marT="48007" marB="48007" anchor="ctr">
@@ -9545,7 +9989,7 @@
                 </a:tc>
                 <a:extLst>
                   <a:ext uri="{0D108BD9-81ED-4DB2-BD59-A6C34878D82A}">
-                    <a16:rowId xmlns:a16="http://schemas.microsoft.com/office/drawing/2014/main" val="10001"/>
+                    <a16:rowId xmlns:a16="http://schemas.microsoft.com/office/drawing/2014/main" xmlns="" val="10001"/>
                   </a:ext>
                 </a:extLst>
               </a:tr>
@@ -9710,7 +10154,7 @@
                 </a:tc>
                 <a:extLst>
                   <a:ext uri="{0D108BD9-81ED-4DB2-BD59-A6C34878D82A}">
-                    <a16:rowId xmlns:a16="http://schemas.microsoft.com/office/drawing/2014/main" val="10003"/>
+                    <a16:rowId xmlns:a16="http://schemas.microsoft.com/office/drawing/2014/main" xmlns="" val="10003"/>
                   </a:ext>
                 </a:extLst>
               </a:tr>
@@ -9726,8 +10170,8 @@
         </p:nvCxnSpPr>
         <p:spPr>
           <a:xfrm>
-            <a:off x="12208542" y="4365501"/>
-            <a:ext cx="0" cy="2635489"/>
+            <a:off x="12208542" y="4274518"/>
+            <a:ext cx="0" cy="3188942"/>
           </a:xfrm>
           <a:prstGeom prst="line">
             <a:avLst/>
@@ -9762,14 +10206,14 @@
           <p:nvPr>
             <p:extLst>
               <p:ext uri="{D42A27DB-BD31-4B8C-83A1-F6EECF244321}">
-                <p14:modId xmlns:p14="http://schemas.microsoft.com/office/powerpoint/2010/main" val="1840442296"/>
+                <p14:modId xmlns:p14="http://schemas.microsoft.com/office/powerpoint/2010/main" val="89663765"/>
               </p:ext>
             </p:extLst>
           </p:nvPr>
         </p:nvGraphicFramePr>
         <p:xfrm>
-          <a:off x="10960257" y="7022592"/>
-          <a:ext cx="1668885" cy="1954041"/>
+          <a:off x="10913006" y="7474424"/>
+          <a:ext cx="1668885" cy="1835650"/>
         </p:xfrm>
         <a:graphic>
           <a:graphicData uri="http://schemas.openxmlformats.org/drawingml/2006/table">
@@ -9781,7 +10225,7 @@
                 <a:gridCol w="1668885">
                   <a:extLst>
                     <a:ext uri="{9D8B030D-6E8A-4147-A177-3AD203B41FA5}">
-                      <a16:colId xmlns:a16="http://schemas.microsoft.com/office/drawing/2014/main" val="20000"/>
+                      <a16:colId xmlns:a16="http://schemas.microsoft.com/office/drawing/2014/main" xmlns="" val="20000"/>
                     </a:ext>
                   </a:extLst>
                 </a:gridCol>
@@ -9799,7 +10243,31 @@
                           <a:ea typeface="Noveo Sans" charset="0"/>
                           <a:cs typeface="Noveo Sans" charset="0"/>
                         </a:rPr>
-                        <a:t>28th November – 2nd December</a:t>
+                        <a:t>28th </a:t>
+                      </a:r>
+                      <a:r>
+                        <a:rPr lang="en-SG" sz="1300" b="0" dirty="0" smtClean="0">
+                          <a:latin typeface="Noveo Sans" charset="0"/>
+                          <a:ea typeface="Noveo Sans" charset="0"/>
+                          <a:cs typeface="Noveo Sans" charset="0"/>
+                        </a:rPr>
+                        <a:t>Nov </a:t>
+                      </a:r>
+                      <a:r>
+                        <a:rPr lang="en-SG" sz="1300" b="0" dirty="0" smtClean="0">
+                          <a:latin typeface="Noveo Sans" charset="0"/>
+                          <a:ea typeface="Noveo Sans" charset="0"/>
+                          <a:cs typeface="Noveo Sans" charset="0"/>
+                        </a:rPr>
+                        <a:t>– 2nd </a:t>
+                      </a:r>
+                      <a:r>
+                        <a:rPr lang="en-SG" sz="1300" b="0" dirty="0" smtClean="0">
+                          <a:latin typeface="Noveo Sans" charset="0"/>
+                          <a:ea typeface="Noveo Sans" charset="0"/>
+                          <a:cs typeface="Noveo Sans" charset="0"/>
+                        </a:rPr>
+                        <a:t>Dec</a:t>
                       </a:r>
                       <a:endParaRPr lang="en-US" sz="1300" b="0" dirty="0">
                         <a:latin typeface="Noveo Sans" charset="0"/>
@@ -9810,15 +10278,13 @@
                   </a:txBody>
                   <a:tcPr marL="96012" marR="96012" marT="48007" marB="48007" anchor="ctr">
                     <a:solidFill>
-                      <a:schemeClr val="bg2">
-                        <a:lumMod val="50000"/>
-                      </a:schemeClr>
+                      <a:srgbClr val="868686"/>
                     </a:solidFill>
                   </a:tcPr>
                 </a:tc>
                 <a:extLst>
                   <a:ext uri="{0D108BD9-81ED-4DB2-BD59-A6C34878D82A}">
-                    <a16:rowId xmlns:a16="http://schemas.microsoft.com/office/drawing/2014/main" val="10000"/>
+                    <a16:rowId xmlns:a16="http://schemas.microsoft.com/office/drawing/2014/main" xmlns="" val="10000"/>
                   </a:ext>
                 </a:extLst>
               </a:tr>
@@ -9852,8 +10318,16 @@
                           <a:ea typeface="Noveo Sans" charset="0"/>
                           <a:cs typeface="Noveo Sans" charset="0"/>
                         </a:rPr>
-                        <a:t>Poster day – 2nd Dec 2016, 1130 - 1430</a:t>
-                      </a:r>
+                        <a:t>Poster day: 2nd Dec</a:t>
+                      </a:r>
+                      <a:endParaRPr lang="en-SG" sz="1200" dirty="0" smtClean="0">
+                        <a:solidFill>
+                          <a:schemeClr val="bg1"/>
+                        </a:solidFill>
+                        <a:latin typeface="Noveo Sans" charset="0"/>
+                        <a:ea typeface="Noveo Sans" charset="0"/>
+                        <a:cs typeface="Noveo Sans" charset="0"/>
+                      </a:endParaRPr>
                     </a:p>
                   </a:txBody>
                   <a:tcPr marL="96012" marR="96012" marT="48007" marB="48007" anchor="ctr">
@@ -9864,7 +10338,7 @@
                 </a:tc>
                 <a:extLst>
                   <a:ext uri="{0D108BD9-81ED-4DB2-BD59-A6C34878D82A}">
-                    <a16:rowId xmlns:a16="http://schemas.microsoft.com/office/drawing/2014/main" val="10001"/>
+                    <a16:rowId xmlns:a16="http://schemas.microsoft.com/office/drawing/2014/main" xmlns="" val="10001"/>
                   </a:ext>
                 </a:extLst>
               </a:tr>
@@ -10002,7 +10476,7 @@
                 </a:tc>
                 <a:extLst>
                   <a:ext uri="{0D108BD9-81ED-4DB2-BD59-A6C34878D82A}">
-                    <a16:rowId xmlns:a16="http://schemas.microsoft.com/office/drawing/2014/main" val="10003"/>
+                    <a16:rowId xmlns:a16="http://schemas.microsoft.com/office/drawing/2014/main" xmlns="" val="10003"/>
                   </a:ext>
                 </a:extLst>
               </a:tr>
